--- a/Data analysis/03. 3일차/데이터시각화.pptx
+++ b/Data analysis/03. 3일차/데이터시각화.pptx
@@ -207,7 +207,7 @@
           <a:p>
             <a:fld id="{762295EE-25FF-419D-9449-2D52353905B1}" type="datetimeFigureOut">
               <a:rPr lang="ko-KR" altLang="en-US" smtClean="0"/>
-              <a:t>2020-03-23</a:t>
+              <a:t>2020-03-24</a:t>
             </a:fld>
             <a:endParaRPr lang="ko-KR" altLang="en-US"/>
           </a:p>
@@ -2309,7 +2309,7 @@
           <a:p>
             <a:fld id="{06AE0B28-11AF-450D-9AFB-A01EA93FBCDE}" type="datetimeFigureOut">
               <a:rPr lang="ko-KR" altLang="en-US" smtClean="0"/>
-              <a:t>2020-03-23</a:t>
+              <a:t>2020-03-24</a:t>
             </a:fld>
             <a:endParaRPr lang="ko-KR" altLang="en-US"/>
           </a:p>
@@ -2479,7 +2479,7 @@
           <a:p>
             <a:fld id="{06AE0B28-11AF-450D-9AFB-A01EA93FBCDE}" type="datetimeFigureOut">
               <a:rPr lang="ko-KR" altLang="en-US" smtClean="0"/>
-              <a:t>2020-03-23</a:t>
+              <a:t>2020-03-24</a:t>
             </a:fld>
             <a:endParaRPr lang="ko-KR" altLang="en-US"/>
           </a:p>
@@ -2659,7 +2659,7 @@
           <a:p>
             <a:fld id="{06AE0B28-11AF-450D-9AFB-A01EA93FBCDE}" type="datetimeFigureOut">
               <a:rPr lang="ko-KR" altLang="en-US" smtClean="0"/>
-              <a:t>2020-03-23</a:t>
+              <a:t>2020-03-24</a:t>
             </a:fld>
             <a:endParaRPr lang="ko-KR" altLang="en-US"/>
           </a:p>
@@ -2829,7 +2829,7 @@
           <a:p>
             <a:fld id="{06AE0B28-11AF-450D-9AFB-A01EA93FBCDE}" type="datetimeFigureOut">
               <a:rPr lang="ko-KR" altLang="en-US" smtClean="0"/>
-              <a:t>2020-03-23</a:t>
+              <a:t>2020-03-24</a:t>
             </a:fld>
             <a:endParaRPr lang="ko-KR" altLang="en-US"/>
           </a:p>
@@ -3075,7 +3075,7 @@
           <a:p>
             <a:fld id="{06AE0B28-11AF-450D-9AFB-A01EA93FBCDE}" type="datetimeFigureOut">
               <a:rPr lang="ko-KR" altLang="en-US" smtClean="0"/>
-              <a:t>2020-03-23</a:t>
+              <a:t>2020-03-24</a:t>
             </a:fld>
             <a:endParaRPr lang="ko-KR" altLang="en-US"/>
           </a:p>
@@ -3307,7 +3307,7 @@
           <a:p>
             <a:fld id="{06AE0B28-11AF-450D-9AFB-A01EA93FBCDE}" type="datetimeFigureOut">
               <a:rPr lang="ko-KR" altLang="en-US" smtClean="0"/>
-              <a:t>2020-03-23</a:t>
+              <a:t>2020-03-24</a:t>
             </a:fld>
             <a:endParaRPr lang="ko-KR" altLang="en-US"/>
           </a:p>
@@ -3674,7 +3674,7 @@
           <a:p>
             <a:fld id="{06AE0B28-11AF-450D-9AFB-A01EA93FBCDE}" type="datetimeFigureOut">
               <a:rPr lang="ko-KR" altLang="en-US" smtClean="0"/>
-              <a:t>2020-03-23</a:t>
+              <a:t>2020-03-24</a:t>
             </a:fld>
             <a:endParaRPr lang="ko-KR" altLang="en-US"/>
           </a:p>
@@ -3792,7 +3792,7 @@
           <a:p>
             <a:fld id="{06AE0B28-11AF-450D-9AFB-A01EA93FBCDE}" type="datetimeFigureOut">
               <a:rPr lang="ko-KR" altLang="en-US" smtClean="0"/>
-              <a:t>2020-03-23</a:t>
+              <a:t>2020-03-24</a:t>
             </a:fld>
             <a:endParaRPr lang="ko-KR" altLang="en-US"/>
           </a:p>
@@ -3887,7 +3887,7 @@
           <a:p>
             <a:fld id="{06AE0B28-11AF-450D-9AFB-A01EA93FBCDE}" type="datetimeFigureOut">
               <a:rPr lang="ko-KR" altLang="en-US" smtClean="0"/>
-              <a:t>2020-03-23</a:t>
+              <a:t>2020-03-24</a:t>
             </a:fld>
             <a:endParaRPr lang="ko-KR" altLang="en-US"/>
           </a:p>
@@ -4164,7 +4164,7 @@
           <a:p>
             <a:fld id="{06AE0B28-11AF-450D-9AFB-A01EA93FBCDE}" type="datetimeFigureOut">
               <a:rPr lang="ko-KR" altLang="en-US" smtClean="0"/>
-              <a:t>2020-03-23</a:t>
+              <a:t>2020-03-24</a:t>
             </a:fld>
             <a:endParaRPr lang="ko-KR" altLang="en-US"/>
           </a:p>
@@ -4417,7 +4417,7 @@
           <a:p>
             <a:fld id="{06AE0B28-11AF-450D-9AFB-A01EA93FBCDE}" type="datetimeFigureOut">
               <a:rPr lang="ko-KR" altLang="en-US" smtClean="0"/>
-              <a:t>2020-03-23</a:t>
+              <a:t>2020-03-24</a:t>
             </a:fld>
             <a:endParaRPr lang="ko-KR" altLang="en-US"/>
           </a:p>
@@ -4630,7 +4630,7 @@
           <a:p>
             <a:fld id="{06AE0B28-11AF-450D-9AFB-A01EA93FBCDE}" type="datetimeFigureOut">
               <a:rPr lang="ko-KR" altLang="en-US" smtClean="0"/>
-              <a:t>2020-03-23</a:t>
+              <a:t>2020-03-24</a:t>
             </a:fld>
             <a:endParaRPr lang="ko-KR" altLang="en-US"/>
           </a:p>
@@ -8603,8 +8603,8 @@
         </p:nvSpPr>
         <p:spPr>
           <a:xfrm>
-            <a:off x="599375" y="1047092"/>
-            <a:ext cx="11486607" cy="5755422"/>
+            <a:off x="599376" y="946001"/>
+            <a:ext cx="11486607" cy="5940088"/>
           </a:xfrm>
           <a:prstGeom prst="rect">
             <a:avLst/>
@@ -8845,7 +8845,7 @@
                 <a:latin typeface="나눔스퀘어라운드 Bold" panose="020B0600000101010101" pitchFamily="50" charset="-127"/>
                 <a:ea typeface="나눔스퀘어라운드 Bold" panose="020B0600000101010101" pitchFamily="50" charset="-127"/>
               </a:rPr>
-              <a:t>그려진다</a:t>
+              <a:t>빠르게 그려진다</a:t>
             </a:r>
             <a:endParaRPr lang="en-US" altLang="ko-KR" sz="2400" dirty="0" smtClean="0">
               <a:latin typeface="나눔스퀘어라운드 Bold" panose="020B0600000101010101" pitchFamily="50" charset="-127"/>
@@ -8853,20 +8853,20 @@
             </a:endParaRPr>
           </a:p>
           <a:p>
-            <a:pPr marL="457200" lvl="2"/>
-            <a:endParaRPr lang="en-US" altLang="ko-KR" sz="2400" dirty="0" smtClean="0">
-              <a:latin typeface="나눔스퀘어라운드 Bold" panose="020B0600000101010101" pitchFamily="50" charset="-127"/>
-              <a:ea typeface="나눔스퀘어라운드 Bold" panose="020B0600000101010101" pitchFamily="50" charset="-127"/>
-            </a:endParaRPr>
-          </a:p>
-          <a:p>
             <a:pPr marL="0" lvl="1"/>
             <a:r>
               <a:rPr lang="en-US" altLang="ko-KR" sz="2000" dirty="0" smtClean="0">
                 <a:latin typeface="나눔스퀘어라운드 Bold" panose="020B0600000101010101" pitchFamily="50" charset="-127"/>
                 <a:ea typeface="나눔스퀘어라운드 Bold" panose="020B0600000101010101" pitchFamily="50" charset="-127"/>
               </a:rPr>
-              <a:t>                                                         * </a:t>
+              <a:t>                                                        </a:t>
+            </a:r>
+            <a:r>
+              <a:rPr lang="en-US" altLang="ko-KR" sz="2000" dirty="0" smtClean="0">
+                <a:latin typeface="나눔스퀘어라운드 Bold" panose="020B0600000101010101" pitchFamily="50" charset="-127"/>
+                <a:ea typeface="나눔스퀘어라운드 Bold" panose="020B0600000101010101" pitchFamily="50" charset="-127"/>
+              </a:rPr>
+              <a:t>* </a:t>
             </a:r>
             <a:r>
               <a:rPr lang="ko-KR" altLang="en-US" sz="1400" dirty="0" smtClean="0">
@@ -10404,14 +10404,7 @@
                 <a:latin typeface="나눔스퀘어라운드 Bold" panose="020B0600000101010101" pitchFamily="50" charset="-127"/>
                 <a:ea typeface="나눔스퀘어라운드 Bold" panose="020B0600000101010101" pitchFamily="50" charset="-127"/>
               </a:rPr>
-              <a:t>밀집 위치를 </a:t>
-            </a:r>
-            <a:r>
-              <a:rPr lang="ko-KR" altLang="en-US" sz="1700" dirty="0" smtClean="0">
-                <a:latin typeface="나눔스퀘어라운드 Bold" panose="020B0600000101010101" pitchFamily="50" charset="-127"/>
-                <a:ea typeface="나눔스퀘어라운드 Bold" panose="020B0600000101010101" pitchFamily="50" charset="-127"/>
-              </a:rPr>
-              <a:t>나타낸다</a:t>
+              <a:t>밀집 위치를 나타낸다</a:t>
             </a:r>
             <a:endParaRPr lang="ko-KR" altLang="en-US" sz="1700" dirty="0">
               <a:latin typeface="나눔스퀘어라운드 Bold" panose="020B0600000101010101" pitchFamily="50" charset="-127"/>

--- a/Data analysis/03. 3일차/데이터시각화.pptx
+++ b/Data analysis/03. 3일차/데이터시각화.pptx
@@ -5,7 +5,7 @@
     <p:sldMasterId id="2147483648" r:id="rId1"/>
   </p:sldMasterIdLst>
   <p:notesMasterIdLst>
-    <p:notesMasterId r:id="rId13"/>
+    <p:notesMasterId r:id="rId12"/>
   </p:notesMasterIdLst>
   <p:sldIdLst>
     <p:sldId id="257" r:id="rId2"/>
@@ -15,10 +15,9 @@
     <p:sldId id="261" r:id="rId6"/>
     <p:sldId id="282" r:id="rId7"/>
     <p:sldId id="281" r:id="rId8"/>
-    <p:sldId id="283" r:id="rId9"/>
-    <p:sldId id="271" r:id="rId10"/>
-    <p:sldId id="263" r:id="rId11"/>
-    <p:sldId id="277" r:id="rId12"/>
+    <p:sldId id="271" r:id="rId9"/>
+    <p:sldId id="263" r:id="rId10"/>
+    <p:sldId id="277" r:id="rId11"/>
   </p:sldIdLst>
   <p:sldSz cx="12192000" cy="6858000"/>
   <p:notesSz cx="6858000" cy="9144000"/>
@@ -207,7 +206,7 @@
           <a:p>
             <a:fld id="{762295EE-25FF-419D-9449-2D52353905B1}" type="datetimeFigureOut">
               <a:rPr lang="ko-KR" altLang="en-US" smtClean="0"/>
-              <a:t>2020-03-24</a:t>
+              <a:t>2020-03-27</a:t>
             </a:fld>
             <a:endParaRPr lang="ko-KR" altLang="en-US"/>
           </a:p>
@@ -767,7 +766,7 @@
     </p:spTree>
     <p:extLst>
       <p:ext uri="{BB962C8B-B14F-4D97-AF65-F5344CB8AC3E}">
-        <p14:creationId xmlns:p14="http://schemas.microsoft.com/office/powerpoint/2010/main" val="891153864"/>
+        <p14:creationId xmlns:p14="http://schemas.microsoft.com/office/powerpoint/2010/main" val="2684412571"/>
       </p:ext>
     </p:extLst>
   </p:cSld>
@@ -777,7 +776,225 @@
 </p:notes>
 </file>
 
-<file path=ppt/notesSlides/notesSlide11.xml><?xml version="1.0" encoding="utf-8"?>
+<file path=ppt/notesSlides/notesSlide2.xml><?xml version="1.0" encoding="utf-8"?>
+<p:notes xmlns:a="http://schemas.openxmlformats.org/drawingml/2006/main" xmlns:r="http://schemas.openxmlformats.org/officeDocument/2006/relationships" xmlns:p="http://schemas.openxmlformats.org/presentationml/2006/main" showMasterSp="0" showMasterPhAnim="0">
+  <p:cSld>
+    <p:spTree>
+      <p:nvGrpSpPr>
+        <p:cNvPr id="1" name="Shape 97"/>
+        <p:cNvGrpSpPr/>
+        <p:nvPr/>
+      </p:nvGrpSpPr>
+      <p:grpSpPr>
+        <a:xfrm>
+          <a:off x="0" y="0"/>
+          <a:ext cx="0" cy="0"/>
+          <a:chOff x="0" y="0"/>
+          <a:chExt cx="0" cy="0"/>
+        </a:xfrm>
+      </p:grpSpPr>
+      <p:sp>
+        <p:nvSpPr>
+          <p:cNvPr id="98" name="Google Shape;98;p5:notes"/>
+          <p:cNvSpPr txBox="1">
+            <a:spLocks noGrp="1"/>
+          </p:cNvSpPr>
+          <p:nvPr>
+            <p:ph type="body" idx="1"/>
+          </p:nvPr>
+        </p:nvSpPr>
+        <p:spPr>
+          <a:xfrm>
+            <a:off x="685800" y="4343400"/>
+            <a:ext cx="5486400" cy="4114800"/>
+          </a:xfrm>
+          <a:prstGeom prst="rect">
+            <a:avLst/>
+          </a:prstGeom>
+        </p:spPr>
+        <p:txBody>
+          <a:bodyPr spcFirstLastPara="1" wrap="square" lIns="91425" tIns="91425" rIns="91425" bIns="91425" anchor="t" anchorCtr="0">
+            <a:noAutofit/>
+          </a:bodyPr>
+          <a:lstStyle/>
+          <a:p>
+            <a:pPr marL="0" lvl="0" indent="0" algn="l" rtl="0">
+              <a:spcBef>
+                <a:spcPts val="0"/>
+              </a:spcBef>
+              <a:spcAft>
+                <a:spcPts val="0"/>
+              </a:spcAft>
+              <a:buNone/>
+            </a:pPr>
+            <a:endParaRPr/>
+          </a:p>
+        </p:txBody>
+      </p:sp>
+      <p:sp>
+        <p:nvSpPr>
+          <p:cNvPr id="99" name="Google Shape;99;p5:notes"/>
+          <p:cNvSpPr>
+            <a:spLocks noGrp="1" noRot="1" noChangeAspect="1"/>
+          </p:cNvSpPr>
+          <p:nvPr>
+            <p:ph type="sldImg" idx="2"/>
+          </p:nvPr>
+        </p:nvSpPr>
+        <p:spPr>
+          <a:xfrm>
+            <a:off x="381000" y="685800"/>
+            <a:ext cx="6096000" cy="3429000"/>
+          </a:xfrm>
+          <a:custGeom>
+            <a:avLst/>
+            <a:gdLst/>
+            <a:ahLst/>
+            <a:cxnLst/>
+            <a:rect l="l" t="t" r="r" b="b"/>
+            <a:pathLst>
+              <a:path w="120000" h="120000" extrusionOk="0">
+                <a:moveTo>
+                  <a:pt x="0" y="0"/>
+                </a:moveTo>
+                <a:lnTo>
+                  <a:pt x="120000" y="0"/>
+                </a:lnTo>
+                <a:lnTo>
+                  <a:pt x="120000" y="120000"/>
+                </a:lnTo>
+                <a:lnTo>
+                  <a:pt x="0" y="120000"/>
+                </a:lnTo>
+                <a:close/>
+              </a:path>
+            </a:pathLst>
+          </a:custGeom>
+        </p:spPr>
+      </p:sp>
+    </p:spTree>
+    <p:extLst>
+      <p:ext uri="{BB962C8B-B14F-4D97-AF65-F5344CB8AC3E}">
+        <p14:creationId xmlns:p14="http://schemas.microsoft.com/office/powerpoint/2010/main" val="2579952605"/>
+      </p:ext>
+    </p:extLst>
+  </p:cSld>
+  <p:clrMapOvr>
+    <a:masterClrMapping/>
+  </p:clrMapOvr>
+</p:notes>
+</file>
+
+<file path=ppt/notesSlides/notesSlide3.xml><?xml version="1.0" encoding="utf-8"?>
+<p:notes xmlns:a="http://schemas.openxmlformats.org/drawingml/2006/main" xmlns:r="http://schemas.openxmlformats.org/officeDocument/2006/relationships" xmlns:p="http://schemas.openxmlformats.org/presentationml/2006/main" showMasterSp="0" showMasterPhAnim="0">
+  <p:cSld>
+    <p:spTree>
+      <p:nvGrpSpPr>
+        <p:cNvPr id="1" name="Shape 121"/>
+        <p:cNvGrpSpPr/>
+        <p:nvPr/>
+      </p:nvGrpSpPr>
+      <p:grpSpPr>
+        <a:xfrm>
+          <a:off x="0" y="0"/>
+          <a:ext cx="0" cy="0"/>
+          <a:chOff x="0" y="0"/>
+          <a:chExt cx="0" cy="0"/>
+        </a:xfrm>
+      </p:grpSpPr>
+      <p:sp>
+        <p:nvSpPr>
+          <p:cNvPr id="122" name="Google Shape;122;p6:notes"/>
+          <p:cNvSpPr txBox="1">
+            <a:spLocks noGrp="1"/>
+          </p:cNvSpPr>
+          <p:nvPr>
+            <p:ph type="body" idx="1"/>
+          </p:nvPr>
+        </p:nvSpPr>
+        <p:spPr>
+          <a:xfrm>
+            <a:off x="685800" y="4343400"/>
+            <a:ext cx="5486400" cy="4114800"/>
+          </a:xfrm>
+          <a:prstGeom prst="rect">
+            <a:avLst/>
+          </a:prstGeom>
+        </p:spPr>
+        <p:txBody>
+          <a:bodyPr spcFirstLastPara="1" wrap="square" lIns="91425" tIns="91425" rIns="91425" bIns="91425" anchor="t" anchorCtr="0">
+            <a:noAutofit/>
+          </a:bodyPr>
+          <a:lstStyle/>
+          <a:p>
+            <a:pPr marL="0" lvl="0" indent="0" algn="l" rtl="0">
+              <a:spcBef>
+                <a:spcPts val="0"/>
+              </a:spcBef>
+              <a:spcAft>
+                <a:spcPts val="0"/>
+              </a:spcAft>
+              <a:buNone/>
+            </a:pPr>
+            <a:endParaRPr/>
+          </a:p>
+        </p:txBody>
+      </p:sp>
+      <p:sp>
+        <p:nvSpPr>
+          <p:cNvPr id="123" name="Google Shape;123;p6:notes"/>
+          <p:cNvSpPr>
+            <a:spLocks noGrp="1" noRot="1" noChangeAspect="1"/>
+          </p:cNvSpPr>
+          <p:nvPr>
+            <p:ph type="sldImg" idx="2"/>
+          </p:nvPr>
+        </p:nvSpPr>
+        <p:spPr>
+          <a:xfrm>
+            <a:off x="381000" y="685800"/>
+            <a:ext cx="6096000" cy="3429000"/>
+          </a:xfrm>
+          <a:custGeom>
+            <a:avLst/>
+            <a:gdLst/>
+            <a:ahLst/>
+            <a:cxnLst/>
+            <a:rect l="l" t="t" r="r" b="b"/>
+            <a:pathLst>
+              <a:path w="120000" h="120000" extrusionOk="0">
+                <a:moveTo>
+                  <a:pt x="0" y="0"/>
+                </a:moveTo>
+                <a:lnTo>
+                  <a:pt x="120000" y="0"/>
+                </a:lnTo>
+                <a:lnTo>
+                  <a:pt x="120000" y="120000"/>
+                </a:lnTo>
+                <a:lnTo>
+                  <a:pt x="0" y="120000"/>
+                </a:lnTo>
+                <a:close/>
+              </a:path>
+            </a:pathLst>
+          </a:custGeom>
+        </p:spPr>
+      </p:sp>
+    </p:spTree>
+    <p:extLst>
+      <p:ext uri="{BB962C8B-B14F-4D97-AF65-F5344CB8AC3E}">
+        <p14:creationId xmlns:p14="http://schemas.microsoft.com/office/powerpoint/2010/main" val="1837215951"/>
+      </p:ext>
+    </p:extLst>
+  </p:cSld>
+  <p:clrMapOvr>
+    <a:masterClrMapping/>
+  </p:clrMapOvr>
+</p:notes>
+</file>
+
+<file path=ppt/notesSlides/notesSlide4.xml><?xml version="1.0" encoding="utf-8"?>
 <p:notes xmlns:a="http://schemas.openxmlformats.org/drawingml/2006/main" xmlns:r="http://schemas.openxmlformats.org/officeDocument/2006/relationships" xmlns:p="http://schemas.openxmlformats.org/presentationml/2006/main" showMasterSp="0" showMasterPhAnim="0">
   <p:cSld>
     <p:spTree>
@@ -943,7 +1160,7 @@
                 <a:cs typeface="Arial"/>
                 <a:sym typeface="Arial"/>
               </a:rPr>
-              <a:t>11</a:t>
+              <a:t>4</a:t>
             </a:fld>
             <a:endParaRPr sz="1200">
               <a:solidFill>
@@ -960,7 +1177,7 @@
     </p:spTree>
     <p:extLst>
       <p:ext uri="{BB962C8B-B14F-4D97-AF65-F5344CB8AC3E}">
-        <p14:creationId xmlns:p14="http://schemas.microsoft.com/office/powerpoint/2010/main" val="2684412571"/>
+        <p14:creationId xmlns:p14="http://schemas.microsoft.com/office/powerpoint/2010/main" val="2929015810"/>
       </p:ext>
     </p:extLst>
   </p:cSld>
@@ -970,225 +1187,7 @@
 </p:notes>
 </file>
 
-<file path=ppt/notesSlides/notesSlide2.xml><?xml version="1.0" encoding="utf-8"?>
-<p:notes xmlns:a="http://schemas.openxmlformats.org/drawingml/2006/main" xmlns:r="http://schemas.openxmlformats.org/officeDocument/2006/relationships" xmlns:p="http://schemas.openxmlformats.org/presentationml/2006/main" showMasterSp="0" showMasterPhAnim="0">
-  <p:cSld>
-    <p:spTree>
-      <p:nvGrpSpPr>
-        <p:cNvPr id="1" name="Shape 97"/>
-        <p:cNvGrpSpPr/>
-        <p:nvPr/>
-      </p:nvGrpSpPr>
-      <p:grpSpPr>
-        <a:xfrm>
-          <a:off x="0" y="0"/>
-          <a:ext cx="0" cy="0"/>
-          <a:chOff x="0" y="0"/>
-          <a:chExt cx="0" cy="0"/>
-        </a:xfrm>
-      </p:grpSpPr>
-      <p:sp>
-        <p:nvSpPr>
-          <p:cNvPr id="98" name="Google Shape;98;p5:notes"/>
-          <p:cNvSpPr txBox="1">
-            <a:spLocks noGrp="1"/>
-          </p:cNvSpPr>
-          <p:nvPr>
-            <p:ph type="body" idx="1"/>
-          </p:nvPr>
-        </p:nvSpPr>
-        <p:spPr>
-          <a:xfrm>
-            <a:off x="685800" y="4343400"/>
-            <a:ext cx="5486400" cy="4114800"/>
-          </a:xfrm>
-          <a:prstGeom prst="rect">
-            <a:avLst/>
-          </a:prstGeom>
-        </p:spPr>
-        <p:txBody>
-          <a:bodyPr spcFirstLastPara="1" wrap="square" lIns="91425" tIns="91425" rIns="91425" bIns="91425" anchor="t" anchorCtr="0">
-            <a:noAutofit/>
-          </a:bodyPr>
-          <a:lstStyle/>
-          <a:p>
-            <a:pPr marL="0" lvl="0" indent="0" algn="l" rtl="0">
-              <a:spcBef>
-                <a:spcPts val="0"/>
-              </a:spcBef>
-              <a:spcAft>
-                <a:spcPts val="0"/>
-              </a:spcAft>
-              <a:buNone/>
-            </a:pPr>
-            <a:endParaRPr/>
-          </a:p>
-        </p:txBody>
-      </p:sp>
-      <p:sp>
-        <p:nvSpPr>
-          <p:cNvPr id="99" name="Google Shape;99;p5:notes"/>
-          <p:cNvSpPr>
-            <a:spLocks noGrp="1" noRot="1" noChangeAspect="1"/>
-          </p:cNvSpPr>
-          <p:nvPr>
-            <p:ph type="sldImg" idx="2"/>
-          </p:nvPr>
-        </p:nvSpPr>
-        <p:spPr>
-          <a:xfrm>
-            <a:off x="381000" y="685800"/>
-            <a:ext cx="6096000" cy="3429000"/>
-          </a:xfrm>
-          <a:custGeom>
-            <a:avLst/>
-            <a:gdLst/>
-            <a:ahLst/>
-            <a:cxnLst/>
-            <a:rect l="l" t="t" r="r" b="b"/>
-            <a:pathLst>
-              <a:path w="120000" h="120000" extrusionOk="0">
-                <a:moveTo>
-                  <a:pt x="0" y="0"/>
-                </a:moveTo>
-                <a:lnTo>
-                  <a:pt x="120000" y="0"/>
-                </a:lnTo>
-                <a:lnTo>
-                  <a:pt x="120000" y="120000"/>
-                </a:lnTo>
-                <a:lnTo>
-                  <a:pt x="0" y="120000"/>
-                </a:lnTo>
-                <a:close/>
-              </a:path>
-            </a:pathLst>
-          </a:custGeom>
-        </p:spPr>
-      </p:sp>
-    </p:spTree>
-    <p:extLst>
-      <p:ext uri="{BB962C8B-B14F-4D97-AF65-F5344CB8AC3E}">
-        <p14:creationId xmlns:p14="http://schemas.microsoft.com/office/powerpoint/2010/main" val="2579952605"/>
-      </p:ext>
-    </p:extLst>
-  </p:cSld>
-  <p:clrMapOvr>
-    <a:masterClrMapping/>
-  </p:clrMapOvr>
-</p:notes>
-</file>
-
-<file path=ppt/notesSlides/notesSlide3.xml><?xml version="1.0" encoding="utf-8"?>
-<p:notes xmlns:a="http://schemas.openxmlformats.org/drawingml/2006/main" xmlns:r="http://schemas.openxmlformats.org/officeDocument/2006/relationships" xmlns:p="http://schemas.openxmlformats.org/presentationml/2006/main" showMasterSp="0" showMasterPhAnim="0">
-  <p:cSld>
-    <p:spTree>
-      <p:nvGrpSpPr>
-        <p:cNvPr id="1" name="Shape 121"/>
-        <p:cNvGrpSpPr/>
-        <p:nvPr/>
-      </p:nvGrpSpPr>
-      <p:grpSpPr>
-        <a:xfrm>
-          <a:off x="0" y="0"/>
-          <a:ext cx="0" cy="0"/>
-          <a:chOff x="0" y="0"/>
-          <a:chExt cx="0" cy="0"/>
-        </a:xfrm>
-      </p:grpSpPr>
-      <p:sp>
-        <p:nvSpPr>
-          <p:cNvPr id="122" name="Google Shape;122;p6:notes"/>
-          <p:cNvSpPr txBox="1">
-            <a:spLocks noGrp="1"/>
-          </p:cNvSpPr>
-          <p:nvPr>
-            <p:ph type="body" idx="1"/>
-          </p:nvPr>
-        </p:nvSpPr>
-        <p:spPr>
-          <a:xfrm>
-            <a:off x="685800" y="4343400"/>
-            <a:ext cx="5486400" cy="4114800"/>
-          </a:xfrm>
-          <a:prstGeom prst="rect">
-            <a:avLst/>
-          </a:prstGeom>
-        </p:spPr>
-        <p:txBody>
-          <a:bodyPr spcFirstLastPara="1" wrap="square" lIns="91425" tIns="91425" rIns="91425" bIns="91425" anchor="t" anchorCtr="0">
-            <a:noAutofit/>
-          </a:bodyPr>
-          <a:lstStyle/>
-          <a:p>
-            <a:pPr marL="0" lvl="0" indent="0" algn="l" rtl="0">
-              <a:spcBef>
-                <a:spcPts val="0"/>
-              </a:spcBef>
-              <a:spcAft>
-                <a:spcPts val="0"/>
-              </a:spcAft>
-              <a:buNone/>
-            </a:pPr>
-            <a:endParaRPr/>
-          </a:p>
-        </p:txBody>
-      </p:sp>
-      <p:sp>
-        <p:nvSpPr>
-          <p:cNvPr id="123" name="Google Shape;123;p6:notes"/>
-          <p:cNvSpPr>
-            <a:spLocks noGrp="1" noRot="1" noChangeAspect="1"/>
-          </p:cNvSpPr>
-          <p:nvPr>
-            <p:ph type="sldImg" idx="2"/>
-          </p:nvPr>
-        </p:nvSpPr>
-        <p:spPr>
-          <a:xfrm>
-            <a:off x="381000" y="685800"/>
-            <a:ext cx="6096000" cy="3429000"/>
-          </a:xfrm>
-          <a:custGeom>
-            <a:avLst/>
-            <a:gdLst/>
-            <a:ahLst/>
-            <a:cxnLst/>
-            <a:rect l="l" t="t" r="r" b="b"/>
-            <a:pathLst>
-              <a:path w="120000" h="120000" extrusionOk="0">
-                <a:moveTo>
-                  <a:pt x="0" y="0"/>
-                </a:moveTo>
-                <a:lnTo>
-                  <a:pt x="120000" y="0"/>
-                </a:lnTo>
-                <a:lnTo>
-                  <a:pt x="120000" y="120000"/>
-                </a:lnTo>
-                <a:lnTo>
-                  <a:pt x="0" y="120000"/>
-                </a:lnTo>
-                <a:close/>
-              </a:path>
-            </a:pathLst>
-          </a:custGeom>
-        </p:spPr>
-      </p:sp>
-    </p:spTree>
-    <p:extLst>
-      <p:ext uri="{BB962C8B-B14F-4D97-AF65-F5344CB8AC3E}">
-        <p14:creationId xmlns:p14="http://schemas.microsoft.com/office/powerpoint/2010/main" val="1837215951"/>
-      </p:ext>
-    </p:extLst>
-  </p:cSld>
-  <p:clrMapOvr>
-    <a:masterClrMapping/>
-  </p:clrMapOvr>
-</p:notes>
-</file>
-
-<file path=ppt/notesSlides/notesSlide4.xml><?xml version="1.0" encoding="utf-8"?>
+<file path=ppt/notesSlides/notesSlide5.xml><?xml version="1.0" encoding="utf-8"?>
 <p:notes xmlns:a="http://schemas.openxmlformats.org/drawingml/2006/main" xmlns:r="http://schemas.openxmlformats.org/officeDocument/2006/relationships" xmlns:p="http://schemas.openxmlformats.org/presentationml/2006/main" showMasterSp="0" showMasterPhAnim="0">
   <p:cSld>
     <p:spTree>
@@ -1354,7 +1353,7 @@
                 <a:cs typeface="Arial"/>
                 <a:sym typeface="Arial"/>
               </a:rPr>
-              <a:t>4</a:t>
+              <a:t>5</a:t>
             </a:fld>
             <a:endParaRPr sz="1200">
               <a:solidFill>
@@ -1371,7 +1370,7 @@
     </p:spTree>
     <p:extLst>
       <p:ext uri="{BB962C8B-B14F-4D97-AF65-F5344CB8AC3E}">
-        <p14:creationId xmlns:p14="http://schemas.microsoft.com/office/powerpoint/2010/main" val="2929015810"/>
+        <p14:creationId xmlns:p14="http://schemas.microsoft.com/office/powerpoint/2010/main" val="1288716809"/>
       </p:ext>
     </p:extLst>
   </p:cSld>
@@ -1381,7 +1380,116 @@
 </p:notes>
 </file>
 
-<file path=ppt/notesSlides/notesSlide5.xml><?xml version="1.0" encoding="utf-8"?>
+<file path=ppt/notesSlides/notesSlide6.xml><?xml version="1.0" encoding="utf-8"?>
+<p:notes xmlns:a="http://schemas.openxmlformats.org/drawingml/2006/main" xmlns:r="http://schemas.openxmlformats.org/officeDocument/2006/relationships" xmlns:p="http://schemas.openxmlformats.org/presentationml/2006/main" showMasterSp="0" showMasterPhAnim="0">
+  <p:cSld>
+    <p:spTree>
+      <p:nvGrpSpPr>
+        <p:cNvPr id="1" name="Shape 121"/>
+        <p:cNvGrpSpPr/>
+        <p:nvPr/>
+      </p:nvGrpSpPr>
+      <p:grpSpPr>
+        <a:xfrm>
+          <a:off x="0" y="0"/>
+          <a:ext cx="0" cy="0"/>
+          <a:chOff x="0" y="0"/>
+          <a:chExt cx="0" cy="0"/>
+        </a:xfrm>
+      </p:grpSpPr>
+      <p:sp>
+        <p:nvSpPr>
+          <p:cNvPr id="122" name="Google Shape;122;p6:notes"/>
+          <p:cNvSpPr txBox="1">
+            <a:spLocks noGrp="1"/>
+          </p:cNvSpPr>
+          <p:nvPr>
+            <p:ph type="body" idx="1"/>
+          </p:nvPr>
+        </p:nvSpPr>
+        <p:spPr>
+          <a:xfrm>
+            <a:off x="685800" y="4343400"/>
+            <a:ext cx="5486400" cy="4114800"/>
+          </a:xfrm>
+          <a:prstGeom prst="rect">
+            <a:avLst/>
+          </a:prstGeom>
+        </p:spPr>
+        <p:txBody>
+          <a:bodyPr spcFirstLastPara="1" wrap="square" lIns="91425" tIns="91425" rIns="91425" bIns="91425" anchor="t" anchorCtr="0">
+            <a:noAutofit/>
+          </a:bodyPr>
+          <a:lstStyle/>
+          <a:p>
+            <a:pPr marL="0" lvl="0" indent="0" algn="l" rtl="0">
+              <a:spcBef>
+                <a:spcPts val="0"/>
+              </a:spcBef>
+              <a:spcAft>
+                <a:spcPts val="0"/>
+              </a:spcAft>
+              <a:buNone/>
+            </a:pPr>
+            <a:endParaRPr/>
+          </a:p>
+        </p:txBody>
+      </p:sp>
+      <p:sp>
+        <p:nvSpPr>
+          <p:cNvPr id="123" name="Google Shape;123;p6:notes"/>
+          <p:cNvSpPr>
+            <a:spLocks noGrp="1" noRot="1" noChangeAspect="1"/>
+          </p:cNvSpPr>
+          <p:nvPr>
+            <p:ph type="sldImg" idx="2"/>
+          </p:nvPr>
+        </p:nvSpPr>
+        <p:spPr>
+          <a:xfrm>
+            <a:off x="381000" y="685800"/>
+            <a:ext cx="6096000" cy="3429000"/>
+          </a:xfrm>
+          <a:custGeom>
+            <a:avLst/>
+            <a:gdLst/>
+            <a:ahLst/>
+            <a:cxnLst/>
+            <a:rect l="l" t="t" r="r" b="b"/>
+            <a:pathLst>
+              <a:path w="120000" h="120000" extrusionOk="0">
+                <a:moveTo>
+                  <a:pt x="0" y="0"/>
+                </a:moveTo>
+                <a:lnTo>
+                  <a:pt x="120000" y="0"/>
+                </a:lnTo>
+                <a:lnTo>
+                  <a:pt x="120000" y="120000"/>
+                </a:lnTo>
+                <a:lnTo>
+                  <a:pt x="0" y="120000"/>
+                </a:lnTo>
+                <a:close/>
+              </a:path>
+            </a:pathLst>
+          </a:custGeom>
+        </p:spPr>
+      </p:sp>
+    </p:spTree>
+    <p:extLst>
+      <p:ext uri="{BB962C8B-B14F-4D97-AF65-F5344CB8AC3E}">
+        <p14:creationId xmlns:p14="http://schemas.microsoft.com/office/powerpoint/2010/main" val="2789971919"/>
+      </p:ext>
+    </p:extLst>
+  </p:cSld>
+  <p:clrMapOvr>
+    <a:masterClrMapping/>
+  </p:clrMapOvr>
+</p:notes>
+</file>
+
+<file path=ppt/notesSlides/notesSlide7.xml><?xml version="1.0" encoding="utf-8"?>
 <p:notes xmlns:a="http://schemas.openxmlformats.org/drawingml/2006/main" xmlns:r="http://schemas.openxmlformats.org/officeDocument/2006/relationships" xmlns:p="http://schemas.openxmlformats.org/presentationml/2006/main" showMasterSp="0" showMasterPhAnim="0">
   <p:cSld>
     <p:spTree>
@@ -1547,7 +1655,7 @@
                 <a:cs typeface="Arial"/>
                 <a:sym typeface="Arial"/>
               </a:rPr>
-              <a:t>5</a:t>
+              <a:t>7</a:t>
             </a:fld>
             <a:endParaRPr sz="1200">
               <a:solidFill>
@@ -1564,7 +1672,7 @@
     </p:spTree>
     <p:extLst>
       <p:ext uri="{BB962C8B-B14F-4D97-AF65-F5344CB8AC3E}">
-        <p14:creationId xmlns:p14="http://schemas.microsoft.com/office/powerpoint/2010/main" val="1288716809"/>
+        <p14:creationId xmlns:p14="http://schemas.microsoft.com/office/powerpoint/2010/main" val="986025476"/>
       </p:ext>
     </p:extLst>
   </p:cSld>
@@ -1574,7 +1682,7 @@
 </p:notes>
 </file>
 
-<file path=ppt/notesSlides/notesSlide6.xml><?xml version="1.0" encoding="utf-8"?>
+<file path=ppt/notesSlides/notesSlide8.xml><?xml version="1.0" encoding="utf-8"?>
 <p:notes xmlns:a="http://schemas.openxmlformats.org/drawingml/2006/main" xmlns:r="http://schemas.openxmlformats.org/officeDocument/2006/relationships" xmlns:p="http://schemas.openxmlformats.org/presentationml/2006/main" showMasterSp="0" showMasterPhAnim="0">
   <p:cSld>
     <p:spTree>
@@ -1673,7 +1781,7 @@
     </p:spTree>
     <p:extLst>
       <p:ext uri="{BB962C8B-B14F-4D97-AF65-F5344CB8AC3E}">
-        <p14:creationId xmlns:p14="http://schemas.microsoft.com/office/powerpoint/2010/main" val="2789971919"/>
+        <p14:creationId xmlns:p14="http://schemas.microsoft.com/office/powerpoint/2010/main" val="1996790767"/>
       </p:ext>
     </p:extLst>
   </p:cSld>
@@ -1683,7 +1791,7 @@
 </p:notes>
 </file>
 
-<file path=ppt/notesSlides/notesSlide7.xml><?xml version="1.0" encoding="utf-8"?>
+<file path=ppt/notesSlides/notesSlide9.xml><?xml version="1.0" encoding="utf-8"?>
 <p:notes xmlns:a="http://schemas.openxmlformats.org/drawingml/2006/main" xmlns:r="http://schemas.openxmlformats.org/officeDocument/2006/relationships" xmlns:p="http://schemas.openxmlformats.org/presentationml/2006/main" showMasterSp="0" showMasterPhAnim="0">
   <p:cSld>
     <p:spTree>
@@ -1849,7 +1957,7 @@
                 <a:cs typeface="Arial"/>
                 <a:sym typeface="Arial"/>
               </a:rPr>
-              <a:t>7</a:t>
+              <a:t>9</a:t>
             </a:fld>
             <a:endParaRPr sz="1200">
               <a:solidFill>
@@ -1866,309 +1974,7 @@
     </p:spTree>
     <p:extLst>
       <p:ext uri="{BB962C8B-B14F-4D97-AF65-F5344CB8AC3E}">
-        <p14:creationId xmlns:p14="http://schemas.microsoft.com/office/powerpoint/2010/main" val="986025476"/>
-      </p:ext>
-    </p:extLst>
-  </p:cSld>
-  <p:clrMapOvr>
-    <a:masterClrMapping/>
-  </p:clrMapOvr>
-</p:notes>
-</file>
-
-<file path=ppt/notesSlides/notesSlide8.xml><?xml version="1.0" encoding="utf-8"?>
-<p:notes xmlns:a="http://schemas.openxmlformats.org/drawingml/2006/main" xmlns:r="http://schemas.openxmlformats.org/officeDocument/2006/relationships" xmlns:p="http://schemas.openxmlformats.org/presentationml/2006/main" showMasterSp="0" showMasterPhAnim="0">
-  <p:cSld>
-    <p:spTree>
-      <p:nvGrpSpPr>
-        <p:cNvPr id="1" name="Shape 129"/>
-        <p:cNvGrpSpPr/>
-        <p:nvPr/>
-      </p:nvGrpSpPr>
-      <p:grpSpPr>
-        <a:xfrm>
-          <a:off x="0" y="0"/>
-          <a:ext cx="0" cy="0"/>
-          <a:chOff x="0" y="0"/>
-          <a:chExt cx="0" cy="0"/>
-        </a:xfrm>
-      </p:grpSpPr>
-      <p:sp>
-        <p:nvSpPr>
-          <p:cNvPr id="130" name="Google Shape;130;p7:notes"/>
-          <p:cNvSpPr>
-            <a:spLocks noGrp="1" noRot="1" noChangeAspect="1"/>
-          </p:cNvSpPr>
-          <p:nvPr>
-            <p:ph type="sldImg" idx="2"/>
-          </p:nvPr>
-        </p:nvSpPr>
-        <p:spPr>
-          <a:xfrm>
-            <a:off x="381000" y="685800"/>
-            <a:ext cx="6096000" cy="3429000"/>
-          </a:xfrm>
-          <a:custGeom>
-            <a:avLst/>
-            <a:gdLst/>
-            <a:ahLst/>
-            <a:cxnLst/>
-            <a:rect l="l" t="t" r="r" b="b"/>
-            <a:pathLst>
-              <a:path w="120000" h="120000" extrusionOk="0">
-                <a:moveTo>
-                  <a:pt x="0" y="0"/>
-                </a:moveTo>
-                <a:lnTo>
-                  <a:pt x="120000" y="0"/>
-                </a:lnTo>
-                <a:lnTo>
-                  <a:pt x="120000" y="120000"/>
-                </a:lnTo>
-                <a:lnTo>
-                  <a:pt x="0" y="120000"/>
-                </a:lnTo>
-                <a:close/>
-              </a:path>
-            </a:pathLst>
-          </a:custGeom>
-          <a:noFill/>
-          <a:ln w="12700" cap="flat" cmpd="sng">
-            <a:solidFill>
-              <a:srgbClr val="000000"/>
-            </a:solidFill>
-            <a:prstDash val="solid"/>
-            <a:round/>
-            <a:headEnd type="none" w="sm" len="sm"/>
-            <a:tailEnd type="none" w="sm" len="sm"/>
-          </a:ln>
-        </p:spPr>
-      </p:sp>
-      <p:sp>
-        <p:nvSpPr>
-          <p:cNvPr id="131" name="Google Shape;131;p7:notes"/>
-          <p:cNvSpPr txBox="1">
-            <a:spLocks noGrp="1"/>
-          </p:cNvSpPr>
-          <p:nvPr>
-            <p:ph type="body" idx="1"/>
-          </p:nvPr>
-        </p:nvSpPr>
-        <p:spPr>
-          <a:xfrm>
-            <a:off x="685800" y="4343400"/>
-            <a:ext cx="5486400" cy="4114800"/>
-          </a:xfrm>
-          <a:prstGeom prst="rect">
-            <a:avLst/>
-          </a:prstGeom>
-          <a:noFill/>
-          <a:ln>
-            <a:noFill/>
-          </a:ln>
-        </p:spPr>
-        <p:txBody>
-          <a:bodyPr spcFirstLastPara="1" wrap="square" lIns="91425" tIns="45700" rIns="91425" bIns="45700" anchor="t" anchorCtr="0">
-            <a:noAutofit/>
-          </a:bodyPr>
-          <a:lstStyle/>
-          <a:p>
-            <a:pPr marL="0" marR="0" lvl="0" indent="0" algn="l" rtl="0">
-              <a:spcBef>
-                <a:spcPts val="0"/>
-              </a:spcBef>
-              <a:spcAft>
-                <a:spcPts val="0"/>
-              </a:spcAft>
-              <a:buNone/>
-            </a:pPr>
-            <a:endParaRPr sz="1200" b="0" i="0" u="none" strike="noStrike" cap="none">
-              <a:solidFill>
-                <a:schemeClr val="dk1"/>
-              </a:solidFill>
-              <a:latin typeface="Arial"/>
-              <a:ea typeface="Arial"/>
-              <a:cs typeface="Arial"/>
-              <a:sym typeface="Arial"/>
-            </a:endParaRPr>
-          </a:p>
-        </p:txBody>
-      </p:sp>
-      <p:sp>
-        <p:nvSpPr>
-          <p:cNvPr id="132" name="Google Shape;132;p7:notes"/>
-          <p:cNvSpPr txBox="1">
-            <a:spLocks noGrp="1"/>
-          </p:cNvSpPr>
-          <p:nvPr>
-            <p:ph type="sldNum" idx="12"/>
-          </p:nvPr>
-        </p:nvSpPr>
-        <p:spPr>
-          <a:xfrm>
-            <a:off x="3884613" y="8685213"/>
-            <a:ext cx="2971800" cy="457200"/>
-          </a:xfrm>
-          <a:prstGeom prst="rect">
-            <a:avLst/>
-          </a:prstGeom>
-          <a:noFill/>
-          <a:ln>
-            <a:noFill/>
-          </a:ln>
-        </p:spPr>
-        <p:txBody>
-          <a:bodyPr spcFirstLastPara="1" wrap="square" lIns="91425" tIns="45700" rIns="91425" bIns="45700" anchor="b" anchorCtr="0">
-            <a:noAutofit/>
-          </a:bodyPr>
-          <a:lstStyle/>
-          <a:p>
-            <a:pPr marL="0" marR="0" lvl="0" indent="0" algn="r" rtl="0">
-              <a:spcBef>
-                <a:spcPts val="0"/>
-              </a:spcBef>
-              <a:spcAft>
-                <a:spcPts val="0"/>
-              </a:spcAft>
-              <a:buNone/>
-            </a:pPr>
-            <a:fld id="{00000000-1234-1234-1234-123412341234}" type="slidenum">
-              <a:rPr lang="en-US" sz="1200">
-                <a:solidFill>
-                  <a:schemeClr val="dk1"/>
-                </a:solidFill>
-                <a:latin typeface="Arial"/>
-                <a:ea typeface="Arial"/>
-                <a:cs typeface="Arial"/>
-                <a:sym typeface="Arial"/>
-              </a:rPr>
-              <a:t>8</a:t>
-            </a:fld>
-            <a:endParaRPr sz="1200">
-              <a:solidFill>
-                <a:schemeClr val="dk1"/>
-              </a:solidFill>
-              <a:latin typeface="Arial"/>
-              <a:ea typeface="Arial"/>
-              <a:cs typeface="Arial"/>
-              <a:sym typeface="Arial"/>
-            </a:endParaRPr>
-          </a:p>
-        </p:txBody>
-      </p:sp>
-    </p:spTree>
-    <p:extLst>
-      <p:ext uri="{BB962C8B-B14F-4D97-AF65-F5344CB8AC3E}">
-        <p14:creationId xmlns:p14="http://schemas.microsoft.com/office/powerpoint/2010/main" val="1161639333"/>
-      </p:ext>
-    </p:extLst>
-  </p:cSld>
-  <p:clrMapOvr>
-    <a:masterClrMapping/>
-  </p:clrMapOvr>
-</p:notes>
-</file>
-
-<file path=ppt/notesSlides/notesSlide9.xml><?xml version="1.0" encoding="utf-8"?>
-<p:notes xmlns:a="http://schemas.openxmlformats.org/drawingml/2006/main" xmlns:r="http://schemas.openxmlformats.org/officeDocument/2006/relationships" xmlns:p="http://schemas.openxmlformats.org/presentationml/2006/main" showMasterSp="0" showMasterPhAnim="0">
-  <p:cSld>
-    <p:spTree>
-      <p:nvGrpSpPr>
-        <p:cNvPr id="1" name="Shape 121"/>
-        <p:cNvGrpSpPr/>
-        <p:nvPr/>
-      </p:nvGrpSpPr>
-      <p:grpSpPr>
-        <a:xfrm>
-          <a:off x="0" y="0"/>
-          <a:ext cx="0" cy="0"/>
-          <a:chOff x="0" y="0"/>
-          <a:chExt cx="0" cy="0"/>
-        </a:xfrm>
-      </p:grpSpPr>
-      <p:sp>
-        <p:nvSpPr>
-          <p:cNvPr id="122" name="Google Shape;122;p6:notes"/>
-          <p:cNvSpPr txBox="1">
-            <a:spLocks noGrp="1"/>
-          </p:cNvSpPr>
-          <p:nvPr>
-            <p:ph type="body" idx="1"/>
-          </p:nvPr>
-        </p:nvSpPr>
-        <p:spPr>
-          <a:xfrm>
-            <a:off x="685800" y="4343400"/>
-            <a:ext cx="5486400" cy="4114800"/>
-          </a:xfrm>
-          <a:prstGeom prst="rect">
-            <a:avLst/>
-          </a:prstGeom>
-        </p:spPr>
-        <p:txBody>
-          <a:bodyPr spcFirstLastPara="1" wrap="square" lIns="91425" tIns="91425" rIns="91425" bIns="91425" anchor="t" anchorCtr="0">
-            <a:noAutofit/>
-          </a:bodyPr>
-          <a:lstStyle/>
-          <a:p>
-            <a:pPr marL="0" lvl="0" indent="0" algn="l" rtl="0">
-              <a:spcBef>
-                <a:spcPts val="0"/>
-              </a:spcBef>
-              <a:spcAft>
-                <a:spcPts val="0"/>
-              </a:spcAft>
-              <a:buNone/>
-            </a:pPr>
-            <a:endParaRPr/>
-          </a:p>
-        </p:txBody>
-      </p:sp>
-      <p:sp>
-        <p:nvSpPr>
-          <p:cNvPr id="123" name="Google Shape;123;p6:notes"/>
-          <p:cNvSpPr>
-            <a:spLocks noGrp="1" noRot="1" noChangeAspect="1"/>
-          </p:cNvSpPr>
-          <p:nvPr>
-            <p:ph type="sldImg" idx="2"/>
-          </p:nvPr>
-        </p:nvSpPr>
-        <p:spPr>
-          <a:xfrm>
-            <a:off x="381000" y="685800"/>
-            <a:ext cx="6096000" cy="3429000"/>
-          </a:xfrm>
-          <a:custGeom>
-            <a:avLst/>
-            <a:gdLst/>
-            <a:ahLst/>
-            <a:cxnLst/>
-            <a:rect l="l" t="t" r="r" b="b"/>
-            <a:pathLst>
-              <a:path w="120000" h="120000" extrusionOk="0">
-                <a:moveTo>
-                  <a:pt x="0" y="0"/>
-                </a:moveTo>
-                <a:lnTo>
-                  <a:pt x="120000" y="0"/>
-                </a:lnTo>
-                <a:lnTo>
-                  <a:pt x="120000" y="120000"/>
-                </a:lnTo>
-                <a:lnTo>
-                  <a:pt x="0" y="120000"/>
-                </a:lnTo>
-                <a:close/>
-              </a:path>
-            </a:pathLst>
-          </a:custGeom>
-        </p:spPr>
-      </p:sp>
-    </p:spTree>
-    <p:extLst>
-      <p:ext uri="{BB962C8B-B14F-4D97-AF65-F5344CB8AC3E}">
-        <p14:creationId xmlns:p14="http://schemas.microsoft.com/office/powerpoint/2010/main" val="1996790767"/>
+        <p14:creationId xmlns:p14="http://schemas.microsoft.com/office/powerpoint/2010/main" val="891153864"/>
       </p:ext>
     </p:extLst>
   </p:cSld>
@@ -2309,7 +2115,7 @@
           <a:p>
             <a:fld id="{06AE0B28-11AF-450D-9AFB-A01EA93FBCDE}" type="datetimeFigureOut">
               <a:rPr lang="ko-KR" altLang="en-US" smtClean="0"/>
-              <a:t>2020-03-24</a:t>
+              <a:t>2020-03-27</a:t>
             </a:fld>
             <a:endParaRPr lang="ko-KR" altLang="en-US"/>
           </a:p>
@@ -2479,7 +2285,7 @@
           <a:p>
             <a:fld id="{06AE0B28-11AF-450D-9AFB-A01EA93FBCDE}" type="datetimeFigureOut">
               <a:rPr lang="ko-KR" altLang="en-US" smtClean="0"/>
-              <a:t>2020-03-24</a:t>
+              <a:t>2020-03-27</a:t>
             </a:fld>
             <a:endParaRPr lang="ko-KR" altLang="en-US"/>
           </a:p>
@@ -2659,7 +2465,7 @@
           <a:p>
             <a:fld id="{06AE0B28-11AF-450D-9AFB-A01EA93FBCDE}" type="datetimeFigureOut">
               <a:rPr lang="ko-KR" altLang="en-US" smtClean="0"/>
-              <a:t>2020-03-24</a:t>
+              <a:t>2020-03-27</a:t>
             </a:fld>
             <a:endParaRPr lang="ko-KR" altLang="en-US"/>
           </a:p>
@@ -2829,7 +2635,7 @@
           <a:p>
             <a:fld id="{06AE0B28-11AF-450D-9AFB-A01EA93FBCDE}" type="datetimeFigureOut">
               <a:rPr lang="ko-KR" altLang="en-US" smtClean="0"/>
-              <a:t>2020-03-24</a:t>
+              <a:t>2020-03-27</a:t>
             </a:fld>
             <a:endParaRPr lang="ko-KR" altLang="en-US"/>
           </a:p>
@@ -3075,7 +2881,7 @@
           <a:p>
             <a:fld id="{06AE0B28-11AF-450D-9AFB-A01EA93FBCDE}" type="datetimeFigureOut">
               <a:rPr lang="ko-KR" altLang="en-US" smtClean="0"/>
-              <a:t>2020-03-24</a:t>
+              <a:t>2020-03-27</a:t>
             </a:fld>
             <a:endParaRPr lang="ko-KR" altLang="en-US"/>
           </a:p>
@@ -3307,7 +3113,7 @@
           <a:p>
             <a:fld id="{06AE0B28-11AF-450D-9AFB-A01EA93FBCDE}" type="datetimeFigureOut">
               <a:rPr lang="ko-KR" altLang="en-US" smtClean="0"/>
-              <a:t>2020-03-24</a:t>
+              <a:t>2020-03-27</a:t>
             </a:fld>
             <a:endParaRPr lang="ko-KR" altLang="en-US"/>
           </a:p>
@@ -3674,7 +3480,7 @@
           <a:p>
             <a:fld id="{06AE0B28-11AF-450D-9AFB-A01EA93FBCDE}" type="datetimeFigureOut">
               <a:rPr lang="ko-KR" altLang="en-US" smtClean="0"/>
-              <a:t>2020-03-24</a:t>
+              <a:t>2020-03-27</a:t>
             </a:fld>
             <a:endParaRPr lang="ko-KR" altLang="en-US"/>
           </a:p>
@@ -3792,7 +3598,7 @@
           <a:p>
             <a:fld id="{06AE0B28-11AF-450D-9AFB-A01EA93FBCDE}" type="datetimeFigureOut">
               <a:rPr lang="ko-KR" altLang="en-US" smtClean="0"/>
-              <a:t>2020-03-24</a:t>
+              <a:t>2020-03-27</a:t>
             </a:fld>
             <a:endParaRPr lang="ko-KR" altLang="en-US"/>
           </a:p>
@@ -3887,7 +3693,7 @@
           <a:p>
             <a:fld id="{06AE0B28-11AF-450D-9AFB-A01EA93FBCDE}" type="datetimeFigureOut">
               <a:rPr lang="ko-KR" altLang="en-US" smtClean="0"/>
-              <a:t>2020-03-24</a:t>
+              <a:t>2020-03-27</a:t>
             </a:fld>
             <a:endParaRPr lang="ko-KR" altLang="en-US"/>
           </a:p>
@@ -4164,7 +3970,7 @@
           <a:p>
             <a:fld id="{06AE0B28-11AF-450D-9AFB-A01EA93FBCDE}" type="datetimeFigureOut">
               <a:rPr lang="ko-KR" altLang="en-US" smtClean="0"/>
-              <a:t>2020-03-24</a:t>
+              <a:t>2020-03-27</a:t>
             </a:fld>
             <a:endParaRPr lang="ko-KR" altLang="en-US"/>
           </a:p>
@@ -4417,7 +4223,7 @@
           <a:p>
             <a:fld id="{06AE0B28-11AF-450D-9AFB-A01EA93FBCDE}" type="datetimeFigureOut">
               <a:rPr lang="ko-KR" altLang="en-US" smtClean="0"/>
-              <a:t>2020-03-24</a:t>
+              <a:t>2020-03-27</a:t>
             </a:fld>
             <a:endParaRPr lang="ko-KR" altLang="en-US"/>
           </a:p>
@@ -4630,7 +4436,7 @@
           <a:p>
             <a:fld id="{06AE0B28-11AF-450D-9AFB-A01EA93FBCDE}" type="datetimeFigureOut">
               <a:rPr lang="ko-KR" altLang="en-US" smtClean="0"/>
-              <a:t>2020-03-24</a:t>
+              <a:t>2020-03-27</a:t>
             </a:fld>
             <a:endParaRPr lang="ko-KR" altLang="en-US"/>
           </a:p>
@@ -5565,7 +5371,19 @@
                 <a:cs typeface="Arial"/>
                 <a:sym typeface="Arial"/>
               </a:rPr>
-              <a:t>이미지 처리 기초</a:t>
+              <a:t>이미지 파일 형식</a:t>
+            </a:r>
+            <a:r>
+              <a:rPr lang="en-US" altLang="ko-KR" sz="2800" b="1" dirty="0" smtClean="0">
+                <a:solidFill>
+                  <a:schemeClr val="dk1"/>
+                </a:solidFill>
+                <a:latin typeface="Tmon몬소리OTF Black" panose="02000A03000000000000" pitchFamily="50" charset="-127"/>
+                <a:ea typeface="Tmon몬소리OTF Black" panose="02000A03000000000000" pitchFamily="50" charset="-127"/>
+                <a:cs typeface="Arial"/>
+                <a:sym typeface="Arial"/>
+              </a:rPr>
+              <a:t> </a:t>
             </a:r>
             <a:endParaRPr sz="2800" b="1" dirty="0">
               <a:solidFill>
@@ -5666,745 +5484,8 @@
         </p:nvSpPr>
         <p:spPr>
           <a:xfrm>
-            <a:off x="599375" y="1047092"/>
-            <a:ext cx="11486607" cy="5632311"/>
-          </a:xfrm>
-          <a:prstGeom prst="rect">
-            <a:avLst/>
-          </a:prstGeom>
-          <a:noFill/>
-        </p:spPr>
-        <p:txBody>
-          <a:bodyPr wrap="square" rtlCol="0">
-            <a:spAutoFit/>
-          </a:bodyPr>
-          <a:lstStyle/>
-          <a:p>
-            <a:pPr marL="342900" lvl="1" indent="-342900">
-              <a:lnSpc>
-                <a:spcPct val="150000"/>
-              </a:lnSpc>
-              <a:buFont typeface="Wingdings" panose="05000000000000000000" pitchFamily="2" charset="2"/>
-              <a:buChar char="ü"/>
-            </a:pPr>
-            <a:r>
-              <a:rPr lang="ko-KR" altLang="en-US" sz="2400" dirty="0" smtClean="0">
-                <a:latin typeface="나눔스퀘어라운드 Bold" panose="020B0600000101010101" pitchFamily="50" charset="-127"/>
-                <a:ea typeface="나눔스퀘어라운드 Bold" panose="020B0600000101010101" pitchFamily="50" charset="-127"/>
-              </a:rPr>
-              <a:t>픽셀 </a:t>
-            </a:r>
-            <a:r>
-              <a:rPr lang="en-US" altLang="ko-KR" sz="2400" dirty="0" smtClean="0">
-                <a:latin typeface="나눔스퀘어라운드 Bold" panose="020B0600000101010101" pitchFamily="50" charset="-127"/>
-                <a:ea typeface="나눔스퀘어라운드 Bold" panose="020B0600000101010101" pitchFamily="50" charset="-127"/>
-              </a:rPr>
-              <a:t>(Pixel)</a:t>
-            </a:r>
-            <a:endParaRPr lang="en-US" altLang="ko-KR" sz="2400" dirty="0">
-              <a:latin typeface="나눔스퀘어라운드 Bold" panose="020B0600000101010101" pitchFamily="50" charset="-127"/>
-              <a:ea typeface="나눔스퀘어라운드 Bold" panose="020B0600000101010101" pitchFamily="50" charset="-127"/>
-            </a:endParaRPr>
-          </a:p>
-          <a:p>
-            <a:pPr marL="800100" lvl="2" indent="-342900">
-              <a:lnSpc>
-                <a:spcPct val="150000"/>
-              </a:lnSpc>
-              <a:buFont typeface="Wingdings" panose="05000000000000000000" pitchFamily="2" charset="2"/>
-              <a:buChar char="§"/>
-            </a:pPr>
-            <a:r>
-              <a:rPr lang="ko-KR" altLang="en-US" sz="2400" dirty="0" smtClean="0">
-                <a:latin typeface="나눔스퀘어라운드 Bold" panose="020B0600000101010101" pitchFamily="50" charset="-127"/>
-                <a:ea typeface="나눔스퀘어라운드 Bold" panose="020B0600000101010101" pitchFamily="50" charset="-127"/>
-              </a:rPr>
-              <a:t>이미지 데이터는 작은 직사각형 모양의 </a:t>
-            </a:r>
-            <a:r>
-              <a:rPr lang="en-US" altLang="ko-KR" sz="2400" dirty="0" smtClean="0">
-                <a:latin typeface="나눔스퀘어라운드 Bold" panose="020B0600000101010101" pitchFamily="50" charset="-127"/>
-                <a:ea typeface="나눔스퀘어라운드 Bold" panose="020B0600000101010101" pitchFamily="50" charset="-127"/>
-              </a:rPr>
-              <a:t>‘</a:t>
-            </a:r>
-            <a:r>
-              <a:rPr lang="ko-KR" altLang="en-US" sz="2400" dirty="0" smtClean="0">
-                <a:latin typeface="나눔스퀘어라운드 Bold" panose="020B0600000101010101" pitchFamily="50" charset="-127"/>
-                <a:ea typeface="나눔스퀘어라운드 Bold" panose="020B0600000101010101" pitchFamily="50" charset="-127"/>
-              </a:rPr>
-              <a:t>픽셀</a:t>
-            </a:r>
-            <a:r>
-              <a:rPr lang="en-US" altLang="ko-KR" sz="2400" dirty="0" smtClean="0">
-                <a:latin typeface="나눔스퀘어라운드 Bold" panose="020B0600000101010101" pitchFamily="50" charset="-127"/>
-                <a:ea typeface="나눔스퀘어라운드 Bold" panose="020B0600000101010101" pitchFamily="50" charset="-127"/>
-              </a:rPr>
-              <a:t>’</a:t>
-            </a:r>
-            <a:r>
-              <a:rPr lang="ko-KR" altLang="en-US" sz="2400" dirty="0" smtClean="0">
-                <a:latin typeface="나눔스퀘어라운드 Bold" panose="020B0600000101010101" pitchFamily="50" charset="-127"/>
-                <a:ea typeface="나눔스퀘어라운드 Bold" panose="020B0600000101010101" pitchFamily="50" charset="-127"/>
-              </a:rPr>
-              <a:t>을</a:t>
-            </a:r>
-            <a:r>
-              <a:rPr lang="en-US" altLang="ko-KR" sz="2400" dirty="0" smtClean="0">
-                <a:latin typeface="나눔스퀘어라운드 Bold" panose="020B0600000101010101" pitchFamily="50" charset="-127"/>
-                <a:ea typeface="나눔스퀘어라운드 Bold" panose="020B0600000101010101" pitchFamily="50" charset="-127"/>
-              </a:rPr>
-              <a:t> </a:t>
-            </a:r>
-            <a:r>
-              <a:rPr lang="ko-KR" altLang="en-US" sz="2400" dirty="0" smtClean="0">
-                <a:latin typeface="나눔스퀘어라운드 Bold" panose="020B0600000101010101" pitchFamily="50" charset="-127"/>
-                <a:ea typeface="나눔스퀘어라운드 Bold" panose="020B0600000101010101" pitchFamily="50" charset="-127"/>
-              </a:rPr>
-              <a:t>모아서 구성 되어진다</a:t>
-            </a:r>
-            <a:endParaRPr lang="en-US" altLang="ko-KR" sz="2400" dirty="0" smtClean="0">
-              <a:latin typeface="나눔스퀘어라운드 Bold" panose="020B0600000101010101" pitchFamily="50" charset="-127"/>
-              <a:ea typeface="나눔스퀘어라운드 Bold" panose="020B0600000101010101" pitchFamily="50" charset="-127"/>
-            </a:endParaRPr>
-          </a:p>
-          <a:p>
-            <a:pPr marL="800100" lvl="2" indent="-342900">
-              <a:lnSpc>
-                <a:spcPct val="150000"/>
-              </a:lnSpc>
-              <a:buFont typeface="Wingdings" panose="05000000000000000000" pitchFamily="2" charset="2"/>
-              <a:buChar char="§"/>
-            </a:pPr>
-            <a:r>
-              <a:rPr lang="ko-KR" altLang="en-US" sz="2400" dirty="0" smtClean="0">
-                <a:latin typeface="나눔스퀘어라운드 Bold" panose="020B0600000101010101" pitchFamily="50" charset="-127"/>
-                <a:ea typeface="나눔스퀘어라운드 Bold" panose="020B0600000101010101" pitchFamily="50" charset="-127"/>
-              </a:rPr>
-              <a:t>전체 이미지의 크기를 표현할 때는 </a:t>
-            </a:r>
-            <a:r>
-              <a:rPr lang="en-US" altLang="ko-KR" sz="2400" dirty="0" smtClean="0">
-                <a:latin typeface="나눔스퀘어라운드 Bold" panose="020B0600000101010101" pitchFamily="50" charset="-127"/>
-                <a:ea typeface="나눔스퀘어라운드 Bold" panose="020B0600000101010101" pitchFamily="50" charset="-127"/>
-              </a:rPr>
-              <a:t>(</a:t>
-            </a:r>
-            <a:r>
-              <a:rPr lang="ko-KR" altLang="en-US" sz="2400" dirty="0" err="1" smtClean="0">
-                <a:latin typeface="나눔스퀘어라운드 Bold" panose="020B0600000101010101" pitchFamily="50" charset="-127"/>
-                <a:ea typeface="나눔스퀘어라운드 Bold" panose="020B0600000101010101" pitchFamily="50" charset="-127"/>
-              </a:rPr>
-              <a:t>세로픽셀수</a:t>
-            </a:r>
-            <a:r>
-              <a:rPr lang="ko-KR" altLang="en-US" sz="2400" dirty="0" smtClean="0">
-                <a:latin typeface="나눔스퀘어라운드 Bold" panose="020B0600000101010101" pitchFamily="50" charset="-127"/>
-                <a:ea typeface="나눔스퀘어라운드 Bold" panose="020B0600000101010101" pitchFamily="50" charset="-127"/>
-              </a:rPr>
-              <a:t> </a:t>
-            </a:r>
-            <a:r>
-              <a:rPr lang="en-US" altLang="ko-KR" sz="2400" dirty="0" smtClean="0">
-                <a:latin typeface="나눔스퀘어라운드 Bold" panose="020B0600000101010101" pitchFamily="50" charset="-127"/>
-                <a:ea typeface="나눔스퀘어라운드 Bold" panose="020B0600000101010101" pitchFamily="50" charset="-127"/>
-              </a:rPr>
-              <a:t>x</a:t>
-            </a:r>
-            <a:r>
-              <a:rPr lang="ko-KR" altLang="en-US" sz="2400" dirty="0" smtClean="0">
-                <a:latin typeface="나눔스퀘어라운드 Bold" panose="020B0600000101010101" pitchFamily="50" charset="-127"/>
-                <a:ea typeface="나눔스퀘어라운드 Bold" panose="020B0600000101010101" pitchFamily="50" charset="-127"/>
-              </a:rPr>
-              <a:t> </a:t>
-            </a:r>
-            <a:r>
-              <a:rPr lang="ko-KR" altLang="en-US" sz="2400" dirty="0" err="1" smtClean="0">
-                <a:latin typeface="나눔스퀘어라운드 Bold" panose="020B0600000101010101" pitchFamily="50" charset="-127"/>
-                <a:ea typeface="나눔스퀘어라운드 Bold" panose="020B0600000101010101" pitchFamily="50" charset="-127"/>
-              </a:rPr>
-              <a:t>가로픽셀수</a:t>
-            </a:r>
-            <a:r>
-              <a:rPr lang="en-US" altLang="ko-KR" sz="2400" dirty="0" smtClean="0">
-                <a:latin typeface="나눔스퀘어라운드 Bold" panose="020B0600000101010101" pitchFamily="50" charset="-127"/>
-                <a:ea typeface="나눔스퀘어라운드 Bold" panose="020B0600000101010101" pitchFamily="50" charset="-127"/>
-              </a:rPr>
-              <a:t>) </a:t>
-            </a:r>
-            <a:r>
-              <a:rPr lang="ko-KR" altLang="en-US" sz="2400" dirty="0" smtClean="0">
-                <a:latin typeface="나눔스퀘어라운드 Bold" panose="020B0600000101010101" pitchFamily="50" charset="-127"/>
-                <a:ea typeface="나눔스퀘어라운드 Bold" panose="020B0600000101010101" pitchFamily="50" charset="-127"/>
-              </a:rPr>
-              <a:t>로 표현된다 </a:t>
-            </a:r>
-            <a:endParaRPr lang="en-US" altLang="ko-KR" sz="2400" dirty="0" smtClean="0">
-              <a:latin typeface="나눔스퀘어라운드 Bold" panose="020B0600000101010101" pitchFamily="50" charset="-127"/>
-              <a:ea typeface="나눔스퀘어라운드 Bold" panose="020B0600000101010101" pitchFamily="50" charset="-127"/>
-            </a:endParaRPr>
-          </a:p>
-          <a:p>
-            <a:pPr marL="800100" lvl="2" indent="-342900">
-              <a:lnSpc>
-                <a:spcPct val="150000"/>
-              </a:lnSpc>
-              <a:buFont typeface="Wingdings" panose="05000000000000000000" pitchFamily="2" charset="2"/>
-              <a:buChar char="§"/>
-            </a:pPr>
-            <a:r>
-              <a:rPr lang="ko-KR" altLang="en-US" sz="2400" dirty="0" smtClean="0">
-                <a:latin typeface="나눔스퀘어라운드 Bold" panose="020B0600000101010101" pitchFamily="50" charset="-127"/>
-                <a:ea typeface="나눔스퀘어라운드 Bold" panose="020B0600000101010101" pitchFamily="50" charset="-127"/>
-              </a:rPr>
-              <a:t>이미지 데이터를 저장할 때는 색을 표현하는 스칼라 값이나 </a:t>
-            </a:r>
-            <a:r>
-              <a:rPr lang="en-US" altLang="ko-KR" sz="2400" dirty="0" smtClean="0">
-                <a:latin typeface="나눔스퀘어라운드 Bold" panose="020B0600000101010101" pitchFamily="50" charset="-127"/>
-                <a:ea typeface="나눔스퀘어라운드 Bold" panose="020B0600000101010101" pitchFamily="50" charset="-127"/>
-              </a:rPr>
-              <a:t>2</a:t>
-            </a:r>
-            <a:r>
-              <a:rPr lang="ko-KR" altLang="en-US" sz="2400" dirty="0" smtClean="0">
-                <a:latin typeface="나눔스퀘어라운드 Bold" panose="020B0600000101010101" pitchFamily="50" charset="-127"/>
-                <a:ea typeface="나눔스퀘어라운드 Bold" panose="020B0600000101010101" pitchFamily="50" charset="-127"/>
-              </a:rPr>
-              <a:t>차원 벡터로 표현한다 </a:t>
-            </a:r>
-            <a:r>
-              <a:rPr lang="en-US" altLang="ko-KR" sz="2400" dirty="0" smtClean="0">
-                <a:latin typeface="나눔스퀘어라운드 Bold" panose="020B0600000101010101" pitchFamily="50" charset="-127"/>
-                <a:ea typeface="나눔스퀘어라운드 Bold" panose="020B0600000101010101" pitchFamily="50" charset="-127"/>
-              </a:rPr>
-              <a:t>(</a:t>
-            </a:r>
-            <a:r>
-              <a:rPr lang="en-US" altLang="ko-KR" sz="2400" dirty="0" err="1" smtClean="0">
-                <a:latin typeface="나눔스퀘어라운드 Bold" panose="020B0600000101010101" pitchFamily="50" charset="-127"/>
-                <a:ea typeface="나눔스퀘어라운드 Bold" panose="020B0600000101010101" pitchFamily="50" charset="-127"/>
-              </a:rPr>
-              <a:t>ndarray</a:t>
-            </a:r>
-            <a:r>
-              <a:rPr lang="en-US" altLang="ko-KR" sz="2400" dirty="0" smtClean="0">
-                <a:latin typeface="나눔스퀘어라운드 Bold" panose="020B0600000101010101" pitchFamily="50" charset="-127"/>
-                <a:ea typeface="나눔스퀘어라운드 Bold" panose="020B0600000101010101" pitchFamily="50" charset="-127"/>
-              </a:rPr>
-              <a:t>)</a:t>
-            </a:r>
-          </a:p>
-          <a:p>
-            <a:pPr marL="457200" lvl="2">
-              <a:lnSpc>
-                <a:spcPct val="150000"/>
-              </a:lnSpc>
-            </a:pPr>
-            <a:endParaRPr lang="en-US" altLang="ko-KR" sz="2400" dirty="0">
-              <a:latin typeface="나눔스퀘어라운드 Bold" panose="020B0600000101010101" pitchFamily="50" charset="-127"/>
-              <a:ea typeface="나눔스퀘어라운드 Bold" panose="020B0600000101010101" pitchFamily="50" charset="-127"/>
-            </a:endParaRPr>
-          </a:p>
-          <a:p>
-            <a:pPr marL="342900" lvl="1" indent="-342900">
-              <a:lnSpc>
-                <a:spcPct val="150000"/>
-              </a:lnSpc>
-              <a:buFont typeface="Wingdings" panose="05000000000000000000" pitchFamily="2" charset="2"/>
-              <a:buChar char="ü"/>
-            </a:pPr>
-            <a:r>
-              <a:rPr lang="ko-KR" altLang="en-US" sz="2400" dirty="0" smtClean="0">
-                <a:latin typeface="나눔스퀘어라운드 Bold" panose="020B0600000101010101" pitchFamily="50" charset="-127"/>
-                <a:ea typeface="나눔스퀘어라운드 Bold" panose="020B0600000101010101" pitchFamily="50" charset="-127"/>
-              </a:rPr>
-              <a:t>색 공간</a:t>
-            </a:r>
-            <a:r>
-              <a:rPr lang="en-US" altLang="ko-KR" sz="2400" dirty="0" smtClean="0">
-                <a:latin typeface="나눔스퀘어라운드 Bold" panose="020B0600000101010101" pitchFamily="50" charset="-127"/>
-                <a:ea typeface="나눔스퀘어라운드 Bold" panose="020B0600000101010101" pitchFamily="50" charset="-127"/>
-              </a:rPr>
-              <a:t>(color space)</a:t>
-            </a:r>
-            <a:endParaRPr lang="en-US" altLang="ko-KR" sz="2400" dirty="0">
-              <a:latin typeface="나눔스퀘어라운드 Bold" panose="020B0600000101010101" pitchFamily="50" charset="-127"/>
-              <a:ea typeface="나눔스퀘어라운드 Bold" panose="020B0600000101010101" pitchFamily="50" charset="-127"/>
-            </a:endParaRPr>
-          </a:p>
-          <a:p>
-            <a:pPr marL="800100" lvl="2" indent="-342900">
-              <a:lnSpc>
-                <a:spcPct val="150000"/>
-              </a:lnSpc>
-              <a:buFont typeface="Wingdings" panose="05000000000000000000" pitchFamily="2" charset="2"/>
-              <a:buChar char="§"/>
-            </a:pPr>
-            <a:r>
-              <a:rPr lang="ko-KR" altLang="en-US" sz="2400" dirty="0" smtClean="0">
-                <a:latin typeface="나눔스퀘어라운드 Bold" panose="020B0600000101010101" pitchFamily="50" charset="-127"/>
-                <a:ea typeface="나눔스퀘어라운드 Bold" panose="020B0600000101010101" pitchFamily="50" charset="-127"/>
-              </a:rPr>
-              <a:t>픽셀의 색을 스칼라 값</a:t>
-            </a:r>
-            <a:r>
-              <a:rPr lang="en-US" altLang="ko-KR" sz="2400" dirty="0" smtClean="0">
-                <a:latin typeface="나눔스퀘어라운드 Bold" panose="020B0600000101010101" pitchFamily="50" charset="-127"/>
-                <a:ea typeface="나눔스퀘어라운드 Bold" panose="020B0600000101010101" pitchFamily="50" charset="-127"/>
-              </a:rPr>
-              <a:t>(</a:t>
-            </a:r>
-            <a:r>
-              <a:rPr lang="ko-KR" altLang="en-US" sz="2400" dirty="0" smtClean="0">
-                <a:latin typeface="나눔스퀘어라운드 Bold" panose="020B0600000101010101" pitchFamily="50" charset="-127"/>
-                <a:ea typeface="나눔스퀘어라운드 Bold" panose="020B0600000101010101" pitchFamily="50" charset="-127"/>
-              </a:rPr>
-              <a:t>숫자</a:t>
-            </a:r>
-            <a:r>
-              <a:rPr lang="en-US" altLang="ko-KR" sz="2400" dirty="0" smtClean="0">
-                <a:latin typeface="나눔스퀘어라운드 Bold" panose="020B0600000101010101" pitchFamily="50" charset="-127"/>
-                <a:ea typeface="나눔스퀘어라운드 Bold" panose="020B0600000101010101" pitchFamily="50" charset="-127"/>
-              </a:rPr>
-              <a:t>)</a:t>
-            </a:r>
-            <a:r>
-              <a:rPr lang="ko-KR" altLang="en-US" sz="2400" dirty="0" smtClean="0">
-                <a:latin typeface="나눔스퀘어라운드 Bold" panose="020B0600000101010101" pitchFamily="50" charset="-127"/>
-                <a:ea typeface="나눔스퀘어라운드 Bold" panose="020B0600000101010101" pitchFamily="50" charset="-127"/>
-              </a:rPr>
-              <a:t>로 표현한 것을 색 공간이라고 한다</a:t>
-            </a:r>
-            <a:r>
-              <a:rPr lang="en-US" altLang="ko-KR" sz="2400" dirty="0" smtClean="0">
-                <a:latin typeface="나눔스퀘어라운드 Bold" panose="020B0600000101010101" pitchFamily="50" charset="-127"/>
-                <a:ea typeface="나눔스퀘어라운드 Bold" panose="020B0600000101010101" pitchFamily="50" charset="-127"/>
-              </a:rPr>
-              <a:t>. </a:t>
-            </a:r>
-          </a:p>
-          <a:p>
-            <a:pPr marL="800100" lvl="2" indent="-342900">
-              <a:lnSpc>
-                <a:spcPct val="150000"/>
-              </a:lnSpc>
-              <a:buFont typeface="Wingdings" panose="05000000000000000000" pitchFamily="2" charset="2"/>
-              <a:buChar char="§"/>
-            </a:pPr>
-            <a:r>
-              <a:rPr lang="ko-KR" altLang="en-US" sz="2400" dirty="0" smtClean="0">
-                <a:latin typeface="나눔스퀘어라운드 Bold" panose="020B0600000101010101" pitchFamily="50" charset="-127"/>
-                <a:ea typeface="나눔스퀘어라운드 Bold" panose="020B0600000101010101" pitchFamily="50" charset="-127"/>
-              </a:rPr>
-              <a:t>대표적으로 </a:t>
-            </a:r>
-            <a:r>
-              <a:rPr lang="en-US" altLang="ko-KR" sz="2400" dirty="0" smtClean="0">
-                <a:latin typeface="나눔스퀘어라운드 Bold" panose="020B0600000101010101" pitchFamily="50" charset="-127"/>
-                <a:ea typeface="나눔스퀘어라운드 Bold" panose="020B0600000101010101" pitchFamily="50" charset="-127"/>
-              </a:rPr>
-              <a:t>RGB(Red, Green, Blue), </a:t>
-            </a:r>
-            <a:r>
-              <a:rPr lang="ko-KR" altLang="en-US" sz="2400" dirty="0" smtClean="0">
-                <a:latin typeface="나눔스퀘어라운드 Bold" panose="020B0600000101010101" pitchFamily="50" charset="-127"/>
-                <a:ea typeface="나눔스퀘어라운드 Bold" panose="020B0600000101010101" pitchFamily="50" charset="-127"/>
-              </a:rPr>
-              <a:t>그레이스케일</a:t>
-            </a:r>
-            <a:r>
-              <a:rPr lang="en-US" altLang="ko-KR" sz="2400" dirty="0" smtClean="0">
-                <a:latin typeface="나눔스퀘어라운드 Bold" panose="020B0600000101010101" pitchFamily="50" charset="-127"/>
-                <a:ea typeface="나눔스퀘어라운드 Bold" panose="020B0600000101010101" pitchFamily="50" charset="-127"/>
-              </a:rPr>
-              <a:t>(gray scale), HSV(Hue-Saturation-Value) </a:t>
-            </a:r>
-            <a:r>
-              <a:rPr lang="ko-KR" altLang="en-US" sz="2400" dirty="0" smtClean="0">
-                <a:latin typeface="나눔스퀘어라운드 Bold" panose="020B0600000101010101" pitchFamily="50" charset="-127"/>
-                <a:ea typeface="나눔스퀘어라운드 Bold" panose="020B0600000101010101" pitchFamily="50" charset="-127"/>
-              </a:rPr>
-              <a:t>가 있다</a:t>
-            </a:r>
-            <a:endParaRPr lang="en-US" altLang="ko-KR" sz="2400" dirty="0" smtClean="0">
-              <a:latin typeface="나눔스퀘어라운드 Bold" panose="020B0600000101010101" pitchFamily="50" charset="-127"/>
-              <a:ea typeface="나눔스퀘어라운드 Bold" panose="020B0600000101010101" pitchFamily="50" charset="-127"/>
-            </a:endParaRPr>
-          </a:p>
-        </p:txBody>
-      </p:sp>
-    </p:spTree>
-    <p:extLst>
-      <p:ext uri="{BB962C8B-B14F-4D97-AF65-F5344CB8AC3E}">
-        <p14:creationId xmlns:p14="http://schemas.microsoft.com/office/powerpoint/2010/main" val="1688625887"/>
-      </p:ext>
-    </p:extLst>
-  </p:cSld>
-  <p:clrMapOvr>
-    <a:masterClrMapping/>
-  </p:clrMapOvr>
-  <p:transition spd="med">
-    <p:fade thruBlk="1"/>
-  </p:transition>
-  <p:timing>
-    <p:tnLst>
-      <p:par>
-        <p:cTn id="1" dur="indefinite" restart="never" nodeType="tmRoot"/>
-      </p:par>
-    </p:tnLst>
-  </p:timing>
-</p:sld>
-</file>
-
-<file path=ppt/slides/slide11.xml><?xml version="1.0" encoding="utf-8"?>
-<p:sld xmlns:a="http://schemas.openxmlformats.org/drawingml/2006/main" xmlns:r="http://schemas.openxmlformats.org/officeDocument/2006/relationships" xmlns:p="http://schemas.openxmlformats.org/presentationml/2006/main">
-  <p:cSld>
-    <p:spTree>
-      <p:nvGrpSpPr>
-        <p:cNvPr id="1" name="Shape 133"/>
-        <p:cNvGrpSpPr/>
-        <p:nvPr/>
-      </p:nvGrpSpPr>
-      <p:grpSpPr>
-        <a:xfrm>
-          <a:off x="0" y="0"/>
-          <a:ext cx="0" cy="0"/>
-          <a:chOff x="0" y="0"/>
-          <a:chExt cx="0" cy="0"/>
-        </a:xfrm>
-      </p:grpSpPr>
-      <p:cxnSp>
-        <p:nvCxnSpPr>
-          <p:cNvPr id="10" name="Google Shape;134;p16"/>
-          <p:cNvCxnSpPr/>
-          <p:nvPr/>
-        </p:nvCxnSpPr>
-        <p:spPr>
-          <a:xfrm>
-            <a:off x="431371" y="344696"/>
-            <a:ext cx="9660647" cy="0"/>
-          </a:xfrm>
-          <a:prstGeom prst="straightConnector1">
-            <a:avLst/>
-          </a:prstGeom>
-          <a:noFill/>
-          <a:ln w="12700" cap="flat" cmpd="sng">
-            <a:solidFill>
-              <a:srgbClr val="BFBFBF"/>
-            </a:solidFill>
-            <a:prstDash val="solid"/>
-            <a:round/>
-            <a:headEnd type="none" w="sm" len="sm"/>
-            <a:tailEnd type="none" w="sm" len="sm"/>
-          </a:ln>
-        </p:spPr>
-      </p:cxnSp>
-      <p:sp>
-        <p:nvSpPr>
-          <p:cNvPr id="11" name="Google Shape;136;p16"/>
-          <p:cNvSpPr/>
-          <p:nvPr/>
-        </p:nvSpPr>
-        <p:spPr>
-          <a:xfrm>
-            <a:off x="10086439" y="187755"/>
-            <a:ext cx="60959" cy="360904"/>
-          </a:xfrm>
-          <a:prstGeom prst="rect">
-            <a:avLst/>
-          </a:prstGeom>
-          <a:solidFill>
-            <a:srgbClr val="7F7F7F"/>
-          </a:solidFill>
-          <a:ln>
-            <a:noFill/>
-          </a:ln>
-          <a:effectLst>
-            <a:outerShdw blurRad="50800" dist="38100" dir="2700000" algn="tl" rotWithShape="0">
-              <a:srgbClr val="000000">
-                <a:alpha val="40000"/>
-              </a:srgbClr>
-            </a:outerShdw>
-          </a:effectLst>
-        </p:spPr>
-        <p:txBody>
-          <a:bodyPr spcFirstLastPara="1" wrap="square" lIns="121900" tIns="60933" rIns="121900" bIns="60933" anchor="ctr" anchorCtr="0">
-            <a:noAutofit/>
-          </a:bodyPr>
-          <a:lstStyle/>
-          <a:p>
-            <a:pPr algn="ctr"/>
-            <a:endParaRPr sz="2400">
-              <a:solidFill>
-                <a:schemeClr val="lt1"/>
-              </a:solidFill>
-              <a:latin typeface="Arial"/>
-              <a:ea typeface="Arial"/>
-              <a:cs typeface="Arial"/>
-              <a:sym typeface="Arial"/>
-            </a:endParaRPr>
-          </a:p>
-        </p:txBody>
-      </p:sp>
-      <p:sp>
-        <p:nvSpPr>
-          <p:cNvPr id="135" name="Google Shape;135;p16"/>
-          <p:cNvSpPr/>
-          <p:nvPr/>
-        </p:nvSpPr>
-        <p:spPr>
-          <a:xfrm>
-            <a:off x="-14515" y="149948"/>
-            <a:ext cx="1088572" cy="384043"/>
-          </a:xfrm>
-          <a:prstGeom prst="rect">
-            <a:avLst/>
-          </a:prstGeom>
-          <a:solidFill>
-            <a:srgbClr val="E00868"/>
-          </a:solidFill>
-          <a:ln>
-            <a:noFill/>
-          </a:ln>
-        </p:spPr>
-        <p:txBody>
-          <a:bodyPr spcFirstLastPara="1" wrap="square" lIns="121900" tIns="60933" rIns="121900" bIns="60933" anchor="ctr" anchorCtr="0">
-            <a:noAutofit/>
-          </a:bodyPr>
-          <a:lstStyle/>
-          <a:p>
-            <a:pPr algn="ctr"/>
-            <a:endParaRPr sz="2400">
-              <a:solidFill>
-                <a:schemeClr val="lt1"/>
-              </a:solidFill>
-              <a:latin typeface="Tmon몬소리OTF Black" panose="02000A03000000000000" pitchFamily="50" charset="-127"/>
-              <a:ea typeface="Tmon몬소리OTF Black" panose="02000A03000000000000" pitchFamily="50" charset="-127"/>
-              <a:cs typeface="Arial"/>
-              <a:sym typeface="Arial"/>
-            </a:endParaRPr>
-          </a:p>
-        </p:txBody>
-      </p:sp>
-      <p:cxnSp>
-        <p:nvCxnSpPr>
-          <p:cNvPr id="137" name="Google Shape;137;p16"/>
-          <p:cNvCxnSpPr/>
-          <p:nvPr/>
-        </p:nvCxnSpPr>
-        <p:spPr>
-          <a:xfrm>
-            <a:off x="1126708" y="345453"/>
-            <a:ext cx="1233624" cy="0"/>
-          </a:xfrm>
-          <a:prstGeom prst="straightConnector1">
-            <a:avLst/>
-          </a:prstGeom>
-          <a:noFill/>
-          <a:ln w="12700" cap="flat" cmpd="sng">
-            <a:solidFill>
-              <a:srgbClr val="E00868"/>
-            </a:solidFill>
-            <a:prstDash val="solid"/>
-            <a:round/>
-            <a:headEnd type="none" w="sm" len="sm"/>
-            <a:tailEnd type="none" w="sm" len="sm"/>
-          </a:ln>
-        </p:spPr>
-      </p:cxnSp>
-      <p:sp>
-        <p:nvSpPr>
-          <p:cNvPr id="138" name="Google Shape;138;p16"/>
-          <p:cNvSpPr/>
-          <p:nvPr/>
-        </p:nvSpPr>
-        <p:spPr>
-          <a:xfrm rot="5400000">
-            <a:off x="928275" y="295722"/>
-            <a:ext cx="386628" cy="95087"/>
-          </a:xfrm>
-          <a:prstGeom prst="triangle">
-            <a:avLst>
-              <a:gd name="adj" fmla="val 50000"/>
-            </a:avLst>
-          </a:prstGeom>
-          <a:solidFill>
-            <a:srgbClr val="E00868"/>
-          </a:solidFill>
-          <a:ln>
-            <a:noFill/>
-          </a:ln>
-        </p:spPr>
-        <p:txBody>
-          <a:bodyPr spcFirstLastPara="1" wrap="square" lIns="121900" tIns="60933" rIns="121900" bIns="60933" anchor="ctr" anchorCtr="0">
-            <a:noAutofit/>
-          </a:bodyPr>
-          <a:lstStyle/>
-          <a:p>
-            <a:pPr algn="ctr"/>
-            <a:endParaRPr sz="2400">
-              <a:solidFill>
-                <a:schemeClr val="lt1"/>
-              </a:solidFill>
-              <a:latin typeface="Tmon몬소리OTF Black" panose="02000A03000000000000" pitchFamily="50" charset="-127"/>
-              <a:ea typeface="Tmon몬소리OTF Black" panose="02000A03000000000000" pitchFamily="50" charset="-127"/>
-              <a:cs typeface="Arial"/>
-              <a:sym typeface="Arial"/>
-            </a:endParaRPr>
-          </a:p>
-        </p:txBody>
-      </p:sp>
-      <p:sp>
-        <p:nvSpPr>
-          <p:cNvPr id="139" name="Google Shape;139;p16"/>
-          <p:cNvSpPr txBox="1"/>
-          <p:nvPr/>
-        </p:nvSpPr>
-        <p:spPr>
-          <a:xfrm>
-            <a:off x="1047714" y="380980"/>
-            <a:ext cx="2755660" cy="529495"/>
-          </a:xfrm>
-          <a:prstGeom prst="rect">
-            <a:avLst/>
-          </a:prstGeom>
-          <a:noFill/>
-          <a:ln>
-            <a:noFill/>
-          </a:ln>
-        </p:spPr>
-        <p:txBody>
-          <a:bodyPr spcFirstLastPara="1" wrap="square" lIns="121900" tIns="60933" rIns="121900" bIns="60933" anchor="t" anchorCtr="0">
-            <a:noAutofit/>
-          </a:bodyPr>
-          <a:lstStyle/>
-          <a:p>
-            <a:r>
-              <a:rPr lang="ko-KR" altLang="en-US" sz="2800" b="1" dirty="0" smtClean="0">
-                <a:solidFill>
-                  <a:schemeClr val="dk1"/>
-                </a:solidFill>
-                <a:latin typeface="Tmon몬소리OTF Black" panose="02000A03000000000000" pitchFamily="50" charset="-127"/>
-                <a:ea typeface="Tmon몬소리OTF Black" panose="02000A03000000000000" pitchFamily="50" charset="-127"/>
-                <a:cs typeface="Arial"/>
-                <a:sym typeface="Arial"/>
-              </a:rPr>
-              <a:t>이미지 파일 형식</a:t>
-            </a:r>
-            <a:r>
-              <a:rPr lang="en-US" altLang="ko-KR" sz="2800" b="1" dirty="0" smtClean="0">
-                <a:solidFill>
-                  <a:schemeClr val="dk1"/>
-                </a:solidFill>
-                <a:latin typeface="Tmon몬소리OTF Black" panose="02000A03000000000000" pitchFamily="50" charset="-127"/>
-                <a:ea typeface="Tmon몬소리OTF Black" panose="02000A03000000000000" pitchFamily="50" charset="-127"/>
-                <a:cs typeface="Arial"/>
-                <a:sym typeface="Arial"/>
-              </a:rPr>
-              <a:t> </a:t>
-            </a:r>
-            <a:endParaRPr sz="2800" b="1" dirty="0">
-              <a:solidFill>
-                <a:schemeClr val="dk1"/>
-              </a:solidFill>
-              <a:latin typeface="Tmon몬소리OTF Black" panose="02000A03000000000000" pitchFamily="50" charset="-127"/>
-              <a:ea typeface="Tmon몬소리OTF Black" panose="02000A03000000000000" pitchFamily="50" charset="-127"/>
-              <a:cs typeface="Arial"/>
-              <a:sym typeface="Arial"/>
-            </a:endParaRPr>
-          </a:p>
-        </p:txBody>
-      </p:sp>
-      <p:sp>
-        <p:nvSpPr>
-          <p:cNvPr id="143" name="Google Shape;143;p16"/>
-          <p:cNvSpPr/>
-          <p:nvPr/>
-        </p:nvSpPr>
-        <p:spPr>
-          <a:xfrm>
-            <a:off x="203690" y="95227"/>
-            <a:ext cx="791373" cy="492443"/>
-          </a:xfrm>
-          <a:prstGeom prst="rect">
-            <a:avLst/>
-          </a:prstGeom>
-          <a:noFill/>
-          <a:ln>
-            <a:noFill/>
-          </a:ln>
-        </p:spPr>
-        <p:txBody>
-          <a:bodyPr spcFirstLastPara="1" wrap="square" lIns="121900" tIns="60933" rIns="121900" bIns="60933" anchor="t" anchorCtr="0">
-            <a:noAutofit/>
-          </a:bodyPr>
-          <a:lstStyle/>
-          <a:p>
-            <a:r>
-              <a:rPr lang="en-US" sz="2400" b="1" dirty="0" smtClean="0">
-                <a:solidFill>
-                  <a:schemeClr val="lt1"/>
-                </a:solidFill>
-                <a:latin typeface="Tmon몬소리OTF Black" panose="02000A03000000000000" pitchFamily="50" charset="-127"/>
-                <a:ea typeface="Tmon몬소리OTF Black" panose="02000A03000000000000" pitchFamily="50" charset="-127"/>
-                <a:cs typeface="Arial"/>
-                <a:sym typeface="Arial"/>
-              </a:rPr>
-              <a:t>03</a:t>
-            </a:r>
-            <a:endParaRPr sz="2400" b="1" dirty="0">
-              <a:solidFill>
-                <a:schemeClr val="lt1"/>
-              </a:solidFill>
-              <a:latin typeface="Tmon몬소리OTF Black" panose="02000A03000000000000" pitchFamily="50" charset="-127"/>
-              <a:ea typeface="Tmon몬소리OTF Black" panose="02000A03000000000000" pitchFamily="50" charset="-127"/>
-              <a:cs typeface="Arial"/>
-              <a:sym typeface="Arial"/>
-            </a:endParaRPr>
-          </a:p>
-        </p:txBody>
-      </p:sp>
-      <p:pic>
-        <p:nvPicPr>
-          <p:cNvPr id="12" name="그림 11"/>
-          <p:cNvPicPr>
-            <a:picLocks noChangeAspect="1"/>
-          </p:cNvPicPr>
-          <p:nvPr/>
-        </p:nvPicPr>
-        <p:blipFill>
-          <a:blip r:embed="rId3" cstate="print">
-            <a:extLst>
-              <a:ext uri="{28A0092B-C50C-407E-A947-70E740481C1C}">
-                <a14:useLocalDpi xmlns:a14="http://schemas.microsoft.com/office/drawing/2010/main" val="0"/>
-              </a:ext>
-            </a:extLst>
-          </a:blip>
-          <a:stretch>
-            <a:fillRect/>
-          </a:stretch>
-        </p:blipFill>
-        <p:spPr>
-          <a:xfrm>
-            <a:off x="10537902" y="189570"/>
-            <a:ext cx="1411093" cy="821996"/>
-          </a:xfrm>
-          <a:prstGeom prst="rect">
-            <a:avLst/>
-          </a:prstGeom>
-        </p:spPr>
-      </p:pic>
-      <p:sp>
-        <p:nvSpPr>
-          <p:cNvPr id="13" name="TextBox 12"/>
-          <p:cNvSpPr txBox="1"/>
-          <p:nvPr/>
-        </p:nvSpPr>
-        <p:spPr>
-          <a:xfrm>
-            <a:off x="599375" y="1047092"/>
-            <a:ext cx="11486607" cy="5587940"/>
+            <a:off x="1459069" y="1011566"/>
+            <a:ext cx="7399670" cy="5587940"/>
           </a:xfrm>
           <a:prstGeom prst="rect">
             <a:avLst/>
@@ -8039,7 +7120,49 @@
                 <a:latin typeface="나눔스퀘어라운드 Bold" panose="020B0600000101010101" pitchFamily="50" charset="-127"/>
                 <a:ea typeface="나눔스퀘어라운드 Bold" panose="020B0600000101010101" pitchFamily="50" charset="-127"/>
               </a:rPr>
-              <a:t>데이터를 분석하기 전에 그래프나 통계적인 방법으로 데이터를 직관적으로 바라보는 </a:t>
+              <a:t>데이터를 분석하기 </a:t>
+            </a:r>
+            <a:r>
+              <a:rPr lang="ko-KR" altLang="en-US" sz="2400" dirty="0" smtClean="0">
+                <a:latin typeface="나눔스퀘어라운드 Bold" panose="020B0600000101010101" pitchFamily="50" charset="-127"/>
+                <a:ea typeface="나눔스퀘어라운드 Bold" panose="020B0600000101010101" pitchFamily="50" charset="-127"/>
+              </a:rPr>
+              <a:t>전에 </a:t>
+            </a:r>
+            <a:r>
+              <a:rPr lang="ko-KR" altLang="en-US" sz="2400" dirty="0" smtClean="0">
+                <a:latin typeface="나눔스퀘어라운드 Bold" panose="020B0600000101010101" pitchFamily="50" charset="-127"/>
+                <a:ea typeface="나눔스퀘어라운드 Bold" panose="020B0600000101010101" pitchFamily="50" charset="-127"/>
+              </a:rPr>
+              <a:t>앞서</a:t>
+            </a:r>
+            <a:r>
+              <a:rPr lang="ko-KR" altLang="en-US" sz="2400" dirty="0" smtClean="0">
+                <a:latin typeface="나눔스퀘어라운드 Bold" panose="020B0600000101010101" pitchFamily="50" charset="-127"/>
+                <a:ea typeface="나눔스퀘어라운드 Bold" panose="020B0600000101010101" pitchFamily="50" charset="-127"/>
+              </a:rPr>
+              <a:t> </a:t>
+            </a:r>
+            <a:r>
+              <a:rPr lang="ko-KR" altLang="en-US" sz="2400" dirty="0">
+                <a:latin typeface="나눔스퀘어라운드 Bold" panose="020B0600000101010101" pitchFamily="50" charset="-127"/>
+                <a:ea typeface="나눔스퀘어라운드 Bold" panose="020B0600000101010101" pitchFamily="50" charset="-127"/>
+              </a:rPr>
+              <a:t>그래프나 통계적인 방법으로 데이터를 </a:t>
+            </a:r>
+            <a:r>
+              <a:rPr lang="ko-KR" altLang="en-US" sz="2400" dirty="0" smtClean="0">
+                <a:latin typeface="나눔스퀘어라운드 Bold" panose="020B0600000101010101" pitchFamily="50" charset="-127"/>
+                <a:ea typeface="나눔스퀘어라운드 Bold" panose="020B0600000101010101" pitchFamily="50" charset="-127"/>
+              </a:rPr>
+              <a:t>보다 직관적으로 </a:t>
+            </a:r>
+            <a:r>
+              <a:rPr lang="ko-KR" altLang="en-US" sz="2400" dirty="0">
+                <a:latin typeface="나눔스퀘어라운드 Bold" panose="020B0600000101010101" pitchFamily="50" charset="-127"/>
+                <a:ea typeface="나눔스퀘어라운드 Bold" panose="020B0600000101010101" pitchFamily="50" charset="-127"/>
+              </a:rPr>
+              <a:t>바라보는 </a:t>
             </a:r>
             <a:r>
               <a:rPr lang="ko-KR" altLang="en-US" sz="2400" dirty="0" smtClean="0">
@@ -8070,7 +7193,28 @@
                 <a:latin typeface="나눔스퀘어라운드 Bold" panose="020B0600000101010101" pitchFamily="50" charset="-127"/>
                 <a:ea typeface="나눔스퀘어라운드 Bold" panose="020B0600000101010101" pitchFamily="50" charset="-127"/>
               </a:rPr>
-              <a:t>데이터를 있는 그대로 바라보는데 중점을 맞추어 데이터가 가지고 있는 의미를 다양한 각도로 바라보고 이해한다 </a:t>
+              <a:t>데이터를 있는 그대로 바라보는데 중점을 </a:t>
+            </a:r>
+            <a:r>
+              <a:rPr lang="ko-KR" altLang="en-US" sz="2400" dirty="0" smtClean="0">
+                <a:latin typeface="나눔스퀘어라운드 Bold" panose="020B0600000101010101" pitchFamily="50" charset="-127"/>
+                <a:ea typeface="나눔스퀘어라운드 Bold" panose="020B0600000101010101" pitchFamily="50" charset="-127"/>
+              </a:rPr>
+              <a:t>두어</a:t>
+            </a:r>
+            <a:r>
+              <a:rPr lang="ko-KR" altLang="en-US" sz="2400" dirty="0" smtClean="0">
+                <a:latin typeface="나눔스퀘어라운드 Bold" panose="020B0600000101010101" pitchFamily="50" charset="-127"/>
+                <a:ea typeface="나눔스퀘어라운드 Bold" panose="020B0600000101010101" pitchFamily="50" charset="-127"/>
+              </a:rPr>
+              <a:t> </a:t>
+            </a:r>
+            <a:r>
+              <a:rPr lang="ko-KR" altLang="en-US" sz="2400" dirty="0">
+                <a:latin typeface="나눔스퀘어라운드 Bold" panose="020B0600000101010101" pitchFamily="50" charset="-127"/>
+                <a:ea typeface="나눔스퀘어라운드 Bold" panose="020B0600000101010101" pitchFamily="50" charset="-127"/>
+              </a:rPr>
+              <a:t>데이터가 가지고 있는 의미를 다양한 각도로 바라보고 이해한다 </a:t>
             </a:r>
             <a:endParaRPr lang="en-US" altLang="ko-KR" sz="2400" dirty="0" smtClean="0">
               <a:latin typeface="나눔스퀘어라운드 Bold" panose="020B0600000101010101" pitchFamily="50" charset="-127"/>
@@ -8132,7 +7276,14 @@
                 <a:latin typeface="나눔스퀘어라운드 Bold" panose="020B0600000101010101" pitchFamily="50" charset="-127"/>
                 <a:ea typeface="나눔스퀘어라운드 Bold" panose="020B0600000101010101" pitchFamily="50" charset="-127"/>
               </a:rPr>
-              <a:t>데이터 수집 의사를 결정한다</a:t>
+              <a:t>데이터 수집 </a:t>
+            </a:r>
+            <a:r>
+              <a:rPr lang="ko-KR" altLang="en-US" sz="2400" dirty="0" smtClean="0">
+                <a:latin typeface="나눔스퀘어라운드 Bold" panose="020B0600000101010101" pitchFamily="50" charset="-127"/>
+                <a:ea typeface="나눔스퀘어라운드 Bold" panose="020B0600000101010101" pitchFamily="50" charset="-127"/>
+              </a:rPr>
+              <a:t>의사결정을 고려한다</a:t>
             </a:r>
             <a:endParaRPr lang="en-US" altLang="ko-KR" sz="2400" dirty="0" smtClean="0">
               <a:latin typeface="나눔스퀘어라운드 Bold" panose="020B0600000101010101" pitchFamily="50" charset="-127"/>
@@ -8152,7 +7303,14 @@
                 <a:latin typeface="나눔스퀘어라운드 Bold" panose="020B0600000101010101" pitchFamily="50" charset="-127"/>
                 <a:ea typeface="나눔스퀘어라운드 Bold" panose="020B0600000101010101" pitchFamily="50" charset="-127"/>
               </a:rPr>
-              <a:t>데이터 유형에 맞는 모델을 선택한다</a:t>
+              <a:t>데이터 유형에 맞는 모델을 </a:t>
+            </a:r>
+            <a:r>
+              <a:rPr lang="ko-KR" altLang="en-US" sz="2400" dirty="0" smtClean="0">
+                <a:latin typeface="나눔스퀘어라운드 Bold" panose="020B0600000101010101" pitchFamily="50" charset="-127"/>
+                <a:ea typeface="나눔스퀘어라운드 Bold" panose="020B0600000101010101" pitchFamily="50" charset="-127"/>
+              </a:rPr>
+              <a:t>고려한다</a:t>
             </a:r>
             <a:endParaRPr lang="en-US" altLang="ko-KR" sz="2400" dirty="0" smtClean="0">
               <a:latin typeface="나눔스퀘어라운드 Bold" panose="020B0600000101010101" pitchFamily="50" charset="-127"/>
@@ -8172,7 +7330,28 @@
                 <a:latin typeface="나눔스퀘어라운드 Bold" panose="020B0600000101010101" pitchFamily="50" charset="-127"/>
                 <a:ea typeface="나눔스퀘어라운드 Bold" panose="020B0600000101010101" pitchFamily="50" charset="-127"/>
               </a:rPr>
-              <a:t>변수들 사이의 관계를 파악한다</a:t>
+              <a:t>변수들 </a:t>
+            </a:r>
+            <a:r>
+              <a:rPr lang="ko-KR" altLang="en-US" sz="2400" dirty="0">
+                <a:latin typeface="나눔스퀘어라운드 Bold" panose="020B0600000101010101" pitchFamily="50" charset="-127"/>
+                <a:ea typeface="나눔스퀘어라운드 Bold" panose="020B0600000101010101" pitchFamily="50" charset="-127"/>
+              </a:rPr>
+              <a:t>강</a:t>
+            </a:r>
+            <a:r>
+              <a:rPr lang="ko-KR" altLang="en-US" sz="2400" dirty="0" smtClean="0">
+                <a:latin typeface="나눔스퀘어라운드 Bold" panose="020B0600000101010101" pitchFamily="50" charset="-127"/>
+                <a:ea typeface="나눔스퀘어라운드 Bold" panose="020B0600000101010101" pitchFamily="50" charset="-127"/>
+              </a:rPr>
+              <a:t>의 </a:t>
+            </a:r>
+            <a:r>
+              <a:rPr lang="ko-KR" altLang="en-US" sz="2400" dirty="0" smtClean="0">
+                <a:latin typeface="나눔스퀘어라운드 Bold" panose="020B0600000101010101" pitchFamily="50" charset="-127"/>
+                <a:ea typeface="나눔스퀘어라운드 Bold" panose="020B0600000101010101" pitchFamily="50" charset="-127"/>
+              </a:rPr>
+              <a:t>관계를 파악한다</a:t>
             </a:r>
             <a:endParaRPr lang="en-US" altLang="ko-KR" sz="2400" dirty="0" smtClean="0">
               <a:latin typeface="나눔스퀘어라운드 Bold" panose="020B0600000101010101" pitchFamily="50" charset="-127"/>
@@ -8804,7 +7983,21 @@
                 <a:latin typeface="나눔스퀘어라운드 Bold" panose="020B0600000101010101" pitchFamily="50" charset="-127"/>
                 <a:ea typeface="나눔스퀘어라운드 Bold" panose="020B0600000101010101" pitchFamily="50" charset="-127"/>
               </a:rPr>
-              <a:t> 그래프를 그리기에 적합한 패키지이다</a:t>
+              <a:t> 그래프를 그리기에 </a:t>
+            </a:r>
+            <a:r>
+              <a:rPr lang="ko-KR" altLang="en-US" sz="2400" dirty="0" smtClean="0">
+                <a:latin typeface="나눔스퀘어라운드 Bold" panose="020B0600000101010101" pitchFamily="50" charset="-127"/>
+                <a:ea typeface="나눔스퀘어라운드 Bold" panose="020B0600000101010101" pitchFamily="50" charset="-127"/>
+              </a:rPr>
+              <a:t>적합한 </a:t>
+            </a:r>
+            <a:r>
+              <a:rPr lang="ko-KR" altLang="en-US" sz="2400" dirty="0">
+                <a:latin typeface="나눔스퀘어라운드 Bold" panose="020B0600000101010101" pitchFamily="50" charset="-127"/>
+                <a:ea typeface="나눔스퀘어라운드 Bold" panose="020B0600000101010101" pitchFamily="50" charset="-127"/>
+              </a:rPr>
+              <a:t>패키지이다</a:t>
             </a:r>
             <a:endParaRPr lang="en-US" altLang="ko-KR" sz="2400" dirty="0">
               <a:latin typeface="나눔스퀘어라운드 Bold" panose="020B0600000101010101" pitchFamily="50" charset="-127"/>
@@ -8845,7 +8038,14 @@
                 <a:latin typeface="나눔스퀘어라운드 Bold" panose="020B0600000101010101" pitchFamily="50" charset="-127"/>
                 <a:ea typeface="나눔스퀘어라운드 Bold" panose="020B0600000101010101" pitchFamily="50" charset="-127"/>
               </a:rPr>
-              <a:t>빠르게 그려진다</a:t>
+              <a:t>빠르게 </a:t>
+            </a:r>
+            <a:r>
+              <a:rPr lang="ko-KR" altLang="en-US" sz="2400" dirty="0" smtClean="0">
+                <a:latin typeface="나눔스퀘어라운드 Bold" panose="020B0600000101010101" pitchFamily="50" charset="-127"/>
+                <a:ea typeface="나눔스퀘어라운드 Bold" panose="020B0600000101010101" pitchFamily="50" charset="-127"/>
+              </a:rPr>
+              <a:t>그릴 수 있다</a:t>
             </a:r>
             <a:endParaRPr lang="en-US" altLang="ko-KR" sz="2400" dirty="0" smtClean="0">
               <a:latin typeface="나눔스퀘어라운드 Bold" panose="020B0600000101010101" pitchFamily="50" charset="-127"/>
@@ -8859,14 +8059,7 @@
                 <a:latin typeface="나눔스퀘어라운드 Bold" panose="020B0600000101010101" pitchFamily="50" charset="-127"/>
                 <a:ea typeface="나눔스퀘어라운드 Bold" panose="020B0600000101010101" pitchFamily="50" charset="-127"/>
               </a:rPr>
-              <a:t>                                                        </a:t>
-            </a:r>
-            <a:r>
-              <a:rPr lang="en-US" altLang="ko-KR" sz="2000" dirty="0" smtClean="0">
-                <a:latin typeface="나눔스퀘어라운드 Bold" panose="020B0600000101010101" pitchFamily="50" charset="-127"/>
-                <a:ea typeface="나눔스퀘어라운드 Bold" panose="020B0600000101010101" pitchFamily="50" charset="-127"/>
-              </a:rPr>
-              <a:t>* </a:t>
+              <a:t>                                                        * </a:t>
             </a:r>
             <a:r>
               <a:rPr lang="ko-KR" altLang="en-US" sz="1400" dirty="0" smtClean="0">
@@ -9382,7 +8575,7 @@
           <a:lstStyle/>
           <a:p>
             <a:r>
-              <a:rPr lang="ko-KR" altLang="en-US" sz="2800" b="1" smtClean="0">
+              <a:rPr lang="ko-KR" altLang="en-US" sz="2800" b="1" dirty="0" smtClean="0">
                 <a:solidFill>
                   <a:schemeClr val="dk1"/>
                 </a:solidFill>
@@ -9526,14 +8719,14 @@
       </p:pic>
       <p:sp>
         <p:nvSpPr>
-          <p:cNvPr id="11" name="TextBox 10"/>
+          <p:cNvPr id="18" name="TextBox 17"/>
           <p:cNvSpPr txBox="1"/>
           <p:nvPr/>
         </p:nvSpPr>
         <p:spPr>
           <a:xfrm>
-            <a:off x="323856" y="2020088"/>
-            <a:ext cx="3630420" cy="877163"/>
+            <a:off x="838810" y="1814030"/>
+            <a:ext cx="10591190" cy="4247317"/>
           </a:xfrm>
           <a:prstGeom prst="rect">
             <a:avLst/>
@@ -9553,19 +8746,65 @@
               <a:buAutoNum type="arabicPeriod"/>
             </a:pPr>
             <a:r>
-              <a:rPr lang="ko-KR" altLang="en-US" sz="1700" dirty="0" smtClean="0">
+              <a:rPr lang="ko-KR" altLang="en-US" sz="2000" dirty="0" smtClean="0">
                 <a:latin typeface="나눔스퀘어라운드 Bold" panose="020B0600000101010101" pitchFamily="50" charset="-127"/>
                 <a:ea typeface="나눔스퀘어라운드 Bold" panose="020B0600000101010101" pitchFamily="50" charset="-127"/>
               </a:rPr>
               <a:t>히스토그램 </a:t>
             </a:r>
             <a:r>
-              <a:rPr lang="en-US" altLang="ko-KR" sz="1700" dirty="0" smtClean="0">
+              <a:rPr lang="en-US" altLang="ko-KR" sz="2000" dirty="0" smtClean="0">
                 <a:latin typeface="나눔스퀘어라운드 Bold" panose="020B0600000101010101" pitchFamily="50" charset="-127"/>
                 <a:ea typeface="나눔스퀘어라운드 Bold" panose="020B0600000101010101" pitchFamily="50" charset="-127"/>
               </a:rPr>
               <a:t>(Histograms) </a:t>
             </a:r>
+            <a:r>
+              <a:rPr lang="en-US" altLang="ko-KR" sz="2000" dirty="0" smtClean="0">
+                <a:latin typeface="나눔스퀘어라운드 Bold" panose="020B0600000101010101" pitchFamily="50" charset="-127"/>
+                <a:ea typeface="나눔스퀘어라운드 Bold" panose="020B0600000101010101" pitchFamily="50" charset="-127"/>
+              </a:rPr>
+              <a:t> :</a:t>
+            </a:r>
+            <a:r>
+              <a:rPr lang="ko-KR" altLang="en-US" sz="2000" dirty="0" err="1" smtClean="0">
+                <a:latin typeface="나눔스퀘어라운드 Bold" panose="020B0600000101010101" pitchFamily="50" charset="-127"/>
+                <a:ea typeface="나눔스퀘어라운드 Bold" panose="020B0600000101010101" pitchFamily="50" charset="-127"/>
+              </a:rPr>
+              <a:t>연속형</a:t>
+            </a:r>
+            <a:r>
+              <a:rPr lang="ko-KR" altLang="en-US" sz="2000" dirty="0" smtClean="0">
+                <a:latin typeface="나눔스퀘어라운드 Bold" panose="020B0600000101010101" pitchFamily="50" charset="-127"/>
+                <a:ea typeface="나눔스퀘어라운드 Bold" panose="020B0600000101010101" pitchFamily="50" charset="-127"/>
+              </a:rPr>
+              <a:t> 데이터의</a:t>
+            </a:r>
+            <a:r>
+              <a:rPr lang="en-US" altLang="ko-KR" sz="2000" dirty="0" smtClean="0">
+                <a:latin typeface="나눔스퀘어라운드 Bold" panose="020B0600000101010101" pitchFamily="50" charset="-127"/>
+                <a:ea typeface="나눔스퀘어라운드 Bold" panose="020B0600000101010101" pitchFamily="50" charset="-127"/>
+              </a:rPr>
+              <a:t> </a:t>
+            </a:r>
+            <a:r>
+              <a:rPr lang="ko-KR" altLang="en-US" sz="2000" dirty="0" smtClean="0">
+                <a:latin typeface="나눔스퀘어라운드 Bold" panose="020B0600000101010101" pitchFamily="50" charset="-127"/>
+                <a:ea typeface="나눔스퀘어라운드 Bold" panose="020B0600000101010101" pitchFamily="50" charset="-127"/>
+              </a:rPr>
+              <a:t>분포를 </a:t>
+            </a:r>
+            <a:r>
+              <a:rPr lang="ko-KR" altLang="en-US" sz="2000" dirty="0" smtClean="0">
+                <a:latin typeface="나눔스퀘어라운드 Bold" panose="020B0600000101010101" pitchFamily="50" charset="-127"/>
+                <a:ea typeface="나눔스퀘어라운드 Bold" panose="020B0600000101010101" pitchFamily="50" charset="-127"/>
+              </a:rPr>
+              <a:t>파악한다</a:t>
+            </a:r>
+            <a:endParaRPr lang="en-US" altLang="ko-KR" sz="2000" dirty="0" smtClean="0">
+              <a:latin typeface="나눔스퀘어라운드 Bold" panose="020B0600000101010101" pitchFamily="50" charset="-127"/>
+              <a:ea typeface="나눔스퀘어라운드 Bold" panose="020B0600000101010101" pitchFamily="50" charset="-127"/>
+            </a:endParaRPr>
           </a:p>
           <a:p>
             <a:pPr marL="457200" lvl="2">
@@ -9573,99 +8812,10 @@
                 <a:spcPct val="150000"/>
               </a:lnSpc>
             </a:pPr>
-            <a:r>
-              <a:rPr lang="en-US" altLang="ko-KR" sz="1700" dirty="0" smtClean="0">
-                <a:latin typeface="나눔스퀘어라운드 Bold" panose="020B0600000101010101" pitchFamily="50" charset="-127"/>
-                <a:ea typeface="나눔스퀘어라운드 Bold" panose="020B0600000101010101" pitchFamily="50" charset="-127"/>
-              </a:rPr>
-              <a:t>:</a:t>
-            </a:r>
-            <a:r>
-              <a:rPr lang="ko-KR" altLang="en-US" sz="1700" dirty="0" err="1" smtClean="0">
-                <a:latin typeface="나눔스퀘어라운드 Bold" panose="020B0600000101010101" pitchFamily="50" charset="-127"/>
-                <a:ea typeface="나눔스퀘어라운드 Bold" panose="020B0600000101010101" pitchFamily="50" charset="-127"/>
-              </a:rPr>
-              <a:t>연속형</a:t>
-            </a:r>
-            <a:r>
-              <a:rPr lang="ko-KR" altLang="en-US" sz="1700" dirty="0" smtClean="0">
-                <a:latin typeface="나눔스퀘어라운드 Bold" panose="020B0600000101010101" pitchFamily="50" charset="-127"/>
-                <a:ea typeface="나눔스퀘어라운드 Bold" panose="020B0600000101010101" pitchFamily="50" charset="-127"/>
-              </a:rPr>
-              <a:t> 데이터의</a:t>
-            </a:r>
-            <a:r>
-              <a:rPr lang="en-US" altLang="ko-KR" sz="1700" dirty="0" smtClean="0">
-                <a:latin typeface="나눔스퀘어라운드 Bold" panose="020B0600000101010101" pitchFamily="50" charset="-127"/>
-                <a:ea typeface="나눔스퀘어라운드 Bold" panose="020B0600000101010101" pitchFamily="50" charset="-127"/>
-              </a:rPr>
-              <a:t> </a:t>
-            </a:r>
-            <a:r>
-              <a:rPr lang="ko-KR" altLang="en-US" sz="1700" dirty="0" smtClean="0">
-                <a:latin typeface="나눔스퀘어라운드 Bold" panose="020B0600000101010101" pitchFamily="50" charset="-127"/>
-                <a:ea typeface="나눔스퀘어라운드 Bold" panose="020B0600000101010101" pitchFamily="50" charset="-127"/>
-              </a:rPr>
-              <a:t>분포를 파악한다</a:t>
-            </a:r>
-            <a:endParaRPr lang="en-US" altLang="ko-KR" sz="1700" dirty="0" smtClean="0">
+            <a:endParaRPr lang="en-US" altLang="ko-KR" sz="2000" dirty="0" smtClean="0">
               <a:latin typeface="나눔스퀘어라운드 Bold" panose="020B0600000101010101" pitchFamily="50" charset="-127"/>
               <a:ea typeface="나눔스퀘어라운드 Bold" panose="020B0600000101010101" pitchFamily="50" charset="-127"/>
             </a:endParaRPr>
-          </a:p>
-        </p:txBody>
-      </p:sp>
-      <p:sp>
-        <p:nvSpPr>
-          <p:cNvPr id="12" name="TextBox 11"/>
-          <p:cNvSpPr txBox="1"/>
-          <p:nvPr/>
-        </p:nvSpPr>
-        <p:spPr>
-          <a:xfrm>
-            <a:off x="8148762" y="1964448"/>
-            <a:ext cx="3589438" cy="1138773"/>
-          </a:xfrm>
-          <a:prstGeom prst="rect">
-            <a:avLst/>
-          </a:prstGeom>
-          <a:noFill/>
-        </p:spPr>
-        <p:txBody>
-          <a:bodyPr wrap="square" rtlCol="0">
-            <a:spAutoFit/>
-          </a:bodyPr>
-          <a:lstStyle/>
-          <a:p>
-            <a:pPr marL="457200" lvl="2"/>
-            <a:r>
-              <a:rPr lang="en-US" altLang="ko-KR" sz="1700" dirty="0" smtClean="0">
-                <a:latin typeface="나눔스퀘어라운드 Bold" panose="020B0600000101010101" pitchFamily="50" charset="-127"/>
-                <a:ea typeface="나눔스퀘어라운드 Bold" panose="020B0600000101010101" pitchFamily="50" charset="-127"/>
-              </a:rPr>
-              <a:t>3. </a:t>
-            </a:r>
-            <a:r>
-              <a:rPr lang="ko-KR" altLang="en-US" sz="1700" dirty="0" err="1" smtClean="0">
-                <a:latin typeface="나눔스퀘어라운드 Bold" panose="020B0600000101010101" pitchFamily="50" charset="-127"/>
-                <a:ea typeface="나눔스퀘어라운드 Bold" panose="020B0600000101010101" pitchFamily="50" charset="-127"/>
-              </a:rPr>
-              <a:t>박스플롯</a:t>
-            </a:r>
-            <a:r>
-              <a:rPr lang="ko-KR" altLang="en-US" sz="1700" dirty="0" smtClean="0">
-                <a:latin typeface="나눔스퀘어라운드 Bold" panose="020B0600000101010101" pitchFamily="50" charset="-127"/>
-                <a:ea typeface="나눔스퀘어라운드 Bold" panose="020B0600000101010101" pitchFamily="50" charset="-127"/>
-              </a:rPr>
-              <a:t> </a:t>
-            </a:r>
-            <a:r>
-              <a:rPr lang="en-US" altLang="ko-KR" sz="1700" dirty="0" smtClean="0">
-                <a:latin typeface="나눔스퀘어라운드 Bold" panose="020B0600000101010101" pitchFamily="50" charset="-127"/>
-                <a:ea typeface="나눔스퀘어라운드 Bold" panose="020B0600000101010101" pitchFamily="50" charset="-127"/>
-              </a:rPr>
-              <a:t>(Boxplots)</a:t>
-            </a:r>
           </a:p>
           <a:p>
             <a:pPr marL="457200" lvl="2">
@@ -9674,34 +8824,48 @@
               </a:lnSpc>
             </a:pPr>
             <a:r>
-              <a:rPr lang="en-US" altLang="ko-KR" sz="1700" dirty="0" smtClean="0">
-                <a:latin typeface="나눔스퀘어라운드 Bold" panose="020B0600000101010101" pitchFamily="50" charset="-127"/>
-                <a:ea typeface="나눔스퀘어라운드 Bold" panose="020B0600000101010101" pitchFamily="50" charset="-127"/>
-              </a:rPr>
-              <a:t>: </a:t>
-            </a:r>
-            <a:r>
-              <a:rPr lang="ko-KR" altLang="en-US" sz="1700" dirty="0" err="1" smtClean="0">
-                <a:latin typeface="나눔스퀘어라운드 Bold" panose="020B0600000101010101" pitchFamily="50" charset="-127"/>
-                <a:ea typeface="나눔스퀘어라운드 Bold" panose="020B0600000101010101" pitchFamily="50" charset="-127"/>
-              </a:rPr>
-              <a:t>이상치를</a:t>
-            </a:r>
-            <a:r>
-              <a:rPr lang="ko-KR" altLang="en-US" sz="1700" dirty="0" smtClean="0">
-                <a:latin typeface="나눔스퀘어라운드 Bold" panose="020B0600000101010101" pitchFamily="50" charset="-127"/>
-                <a:ea typeface="나눔스퀘어라운드 Bold" panose="020B0600000101010101" pitchFamily="50" charset="-127"/>
-              </a:rPr>
-              <a:t> </a:t>
-            </a:r>
-            <a:r>
-              <a:rPr lang="ko-KR" altLang="en-US" sz="1700" dirty="0">
-                <a:latin typeface="나눔스퀘어라운드 Bold" panose="020B0600000101010101" pitchFamily="50" charset="-127"/>
-                <a:ea typeface="나눔스퀘어라운드 Bold" panose="020B0600000101010101" pitchFamily="50" charset="-127"/>
-              </a:rPr>
-              <a:t>판단하고 데이터가 </a:t>
-            </a:r>
-            <a:endParaRPr lang="en-US" altLang="ko-KR" sz="1700" dirty="0" smtClean="0">
+              <a:rPr lang="en-US" altLang="ko-KR" sz="2000" dirty="0">
+                <a:latin typeface="나눔스퀘어라운드 Bold" panose="020B0600000101010101" pitchFamily="50" charset="-127"/>
+                <a:ea typeface="나눔스퀘어라운드 Bold" panose="020B0600000101010101" pitchFamily="50" charset="-127"/>
+              </a:rPr>
+              <a:t>2. </a:t>
+            </a:r>
+            <a:r>
+              <a:rPr lang="ko-KR" altLang="en-US" sz="2000" dirty="0">
+                <a:latin typeface="나눔스퀘어라운드 Bold" panose="020B0600000101010101" pitchFamily="50" charset="-127"/>
+                <a:ea typeface="나눔스퀘어라운드 Bold" panose="020B0600000101010101" pitchFamily="50" charset="-127"/>
+              </a:rPr>
+              <a:t>막대그래프 </a:t>
+            </a:r>
+            <a:r>
+              <a:rPr lang="en-US" altLang="ko-KR" sz="2000" dirty="0">
+                <a:latin typeface="나눔스퀘어라운드 Bold" panose="020B0600000101010101" pitchFamily="50" charset="-127"/>
+                <a:ea typeface="나눔스퀘어라운드 Bold" panose="020B0600000101010101" pitchFamily="50" charset="-127"/>
+              </a:rPr>
+              <a:t>(Bar</a:t>
+            </a:r>
+            <a:r>
+              <a:rPr lang="en-US" altLang="ko-KR" sz="2000" dirty="0" smtClean="0">
+                <a:latin typeface="나눔스퀘어라운드 Bold" panose="020B0600000101010101" pitchFamily="50" charset="-127"/>
+                <a:ea typeface="나눔스퀘어라운드 Bold" panose="020B0600000101010101" pitchFamily="50" charset="-127"/>
+              </a:rPr>
+              <a:t>) : </a:t>
+            </a:r>
+            <a:r>
+              <a:rPr lang="ko-KR" altLang="en-US" sz="2000" dirty="0">
+                <a:latin typeface="나눔스퀘어라운드 Bold" panose="020B0600000101010101" pitchFamily="50" charset="-127"/>
+                <a:ea typeface="나눔스퀘어라운드 Bold" panose="020B0600000101010101" pitchFamily="50" charset="-127"/>
+              </a:rPr>
+              <a:t>범주형 데이터의 분포를 </a:t>
+            </a:r>
+            <a:r>
+              <a:rPr lang="ko-KR" altLang="en-US" sz="2000" dirty="0" smtClean="0">
+                <a:latin typeface="나눔스퀘어라운드 Bold" panose="020B0600000101010101" pitchFamily="50" charset="-127"/>
+                <a:ea typeface="나눔스퀘어라운드 Bold" panose="020B0600000101010101" pitchFamily="50" charset="-127"/>
+              </a:rPr>
+              <a:t>파악한다</a:t>
+            </a:r>
+            <a:endParaRPr lang="en-US" altLang="ko-KR" sz="2000" dirty="0" smtClean="0">
               <a:latin typeface="나눔스퀘어라운드 Bold" panose="020B0600000101010101" pitchFamily="50" charset="-127"/>
               <a:ea typeface="나눔스퀘어라운드 Bold" panose="020B0600000101010101" pitchFamily="50" charset="-127"/>
             </a:endParaRPr>
@@ -9712,62 +8876,11 @@
                 <a:spcPct val="150000"/>
               </a:lnSpc>
             </a:pPr>
-            <a:r>
-              <a:rPr lang="en-US" altLang="ko-KR" sz="1700" dirty="0">
-                <a:latin typeface="나눔스퀘어라운드 Bold" panose="020B0600000101010101" pitchFamily="50" charset="-127"/>
-                <a:ea typeface="나눔스퀘어라운드 Bold" panose="020B0600000101010101" pitchFamily="50" charset="-127"/>
-              </a:rPr>
-              <a:t> </a:t>
-            </a:r>
-            <a:r>
-              <a:rPr lang="ko-KR" altLang="en-US" sz="1700" dirty="0" smtClean="0">
-                <a:latin typeface="나눔스퀘어라운드 Bold" panose="020B0600000101010101" pitchFamily="50" charset="-127"/>
-                <a:ea typeface="나눔스퀘어라운드 Bold" panose="020B0600000101010101" pitchFamily="50" charset="-127"/>
-              </a:rPr>
-              <a:t>어디에 </a:t>
-            </a:r>
-            <a:r>
-              <a:rPr lang="ko-KR" altLang="en-US" sz="1700" dirty="0">
-                <a:latin typeface="나눔스퀘어라운드 Bold" panose="020B0600000101010101" pitchFamily="50" charset="-127"/>
-                <a:ea typeface="나눔스퀘어라운드 Bold" panose="020B0600000101010101" pitchFamily="50" charset="-127"/>
-              </a:rPr>
-              <a:t>치우쳐 있는지 </a:t>
-            </a:r>
-            <a:r>
-              <a:rPr lang="ko-KR" altLang="en-US" sz="1700" dirty="0" smtClean="0">
-                <a:latin typeface="나눔스퀘어라운드 Bold" panose="020B0600000101010101" pitchFamily="50" charset="-127"/>
-                <a:ea typeface="나눔스퀘어라운드 Bold" panose="020B0600000101010101" pitchFamily="50" charset="-127"/>
-              </a:rPr>
-              <a:t>파악한다</a:t>
-            </a:r>
-            <a:endParaRPr lang="en-US" altLang="ko-KR" sz="1700" dirty="0">
+            <a:endParaRPr lang="en-US" altLang="ko-KR" sz="2000" dirty="0">
               <a:latin typeface="나눔스퀘어라운드 Bold" panose="020B0600000101010101" pitchFamily="50" charset="-127"/>
               <a:ea typeface="나눔스퀘어라운드 Bold" panose="020B0600000101010101" pitchFamily="50" charset="-127"/>
             </a:endParaRPr>
           </a:p>
-        </p:txBody>
-      </p:sp>
-      <p:sp>
-        <p:nvSpPr>
-          <p:cNvPr id="13" name="TextBox 12"/>
-          <p:cNvSpPr txBox="1"/>
-          <p:nvPr/>
-        </p:nvSpPr>
-        <p:spPr>
-          <a:xfrm>
-            <a:off x="4173361" y="2008935"/>
-            <a:ext cx="3756316" cy="877163"/>
-          </a:xfrm>
-          <a:prstGeom prst="rect">
-            <a:avLst/>
-          </a:prstGeom>
-          <a:noFill/>
-        </p:spPr>
-        <p:txBody>
-          <a:bodyPr wrap="square" rtlCol="0">
-            <a:spAutoFit/>
-          </a:bodyPr>
-          <a:lstStyle/>
           <a:p>
             <a:pPr marL="457200" lvl="2">
               <a:lnSpc>
@@ -9775,26 +8888,79 @@
               </a:lnSpc>
             </a:pPr>
             <a:r>
-              <a:rPr lang="en-US" altLang="ko-KR" sz="1700" dirty="0" smtClean="0">
-                <a:latin typeface="나눔스퀘어라운드 Bold" panose="020B0600000101010101" pitchFamily="50" charset="-127"/>
-                <a:ea typeface="나눔스퀘어라운드 Bold" panose="020B0600000101010101" pitchFamily="50" charset="-127"/>
-              </a:rPr>
-              <a:t>2. </a:t>
-            </a:r>
-            <a:r>
-              <a:rPr lang="ko-KR" altLang="en-US" sz="1700" dirty="0" smtClean="0">
-                <a:latin typeface="나눔스퀘어라운드 Bold" panose="020B0600000101010101" pitchFamily="50" charset="-127"/>
-                <a:ea typeface="나눔스퀘어라운드 Bold" panose="020B0600000101010101" pitchFamily="50" charset="-127"/>
-              </a:rPr>
-              <a:t>막대그래프 </a:t>
-            </a:r>
-            <a:r>
-              <a:rPr lang="en-US" altLang="ko-KR" sz="1700" dirty="0" smtClean="0">
-                <a:latin typeface="나눔스퀘어라운드 Bold" panose="020B0600000101010101" pitchFamily="50" charset="-127"/>
-                <a:ea typeface="나눔스퀘어라운드 Bold" panose="020B0600000101010101" pitchFamily="50" charset="-127"/>
-              </a:rPr>
-              <a:t>(Bar)</a:t>
-            </a:r>
+              <a:rPr lang="en-US" altLang="ko-KR" sz="2000" dirty="0">
+                <a:latin typeface="나눔스퀘어라운드 Bold" panose="020B0600000101010101" pitchFamily="50" charset="-127"/>
+                <a:ea typeface="나눔스퀘어라운드 Bold" panose="020B0600000101010101" pitchFamily="50" charset="-127"/>
+              </a:rPr>
+              <a:t>3. </a:t>
+            </a:r>
+            <a:r>
+              <a:rPr lang="ko-KR" altLang="en-US" sz="2000" dirty="0" err="1">
+                <a:latin typeface="나눔스퀘어라운드 Bold" panose="020B0600000101010101" pitchFamily="50" charset="-127"/>
+                <a:ea typeface="나눔스퀘어라운드 Bold" panose="020B0600000101010101" pitchFamily="50" charset="-127"/>
+              </a:rPr>
+              <a:t>박스플롯</a:t>
+            </a:r>
+            <a:r>
+              <a:rPr lang="ko-KR" altLang="en-US" sz="2000" dirty="0">
+                <a:latin typeface="나눔스퀘어라운드 Bold" panose="020B0600000101010101" pitchFamily="50" charset="-127"/>
+                <a:ea typeface="나눔스퀘어라운드 Bold" panose="020B0600000101010101" pitchFamily="50" charset="-127"/>
+              </a:rPr>
+              <a:t> </a:t>
+            </a:r>
+            <a:r>
+              <a:rPr lang="en-US" altLang="ko-KR" sz="2000" dirty="0">
+                <a:latin typeface="나눔스퀘어라운드 Bold" panose="020B0600000101010101" pitchFamily="50" charset="-127"/>
+                <a:ea typeface="나눔스퀘어라운드 Bold" panose="020B0600000101010101" pitchFamily="50" charset="-127"/>
+              </a:rPr>
+              <a:t>(Boxplots</a:t>
+            </a:r>
+            <a:r>
+              <a:rPr lang="en-US" altLang="ko-KR" sz="2000" dirty="0" smtClean="0">
+                <a:latin typeface="나눔스퀘어라운드 Bold" panose="020B0600000101010101" pitchFamily="50" charset="-127"/>
+                <a:ea typeface="나눔스퀘어라운드 Bold" panose="020B0600000101010101" pitchFamily="50" charset="-127"/>
+              </a:rPr>
+              <a:t>) : </a:t>
+            </a:r>
+            <a:r>
+              <a:rPr lang="ko-KR" altLang="en-US" sz="2000" dirty="0" smtClean="0">
+                <a:latin typeface="나눔스퀘어라운드 Bold" panose="020B0600000101010101" pitchFamily="50" charset="-127"/>
+                <a:ea typeface="나눔스퀘어라운드 Bold" panose="020B0600000101010101" pitchFamily="50" charset="-127"/>
+              </a:rPr>
+              <a:t>이상 치를 </a:t>
+            </a:r>
+            <a:r>
+              <a:rPr lang="ko-KR" altLang="en-US" sz="2000" dirty="0">
+                <a:latin typeface="나눔스퀘어라운드 Bold" panose="020B0600000101010101" pitchFamily="50" charset="-127"/>
+                <a:ea typeface="나눔스퀘어라운드 Bold" panose="020B0600000101010101" pitchFamily="50" charset="-127"/>
+              </a:rPr>
+              <a:t>판단하고 데이터가 </a:t>
+            </a:r>
+            <a:r>
+              <a:rPr lang="en-US" altLang="ko-KR" sz="2000" dirty="0" smtClean="0">
+                <a:latin typeface="나눔스퀘어라운드 Bold" panose="020B0600000101010101" pitchFamily="50" charset="-127"/>
+                <a:ea typeface="나눔스퀘어라운드 Bold" panose="020B0600000101010101" pitchFamily="50" charset="-127"/>
+              </a:rPr>
+              <a:t> </a:t>
+            </a:r>
+            <a:r>
+              <a:rPr lang="ko-KR" altLang="en-US" sz="2000" dirty="0" smtClean="0">
+                <a:latin typeface="나눔스퀘어라운드 Bold" panose="020B0600000101010101" pitchFamily="50" charset="-127"/>
+                <a:ea typeface="나눔스퀘어라운드 Bold" panose="020B0600000101010101" pitchFamily="50" charset="-127"/>
+              </a:rPr>
+              <a:t>어디에 </a:t>
+            </a:r>
+            <a:r>
+              <a:rPr lang="ko-KR" altLang="en-US" sz="2000" dirty="0">
+                <a:latin typeface="나눔스퀘어라운드 Bold" panose="020B0600000101010101" pitchFamily="50" charset="-127"/>
+                <a:ea typeface="나눔스퀘어라운드 Bold" panose="020B0600000101010101" pitchFamily="50" charset="-127"/>
+              </a:rPr>
+              <a:t>치우쳐 있는지 파악한다</a:t>
+            </a:r>
+            <a:endParaRPr lang="en-US" altLang="ko-KR" sz="2000" dirty="0">
+              <a:latin typeface="나눔스퀘어라운드 Bold" panose="020B0600000101010101" pitchFamily="50" charset="-127"/>
+              <a:ea typeface="나눔스퀘어라운드 Bold" panose="020B0600000101010101" pitchFamily="50" charset="-127"/>
+            </a:endParaRPr>
           </a:p>
           <a:p>
             <a:pPr marL="457200" lvl="2">
@@ -9802,116 +8968,151 @@
                 <a:spcPct val="150000"/>
               </a:lnSpc>
             </a:pPr>
-            <a:r>
-              <a:rPr lang="en-US" altLang="ko-KR" sz="1700" dirty="0" smtClean="0">
-                <a:latin typeface="나눔스퀘어라운드 Bold" panose="020B0600000101010101" pitchFamily="50" charset="-127"/>
-                <a:ea typeface="나눔스퀘어라운드 Bold" panose="020B0600000101010101" pitchFamily="50" charset="-127"/>
-              </a:rPr>
-              <a:t>: </a:t>
-            </a:r>
-            <a:r>
-              <a:rPr lang="ko-KR" altLang="en-US" sz="1700" dirty="0" smtClean="0">
-                <a:latin typeface="나눔스퀘어라운드 Bold" panose="020B0600000101010101" pitchFamily="50" charset="-127"/>
-                <a:ea typeface="나눔스퀘어라운드 Bold" panose="020B0600000101010101" pitchFamily="50" charset="-127"/>
-              </a:rPr>
-              <a:t>범주형 데이터의 분포를 파악한다</a:t>
-            </a:r>
-            <a:endParaRPr lang="en-US" altLang="ko-KR" sz="1700" dirty="0" smtClean="0">
+            <a:endParaRPr lang="en-US" altLang="ko-KR" sz="2000" dirty="0">
               <a:latin typeface="나눔스퀘어라운드 Bold" panose="020B0600000101010101" pitchFamily="50" charset="-127"/>
               <a:ea typeface="나눔스퀘어라운드 Bold" panose="020B0600000101010101" pitchFamily="50" charset="-127"/>
             </a:endParaRPr>
           </a:p>
-        </p:txBody>
-      </p:sp>
-      <p:pic>
-        <p:nvPicPr>
-          <p:cNvPr id="3" name="그림 2"/>
-          <p:cNvPicPr>
-            <a:picLocks noChangeAspect="1"/>
-          </p:cNvPicPr>
-          <p:nvPr/>
-        </p:nvPicPr>
-        <p:blipFill>
-          <a:blip r:embed="rId4" cstate="print">
-            <a:extLst>
-              <a:ext uri="{28A0092B-C50C-407E-A947-70E740481C1C}">
-                <a14:useLocalDpi xmlns:a14="http://schemas.microsoft.com/office/drawing/2010/main" val="0"/>
-              </a:ext>
-            </a:extLst>
-          </a:blip>
-          <a:stretch>
-            <a:fillRect/>
-          </a:stretch>
-        </p:blipFill>
-        <p:spPr>
-          <a:xfrm>
-            <a:off x="675359" y="3432313"/>
-            <a:ext cx="3498002" cy="2355441"/>
-          </a:xfrm>
-          <a:prstGeom prst="rect">
-            <a:avLst/>
-          </a:prstGeom>
-        </p:spPr>
-      </p:pic>
-      <p:pic>
-        <p:nvPicPr>
-          <p:cNvPr id="4" name="그림 3"/>
-          <p:cNvPicPr>
-            <a:picLocks noChangeAspect="1"/>
-          </p:cNvPicPr>
-          <p:nvPr/>
-        </p:nvPicPr>
-        <p:blipFill>
-          <a:blip r:embed="rId5">
-            <a:extLst>
-              <a:ext uri="{28A0092B-C50C-407E-A947-70E740481C1C}">
-                <a14:useLocalDpi xmlns:a14="http://schemas.microsoft.com/office/drawing/2010/main" val="0"/>
-              </a:ext>
-            </a:extLst>
-          </a:blip>
-          <a:stretch>
-            <a:fillRect/>
-          </a:stretch>
-        </p:blipFill>
-        <p:spPr>
-          <a:xfrm>
-            <a:off x="4523350" y="3242286"/>
-            <a:ext cx="3048000" cy="3048000"/>
-          </a:xfrm>
-          <a:prstGeom prst="rect">
-            <a:avLst/>
-          </a:prstGeom>
-        </p:spPr>
-      </p:pic>
-      <p:pic>
-        <p:nvPicPr>
-          <p:cNvPr id="5" name="그림 4"/>
-          <p:cNvPicPr>
-            <a:picLocks noChangeAspect="1"/>
-          </p:cNvPicPr>
-          <p:nvPr/>
-        </p:nvPicPr>
-        <p:blipFill rotWithShape="1">
-          <a:blip r:embed="rId6">
-            <a:extLst>
-              <a:ext uri="{28A0092B-C50C-407E-A947-70E740481C1C}">
-                <a14:useLocalDpi xmlns:a14="http://schemas.microsoft.com/office/drawing/2010/main" val="0"/>
-              </a:ext>
-            </a:extLst>
-          </a:blip>
-          <a:srcRect r="18748"/>
-          <a:stretch/>
-        </p:blipFill>
-        <p:spPr>
-          <a:xfrm>
-            <a:off x="8191746" y="3432313"/>
-            <a:ext cx="3412036" cy="3149521"/>
-          </a:xfrm>
-          <a:prstGeom prst="rect">
-            <a:avLst/>
-          </a:prstGeom>
-        </p:spPr>
-      </p:pic>
+          <a:p>
+            <a:pPr marL="457200" lvl="2">
+              <a:lnSpc>
+                <a:spcPct val="150000"/>
+              </a:lnSpc>
+            </a:pPr>
+            <a:r>
+              <a:rPr lang="en-US" altLang="ko-KR" sz="2000" dirty="0">
+                <a:latin typeface="나눔스퀘어라운드 Bold" panose="020B0600000101010101" pitchFamily="50" charset="-127"/>
+                <a:ea typeface="나눔스퀘어라운드 Bold" panose="020B0600000101010101" pitchFamily="50" charset="-127"/>
+              </a:rPr>
+              <a:t>4. </a:t>
+            </a:r>
+            <a:r>
+              <a:rPr lang="en-US" altLang="ko-KR" sz="2000" dirty="0" err="1" smtClean="0">
+                <a:latin typeface="나눔스퀘어라운드 Bold" panose="020B0600000101010101" pitchFamily="50" charset="-127"/>
+                <a:ea typeface="나눔스퀘어라운드 Bold" panose="020B0600000101010101" pitchFamily="50" charset="-127"/>
+              </a:rPr>
+              <a:t>QQplot</a:t>
+            </a:r>
+            <a:r>
+              <a:rPr lang="en-US" altLang="ko-KR" sz="2000" dirty="0" smtClean="0">
+                <a:latin typeface="나눔스퀘어라운드 Bold" panose="020B0600000101010101" pitchFamily="50" charset="-127"/>
+                <a:ea typeface="나눔스퀘어라운드 Bold" panose="020B0600000101010101" pitchFamily="50" charset="-127"/>
+              </a:rPr>
+              <a:t> :</a:t>
+            </a:r>
+            <a:r>
+              <a:rPr lang="ko-KR" altLang="en-US" sz="2000" dirty="0">
+                <a:latin typeface="나눔스퀘어라운드 Bold" panose="020B0600000101010101" pitchFamily="50" charset="-127"/>
+                <a:ea typeface="나눔스퀘어라운드 Bold" panose="020B0600000101010101" pitchFamily="50" charset="-127"/>
+              </a:rPr>
+              <a:t>샘플이 가정한 분포와 그래프가</a:t>
+            </a:r>
+            <a:r>
+              <a:rPr lang="en-US" altLang="ko-KR" sz="2000" dirty="0">
+                <a:latin typeface="나눔스퀘어라운드 Bold" panose="020B0600000101010101" pitchFamily="50" charset="-127"/>
+                <a:ea typeface="나눔스퀘어라운드 Bold" panose="020B0600000101010101" pitchFamily="50" charset="-127"/>
+              </a:rPr>
+              <a:t> </a:t>
+            </a:r>
+            <a:r>
+              <a:rPr lang="ko-KR" altLang="en-US" sz="2000" dirty="0">
+                <a:latin typeface="나눔스퀘어라운드 Bold" panose="020B0600000101010101" pitchFamily="50" charset="-127"/>
+                <a:ea typeface="나눔스퀘어라운드 Bold" panose="020B0600000101010101" pitchFamily="50" charset="-127"/>
+              </a:rPr>
+              <a:t>얼마나 일치하는지 파악한다</a:t>
+            </a:r>
+            <a:endParaRPr lang="en-US" altLang="ko-KR" sz="2000" dirty="0">
+              <a:latin typeface="나눔스퀘어라운드 Bold" panose="020B0600000101010101" pitchFamily="50" charset="-127"/>
+              <a:ea typeface="나눔스퀘어라운드 Bold" panose="020B0600000101010101" pitchFamily="50" charset="-127"/>
+            </a:endParaRPr>
+          </a:p>
+          <a:p>
+            <a:pPr marL="457200" lvl="2">
+              <a:lnSpc>
+                <a:spcPct val="150000"/>
+              </a:lnSpc>
+            </a:pPr>
+            <a:endParaRPr lang="en-US" altLang="ko-KR" sz="2000" dirty="0">
+              <a:latin typeface="나눔스퀘어라운드 Bold" panose="020B0600000101010101" pitchFamily="50" charset="-127"/>
+              <a:ea typeface="나눔스퀘어라운드 Bold" panose="020B0600000101010101" pitchFamily="50" charset="-127"/>
+            </a:endParaRPr>
+          </a:p>
+          <a:p>
+            <a:pPr marL="457200" lvl="2">
+              <a:lnSpc>
+                <a:spcPct val="150000"/>
+              </a:lnSpc>
+            </a:pPr>
+            <a:r>
+              <a:rPr lang="en-US" altLang="ko-KR" sz="2000" dirty="0">
+                <a:latin typeface="나눔스퀘어라운드 Bold" panose="020B0600000101010101" pitchFamily="50" charset="-127"/>
+                <a:ea typeface="나눔스퀘어라운드 Bold" panose="020B0600000101010101" pitchFamily="50" charset="-127"/>
+              </a:rPr>
+              <a:t>5. </a:t>
+            </a:r>
+            <a:r>
+              <a:rPr lang="ko-KR" altLang="en-US" sz="2000" dirty="0" err="1">
+                <a:latin typeface="나눔스퀘어라운드 Bold" panose="020B0600000101010101" pitchFamily="50" charset="-127"/>
+                <a:ea typeface="나눔스퀘어라운드 Bold" panose="020B0600000101010101" pitchFamily="50" charset="-127"/>
+              </a:rPr>
+              <a:t>산점도</a:t>
+            </a:r>
+            <a:r>
+              <a:rPr lang="ko-KR" altLang="en-US" sz="2000" dirty="0">
+                <a:latin typeface="나눔스퀘어라운드 Bold" panose="020B0600000101010101" pitchFamily="50" charset="-127"/>
+                <a:ea typeface="나눔스퀘어라운드 Bold" panose="020B0600000101010101" pitchFamily="50" charset="-127"/>
+              </a:rPr>
+              <a:t> </a:t>
+            </a:r>
+            <a:r>
+              <a:rPr lang="en-US" altLang="ko-KR" sz="2000" dirty="0">
+                <a:latin typeface="나눔스퀘어라운드 Bold" panose="020B0600000101010101" pitchFamily="50" charset="-127"/>
+                <a:ea typeface="나눔스퀘어라운드 Bold" panose="020B0600000101010101" pitchFamily="50" charset="-127"/>
+              </a:rPr>
+              <a:t>(Scatterplots</a:t>
+            </a:r>
+            <a:r>
+              <a:rPr lang="en-US" altLang="ko-KR" sz="2000" dirty="0" smtClean="0">
+                <a:latin typeface="나눔스퀘어라운드 Bold" panose="020B0600000101010101" pitchFamily="50" charset="-127"/>
+                <a:ea typeface="나눔스퀘어라운드 Bold" panose="020B0600000101010101" pitchFamily="50" charset="-127"/>
+              </a:rPr>
+              <a:t>) : </a:t>
+            </a:r>
+            <a:r>
+              <a:rPr lang="ko-KR" altLang="en-US" sz="2000" dirty="0">
+                <a:latin typeface="나눔스퀘어라운드 Bold" panose="020B0600000101010101" pitchFamily="50" charset="-127"/>
+                <a:ea typeface="나눔스퀘어라운드 Bold" panose="020B0600000101010101" pitchFamily="50" charset="-127"/>
+              </a:rPr>
+              <a:t>변수들의 관계</a:t>
+            </a:r>
+            <a:r>
+              <a:rPr lang="en-US" altLang="ko-KR" sz="2000" dirty="0">
+                <a:latin typeface="나눔스퀘어라운드 Bold" panose="020B0600000101010101" pitchFamily="50" charset="-127"/>
+                <a:ea typeface="나눔스퀘어라운드 Bold" panose="020B0600000101010101" pitchFamily="50" charset="-127"/>
+              </a:rPr>
+              <a:t>, </a:t>
+            </a:r>
+            <a:r>
+              <a:rPr lang="ko-KR" altLang="en-US" sz="2000" dirty="0">
+                <a:latin typeface="나눔스퀘어라운드 Bold" panose="020B0600000101010101" pitchFamily="50" charset="-127"/>
+                <a:ea typeface="나눔스퀘어라운드 Bold" panose="020B0600000101010101" pitchFamily="50" charset="-127"/>
+              </a:rPr>
+              <a:t>밀집 위치를 </a:t>
+            </a:r>
+            <a:r>
+              <a:rPr lang="ko-KR" altLang="en-US" sz="2000" dirty="0" smtClean="0">
+                <a:latin typeface="나눔스퀘어라운드 Bold" panose="020B0600000101010101" pitchFamily="50" charset="-127"/>
+                <a:ea typeface="나눔스퀘어라운드 Bold" panose="020B0600000101010101" pitchFamily="50" charset="-127"/>
+              </a:rPr>
+              <a:t>나타낸다</a:t>
+            </a:r>
+            <a:endParaRPr lang="ko-KR" altLang="en-US" sz="2000" dirty="0">
+              <a:latin typeface="나눔스퀘어라운드 Bold" panose="020B0600000101010101" pitchFamily="50" charset="-127"/>
+              <a:ea typeface="나눔스퀘어라운드 Bold" panose="020B0600000101010101" pitchFamily="50" charset="-127"/>
+            </a:endParaRPr>
+          </a:p>
+        </p:txBody>
+      </p:sp>
     </p:spTree>
     <p:extLst>
       <p:ext uri="{BB962C8B-B14F-4D97-AF65-F5344CB8AC3E}">
@@ -9940,7 +9141,7 @@
   <p:cSld>
     <p:spTree>
       <p:nvGrpSpPr>
-        <p:cNvPr id="1" name="Shape 133"/>
+        <p:cNvPr id="1" name="Shape 124"/>
         <p:cNvGrpSpPr/>
         <p:nvPr/>
       </p:nvGrpSpPr>
@@ -9954,20 +9155,20 @@
       </p:grpSpPr>
       <p:cxnSp>
         <p:nvCxnSpPr>
-          <p:cNvPr id="134" name="Google Shape;134;p16"/>
+          <p:cNvPr id="125" name="Google Shape;125;p15"/>
           <p:cNvCxnSpPr/>
           <p:nvPr/>
         </p:nvCxnSpPr>
         <p:spPr>
           <a:xfrm>
-            <a:off x="431371" y="344696"/>
-            <a:ext cx="9660647" cy="0"/>
+            <a:off x="5129063" y="3064838"/>
+            <a:ext cx="2655694" cy="0"/>
           </a:xfrm>
           <a:prstGeom prst="straightConnector1">
             <a:avLst/>
           </a:prstGeom>
           <a:noFill/>
-          <a:ln w="12700" cap="flat" cmpd="sng">
+          <a:ln w="57150" cap="flat" cmpd="sng">
             <a:solidFill>
               <a:srgbClr val="BFBFBF"/>
             </a:solidFill>
@@ -9980,14 +9181,63 @@
       </p:cxnSp>
       <p:sp>
         <p:nvSpPr>
-          <p:cNvPr id="135" name="Google Shape;135;p16"/>
+          <p:cNvPr id="126" name="Google Shape;126;p15"/>
+          <p:cNvSpPr txBox="1"/>
+          <p:nvPr/>
+        </p:nvSpPr>
+        <p:spPr>
+          <a:xfrm>
+            <a:off x="5466825" y="3316293"/>
+            <a:ext cx="2317932" cy="574236"/>
+          </a:xfrm>
+          <a:prstGeom prst="rect">
+            <a:avLst/>
+          </a:prstGeom>
+          <a:noFill/>
+          <a:ln>
+            <a:noFill/>
+          </a:ln>
+        </p:spPr>
+        <p:txBody>
+          <a:bodyPr spcFirstLastPara="1" wrap="square" lIns="121900" tIns="60933" rIns="121900" bIns="60933" anchor="t" anchorCtr="0">
+            <a:noAutofit/>
+          </a:bodyPr>
+          <a:lstStyle/>
+          <a:p>
+            <a:r>
+              <a:rPr lang="ko-KR" altLang="en-US" sz="2800" smtClean="0">
+                <a:solidFill>
+                  <a:schemeClr val="dk1"/>
+                </a:solidFill>
+                <a:latin typeface="Tmon몬소리OTF Black" panose="02000A03000000000000" pitchFamily="50" charset="-127"/>
+                <a:ea typeface="Tmon몬소리OTF Black" panose="02000A03000000000000" pitchFamily="50" charset="-127"/>
+                <a:cs typeface="Arial"/>
+                <a:sym typeface="Arial"/>
+              </a:rPr>
+              <a:t>이미지 시각화</a:t>
+            </a:r>
+            <a:endParaRPr sz="2800" dirty="0">
+              <a:solidFill>
+                <a:schemeClr val="dk1"/>
+              </a:solidFill>
+              <a:latin typeface="Tmon몬소리OTF Black" panose="02000A03000000000000" pitchFamily="50" charset="-127"/>
+              <a:ea typeface="Tmon몬소리OTF Black" panose="02000A03000000000000" pitchFamily="50" charset="-127"/>
+              <a:cs typeface="Arial"/>
+              <a:sym typeface="Arial"/>
+            </a:endParaRPr>
+          </a:p>
+        </p:txBody>
+      </p:sp>
+      <p:sp>
+        <p:nvSpPr>
+          <p:cNvPr id="127" name="Google Shape;127;p15"/>
           <p:cNvSpPr/>
           <p:nvPr/>
         </p:nvSpPr>
         <p:spPr>
           <a:xfrm>
-            <a:off x="-14515" y="149948"/>
-            <a:ext cx="1088572" cy="384043"/>
+            <a:off x="4456988" y="2779518"/>
+            <a:ext cx="808255" cy="718963"/>
           </a:xfrm>
           <a:prstGeom prst="rect">
             <a:avLst/>
@@ -10020,129 +9270,14 @@
       </p:sp>
       <p:sp>
         <p:nvSpPr>
-          <p:cNvPr id="136" name="Google Shape;136;p16"/>
-          <p:cNvSpPr/>
-          <p:nvPr/>
-        </p:nvSpPr>
-        <p:spPr>
-          <a:xfrm>
-            <a:off x="10086439" y="187755"/>
-            <a:ext cx="60959" cy="360904"/>
-          </a:xfrm>
-          <a:prstGeom prst="rect">
-            <a:avLst/>
-          </a:prstGeom>
-          <a:solidFill>
-            <a:srgbClr val="7F7F7F"/>
-          </a:solidFill>
-          <a:ln>
-            <a:noFill/>
-          </a:ln>
-          <a:effectLst>
-            <a:outerShdw blurRad="50800" dist="38100" dir="2700000" algn="tl" rotWithShape="0">
-              <a:srgbClr val="000000">
-                <a:alpha val="40000"/>
-              </a:srgbClr>
-            </a:outerShdw>
-          </a:effectLst>
-        </p:spPr>
-        <p:txBody>
-          <a:bodyPr spcFirstLastPara="1" wrap="square" lIns="121900" tIns="60933" rIns="121900" bIns="60933" anchor="ctr" anchorCtr="0">
-            <a:noAutofit/>
-          </a:bodyPr>
-          <a:lstStyle/>
-          <a:p>
-            <a:pPr algn="ctr"/>
-            <a:endParaRPr sz="2400">
-              <a:solidFill>
-                <a:schemeClr val="lt1"/>
-              </a:solidFill>
-              <a:latin typeface="Arial"/>
-              <a:ea typeface="Arial"/>
-              <a:cs typeface="Arial"/>
-              <a:sym typeface="Arial"/>
-            </a:endParaRPr>
-          </a:p>
-        </p:txBody>
-      </p:sp>
-      <p:cxnSp>
-        <p:nvCxnSpPr>
-          <p:cNvPr id="137" name="Google Shape;137;p16"/>
-          <p:cNvCxnSpPr/>
-          <p:nvPr/>
-        </p:nvCxnSpPr>
-        <p:spPr>
-          <a:xfrm>
-            <a:off x="1126708" y="345453"/>
-            <a:ext cx="1233624" cy="0"/>
-          </a:xfrm>
-          <a:prstGeom prst="straightConnector1">
-            <a:avLst/>
-          </a:prstGeom>
-          <a:noFill/>
-          <a:ln w="12700" cap="flat" cmpd="sng">
-            <a:solidFill>
-              <a:srgbClr val="E00868"/>
-            </a:solidFill>
-            <a:prstDash val="solid"/>
-            <a:round/>
-            <a:headEnd type="none" w="sm" len="sm"/>
-            <a:tailEnd type="none" w="sm" len="sm"/>
-          </a:ln>
-        </p:spPr>
-      </p:cxnSp>
-      <p:sp>
-        <p:nvSpPr>
-          <p:cNvPr id="138" name="Google Shape;138;p16"/>
-          <p:cNvSpPr/>
-          <p:nvPr/>
-        </p:nvSpPr>
-        <p:spPr>
-          <a:xfrm rot="5400000">
-            <a:off x="928275" y="295722"/>
-            <a:ext cx="386628" cy="95087"/>
-          </a:xfrm>
-          <a:prstGeom prst="triangle">
-            <a:avLst>
-              <a:gd name="adj" fmla="val 50000"/>
-            </a:avLst>
-          </a:prstGeom>
-          <a:solidFill>
-            <a:srgbClr val="E00868"/>
-          </a:solidFill>
-          <a:ln>
-            <a:noFill/>
-          </a:ln>
-        </p:spPr>
-        <p:txBody>
-          <a:bodyPr spcFirstLastPara="1" wrap="square" lIns="121900" tIns="60933" rIns="121900" bIns="60933" anchor="ctr" anchorCtr="0">
-            <a:noAutofit/>
-          </a:bodyPr>
-          <a:lstStyle/>
-          <a:p>
-            <a:pPr algn="ctr"/>
-            <a:endParaRPr sz="2400">
-              <a:solidFill>
-                <a:schemeClr val="lt1"/>
-              </a:solidFill>
-              <a:latin typeface="Tmon몬소리OTF Black" panose="02000A03000000000000" pitchFamily="50" charset="-127"/>
-              <a:ea typeface="Tmon몬소리OTF Black" panose="02000A03000000000000" pitchFamily="50" charset="-127"/>
-              <a:cs typeface="Arial"/>
-              <a:sym typeface="Arial"/>
-            </a:endParaRPr>
-          </a:p>
-        </p:txBody>
-      </p:sp>
-      <p:sp>
-        <p:nvSpPr>
-          <p:cNvPr id="139" name="Google Shape;139;p16"/>
+          <p:cNvPr id="128" name="Google Shape;128;p15"/>
           <p:cNvSpPr txBox="1"/>
           <p:nvPr/>
         </p:nvSpPr>
         <p:spPr>
           <a:xfrm>
-            <a:off x="1047715" y="380980"/>
-            <a:ext cx="2384598" cy="529495"/>
+            <a:off x="4496935" y="2813384"/>
+            <a:ext cx="760060" cy="656213"/>
           </a:xfrm>
           <a:prstGeom prst="rect">
             <a:avLst/>
@@ -10158,67 +9293,11 @@
           </a:bodyPr>
           <a:lstStyle/>
           <a:p>
-            <a:r>
-              <a:rPr lang="ko-KR" altLang="en-US" sz="2800" b="1" dirty="0" smtClean="0">
-                <a:solidFill>
-                  <a:schemeClr val="dk1"/>
-                </a:solidFill>
-                <a:latin typeface="Tmon몬소리OTF Black" panose="02000A03000000000000" pitchFamily="50" charset="-127"/>
-                <a:ea typeface="Tmon몬소리OTF Black" panose="02000A03000000000000" pitchFamily="50" charset="-127"/>
-                <a:cs typeface="Arial"/>
-                <a:sym typeface="Arial"/>
-              </a:rPr>
-              <a:t>그래프 시각화</a:t>
-            </a:r>
-            <a:r>
-              <a:rPr lang="en-US" sz="2800" b="1" dirty="0" smtClean="0">
-                <a:solidFill>
-                  <a:schemeClr val="dk1"/>
-                </a:solidFill>
-                <a:latin typeface="Tmon몬소리OTF Black" panose="02000A03000000000000" pitchFamily="50" charset="-127"/>
-                <a:ea typeface="Tmon몬소리OTF Black" panose="02000A03000000000000" pitchFamily="50" charset="-127"/>
-                <a:cs typeface="Arial"/>
-                <a:sym typeface="Arial"/>
-              </a:rPr>
-              <a:t>  </a:t>
-            </a:r>
-            <a:endParaRPr sz="2800" b="1" dirty="0">
-              <a:solidFill>
-                <a:schemeClr val="dk1"/>
-              </a:solidFill>
-              <a:latin typeface="Tmon몬소리OTF Black" panose="02000A03000000000000" pitchFamily="50" charset="-127"/>
-              <a:ea typeface="Tmon몬소리OTF Black" panose="02000A03000000000000" pitchFamily="50" charset="-127"/>
-              <a:cs typeface="Arial"/>
-              <a:sym typeface="Arial"/>
-            </a:endParaRPr>
-          </a:p>
-        </p:txBody>
-      </p:sp>
-      <p:sp>
-        <p:nvSpPr>
-          <p:cNvPr id="143" name="Google Shape;143;p16"/>
-          <p:cNvSpPr/>
-          <p:nvPr/>
-        </p:nvSpPr>
-        <p:spPr>
-          <a:xfrm>
-            <a:off x="203690" y="95227"/>
-            <a:ext cx="791373" cy="492443"/>
-          </a:xfrm>
-          <a:prstGeom prst="rect">
-            <a:avLst/>
-          </a:prstGeom>
-          <a:noFill/>
-          <a:ln>
-            <a:noFill/>
-          </a:ln>
-        </p:spPr>
-        <p:txBody>
-          <a:bodyPr spcFirstLastPara="1" wrap="square" lIns="121900" tIns="60933" rIns="121900" bIns="60933" anchor="t" anchorCtr="0">
-            <a:noAutofit/>
-          </a:bodyPr>
-          <a:lstStyle/>
-          <a:p>
+            <a:pPr algn="ctr">
+              <a:lnSpc>
+                <a:spcPct val="150000"/>
+              </a:lnSpc>
+            </a:pPr>
             <a:r>
               <a:rPr lang="en-US" sz="2400" b="1" dirty="0" smtClean="0">
                 <a:solidFill>
@@ -10229,7 +9308,7 @@
                 <a:cs typeface="Arial"/>
                 <a:sym typeface="Arial"/>
               </a:rPr>
-              <a:t>02</a:t>
+              <a:t>03</a:t>
             </a:r>
             <a:endParaRPr sz="2400" b="1" dirty="0">
               <a:solidFill>
@@ -10243,49 +9322,9 @@
           </a:p>
         </p:txBody>
       </p:sp>
-      <p:sp>
-        <p:nvSpPr>
-          <p:cNvPr id="2" name="TextBox 1"/>
-          <p:cNvSpPr txBox="1"/>
-          <p:nvPr/>
-        </p:nvSpPr>
-        <p:spPr>
-          <a:xfrm>
-            <a:off x="711484" y="1147161"/>
-            <a:ext cx="10178822" cy="430887"/>
-          </a:xfrm>
-          <a:prstGeom prst="rect">
-            <a:avLst/>
-          </a:prstGeom>
-          <a:noFill/>
-        </p:spPr>
-        <p:txBody>
-          <a:bodyPr wrap="square" rtlCol="0">
-            <a:spAutoFit/>
-          </a:bodyPr>
-          <a:lstStyle/>
-          <a:p>
-            <a:pPr marL="342900" lvl="1" indent="-342900">
-              <a:buFont typeface="Wingdings" panose="05000000000000000000" pitchFamily="2" charset="2"/>
-              <a:buChar char="ü"/>
-            </a:pPr>
-            <a:r>
-              <a:rPr lang="ko-KR" altLang="en-US" sz="2200" dirty="0" smtClean="0">
-                <a:latin typeface="나눔스퀘어라운드 Bold" panose="020B0600000101010101" pitchFamily="50" charset="-127"/>
-                <a:ea typeface="나눔스퀘어라운드 Bold" panose="020B0600000101010101" pitchFamily="50" charset="-127"/>
-              </a:rPr>
-              <a:t>그래프 시각화 종류</a:t>
-            </a:r>
-            <a:endParaRPr lang="en-US" altLang="ko-KR" sz="2200" dirty="0">
-              <a:latin typeface="나눔스퀘어라운드 Bold" panose="020B0600000101010101" pitchFamily="50" charset="-127"/>
-              <a:ea typeface="나눔스퀘어라운드 Bold" panose="020B0600000101010101" pitchFamily="50" charset="-127"/>
-            </a:endParaRPr>
-          </a:p>
-        </p:txBody>
-      </p:sp>
       <p:pic>
         <p:nvPicPr>
-          <p:cNvPr id="17" name="그림 16"/>
+          <p:cNvPr id="6" name="그림 5"/>
           <p:cNvPicPr>
             <a:picLocks noChangeAspect="1"/>
           </p:cNvPicPr>
@@ -10313,269 +9352,10 @@
           </a:prstGeom>
         </p:spPr>
       </p:pic>
-      <p:sp>
-        <p:nvSpPr>
-          <p:cNvPr id="12" name="TextBox 11"/>
-          <p:cNvSpPr txBox="1"/>
-          <p:nvPr/>
-        </p:nvSpPr>
-        <p:spPr>
-          <a:xfrm>
-            <a:off x="6438517" y="1905216"/>
-            <a:ext cx="4323267" cy="746358"/>
-          </a:xfrm>
-          <a:prstGeom prst="rect">
-            <a:avLst/>
-          </a:prstGeom>
-          <a:noFill/>
-        </p:spPr>
-        <p:txBody>
-          <a:bodyPr wrap="square" rtlCol="0">
-            <a:spAutoFit/>
-          </a:bodyPr>
-          <a:lstStyle/>
-          <a:p>
-            <a:pPr marL="457200" lvl="2"/>
-            <a:r>
-              <a:rPr lang="en-US" altLang="ko-KR" sz="1700" dirty="0">
-                <a:latin typeface="나눔스퀘어라운드 Bold" panose="020B0600000101010101" pitchFamily="50" charset="-127"/>
-                <a:ea typeface="나눔스퀘어라운드 Bold" panose="020B0600000101010101" pitchFamily="50" charset="-127"/>
-              </a:rPr>
-              <a:t>5. </a:t>
-            </a:r>
-            <a:r>
-              <a:rPr lang="ko-KR" altLang="en-US" sz="1700" dirty="0" err="1">
-                <a:latin typeface="나눔스퀘어라운드 Bold" panose="020B0600000101010101" pitchFamily="50" charset="-127"/>
-                <a:ea typeface="나눔스퀘어라운드 Bold" panose="020B0600000101010101" pitchFamily="50" charset="-127"/>
-              </a:rPr>
-              <a:t>산점도</a:t>
-            </a:r>
-            <a:r>
-              <a:rPr lang="ko-KR" altLang="en-US" sz="1700" dirty="0">
-                <a:latin typeface="나눔스퀘어라운드 Bold" panose="020B0600000101010101" pitchFamily="50" charset="-127"/>
-                <a:ea typeface="나눔스퀘어라운드 Bold" panose="020B0600000101010101" pitchFamily="50" charset="-127"/>
-              </a:rPr>
-              <a:t> </a:t>
-            </a:r>
-            <a:r>
-              <a:rPr lang="en-US" altLang="ko-KR" sz="1700" dirty="0">
-                <a:latin typeface="나눔스퀘어라운드 Bold" panose="020B0600000101010101" pitchFamily="50" charset="-127"/>
-                <a:ea typeface="나눔스퀘어라운드 Bold" panose="020B0600000101010101" pitchFamily="50" charset="-127"/>
-              </a:rPr>
-              <a:t>(Scatterplots</a:t>
-            </a:r>
-            <a:r>
-              <a:rPr lang="en-US" altLang="ko-KR" sz="1700" dirty="0" smtClean="0">
-                <a:latin typeface="나눔스퀘어라운드 Bold" panose="020B0600000101010101" pitchFamily="50" charset="-127"/>
-                <a:ea typeface="나눔스퀘어라운드 Bold" panose="020B0600000101010101" pitchFamily="50" charset="-127"/>
-              </a:rPr>
-              <a:t>)</a:t>
-            </a:r>
-          </a:p>
-          <a:p>
-            <a:pPr marL="457200" lvl="2">
-              <a:lnSpc>
-                <a:spcPct val="150000"/>
-              </a:lnSpc>
-            </a:pPr>
-            <a:r>
-              <a:rPr lang="en-US" altLang="ko-KR" sz="1700" dirty="0" smtClean="0">
-                <a:latin typeface="나눔스퀘어라운드 Bold" panose="020B0600000101010101" pitchFamily="50" charset="-127"/>
-                <a:ea typeface="나눔스퀘어라운드 Bold" panose="020B0600000101010101" pitchFamily="50" charset="-127"/>
-              </a:rPr>
-              <a:t>: </a:t>
-            </a:r>
-            <a:r>
-              <a:rPr lang="ko-KR" altLang="en-US" sz="1700" dirty="0" smtClean="0">
-                <a:latin typeface="나눔스퀘어라운드 Bold" panose="020B0600000101010101" pitchFamily="50" charset="-127"/>
-                <a:ea typeface="나눔스퀘어라운드 Bold" panose="020B0600000101010101" pitchFamily="50" charset="-127"/>
-              </a:rPr>
-              <a:t>변수들의 관계</a:t>
-            </a:r>
-            <a:r>
-              <a:rPr lang="en-US" altLang="ko-KR" sz="1700" dirty="0" smtClean="0">
-                <a:latin typeface="나눔스퀘어라운드 Bold" panose="020B0600000101010101" pitchFamily="50" charset="-127"/>
-                <a:ea typeface="나눔스퀘어라운드 Bold" panose="020B0600000101010101" pitchFamily="50" charset="-127"/>
-              </a:rPr>
-              <a:t>, </a:t>
-            </a:r>
-            <a:r>
-              <a:rPr lang="ko-KR" altLang="en-US" sz="1700" dirty="0" smtClean="0">
-                <a:latin typeface="나눔스퀘어라운드 Bold" panose="020B0600000101010101" pitchFamily="50" charset="-127"/>
-                <a:ea typeface="나눔스퀘어라운드 Bold" panose="020B0600000101010101" pitchFamily="50" charset="-127"/>
-              </a:rPr>
-              <a:t>밀집 위치를 나타낸다</a:t>
-            </a:r>
-            <a:endParaRPr lang="ko-KR" altLang="en-US" sz="1700" dirty="0">
-              <a:latin typeface="나눔스퀘어라운드 Bold" panose="020B0600000101010101" pitchFamily="50" charset="-127"/>
-              <a:ea typeface="나눔스퀘어라운드 Bold" panose="020B0600000101010101" pitchFamily="50" charset="-127"/>
-            </a:endParaRPr>
-          </a:p>
-        </p:txBody>
-      </p:sp>
-      <p:sp>
-        <p:nvSpPr>
-          <p:cNvPr id="13" name="TextBox 12"/>
-          <p:cNvSpPr txBox="1"/>
-          <p:nvPr/>
-        </p:nvSpPr>
-        <p:spPr>
-          <a:xfrm>
-            <a:off x="973542" y="1905216"/>
-            <a:ext cx="4288152" cy="1138773"/>
-          </a:xfrm>
-          <a:prstGeom prst="rect">
-            <a:avLst/>
-          </a:prstGeom>
-          <a:noFill/>
-        </p:spPr>
-        <p:txBody>
-          <a:bodyPr wrap="square" rtlCol="0">
-            <a:spAutoFit/>
-          </a:bodyPr>
-          <a:lstStyle/>
-          <a:p>
-            <a:pPr marL="457200" lvl="2"/>
-            <a:r>
-              <a:rPr lang="en-US" altLang="ko-KR" sz="1700" dirty="0">
-                <a:latin typeface="나눔스퀘어라운드 Bold" panose="020B0600000101010101" pitchFamily="50" charset="-127"/>
-                <a:ea typeface="나눔스퀘어라운드 Bold" panose="020B0600000101010101" pitchFamily="50" charset="-127"/>
-              </a:rPr>
-              <a:t>4. </a:t>
-            </a:r>
-            <a:r>
-              <a:rPr lang="en-US" altLang="ko-KR" sz="1700" dirty="0" err="1" smtClean="0">
-                <a:latin typeface="나눔스퀘어라운드 Bold" panose="020B0600000101010101" pitchFamily="50" charset="-127"/>
-                <a:ea typeface="나눔스퀘어라운드 Bold" panose="020B0600000101010101" pitchFamily="50" charset="-127"/>
-              </a:rPr>
-              <a:t>QQplot</a:t>
-            </a:r>
-            <a:endParaRPr lang="en-US" altLang="ko-KR" sz="1700" dirty="0" smtClean="0">
-              <a:latin typeface="나눔스퀘어라운드 Bold" panose="020B0600000101010101" pitchFamily="50" charset="-127"/>
-              <a:ea typeface="나눔스퀘어라운드 Bold" panose="020B0600000101010101" pitchFamily="50" charset="-127"/>
-            </a:endParaRPr>
-          </a:p>
-          <a:p>
-            <a:pPr marL="457200" lvl="2">
-              <a:lnSpc>
-                <a:spcPct val="150000"/>
-              </a:lnSpc>
-            </a:pPr>
-            <a:r>
-              <a:rPr lang="en-US" altLang="ko-KR" sz="1700" dirty="0" smtClean="0">
-                <a:latin typeface="나눔스퀘어라운드 Bold" panose="020B0600000101010101" pitchFamily="50" charset="-127"/>
-                <a:ea typeface="나눔스퀘어라운드 Bold" panose="020B0600000101010101" pitchFamily="50" charset="-127"/>
-              </a:rPr>
-              <a:t>:</a:t>
-            </a:r>
-            <a:r>
-              <a:rPr lang="ko-KR" altLang="en-US" sz="1700" dirty="0" smtClean="0">
-                <a:latin typeface="나눔스퀘어라운드 Bold" panose="020B0600000101010101" pitchFamily="50" charset="-127"/>
-                <a:ea typeface="나눔스퀘어라운드 Bold" panose="020B0600000101010101" pitchFamily="50" charset="-127"/>
-              </a:rPr>
-              <a:t>샘플이 </a:t>
-            </a:r>
-            <a:r>
-              <a:rPr lang="ko-KR" altLang="en-US" sz="1700" dirty="0">
-                <a:latin typeface="나눔스퀘어라운드 Bold" panose="020B0600000101010101" pitchFamily="50" charset="-127"/>
-                <a:ea typeface="나눔스퀘어라운드 Bold" panose="020B0600000101010101" pitchFamily="50" charset="-127"/>
-              </a:rPr>
-              <a:t>가정한 분포와 </a:t>
-            </a:r>
-            <a:r>
-              <a:rPr lang="ko-KR" altLang="en-US" sz="1700" dirty="0" smtClean="0">
-                <a:latin typeface="나눔스퀘어라운드 Bold" panose="020B0600000101010101" pitchFamily="50" charset="-127"/>
-                <a:ea typeface="나눔스퀘어라운드 Bold" panose="020B0600000101010101" pitchFamily="50" charset="-127"/>
-              </a:rPr>
-              <a:t>그래프가</a:t>
-            </a:r>
-            <a:r>
-              <a:rPr lang="en-US" altLang="ko-KR" sz="1700" dirty="0">
-                <a:latin typeface="나눔스퀘어라운드 Bold" panose="020B0600000101010101" pitchFamily="50" charset="-127"/>
-                <a:ea typeface="나눔스퀘어라운드 Bold" panose="020B0600000101010101" pitchFamily="50" charset="-127"/>
-              </a:rPr>
-              <a:t> </a:t>
-            </a:r>
-            <a:r>
-              <a:rPr lang="ko-KR" altLang="en-US" sz="1700" dirty="0" smtClean="0">
-                <a:latin typeface="나눔스퀘어라운드 Bold" panose="020B0600000101010101" pitchFamily="50" charset="-127"/>
-                <a:ea typeface="나눔스퀘어라운드 Bold" panose="020B0600000101010101" pitchFamily="50" charset="-127"/>
-              </a:rPr>
-              <a:t>얼마나 </a:t>
-            </a:r>
-            <a:r>
-              <a:rPr lang="ko-KR" altLang="en-US" sz="1700" dirty="0">
-                <a:latin typeface="나눔스퀘어라운드 Bold" panose="020B0600000101010101" pitchFamily="50" charset="-127"/>
-                <a:ea typeface="나눔스퀘어라운드 Bold" panose="020B0600000101010101" pitchFamily="50" charset="-127"/>
-              </a:rPr>
-              <a:t>일치하는지 파악한다</a:t>
-            </a:r>
-          </a:p>
-        </p:txBody>
-      </p:sp>
-      <p:pic>
-        <p:nvPicPr>
-          <p:cNvPr id="6" name="그림 5"/>
-          <p:cNvPicPr>
-            <a:picLocks noChangeAspect="1"/>
-          </p:cNvPicPr>
-          <p:nvPr/>
-        </p:nvPicPr>
-        <p:blipFill rotWithShape="1">
-          <a:blip r:embed="rId4">
-            <a:extLst>
-              <a:ext uri="{28A0092B-C50C-407E-A947-70E740481C1C}">
-                <a14:useLocalDpi xmlns:a14="http://schemas.microsoft.com/office/drawing/2010/main" val="0"/>
-              </a:ext>
-            </a:extLst>
-          </a:blip>
-          <a:srcRect t="18474" r="295"/>
-          <a:stretch/>
-        </p:blipFill>
-        <p:spPr>
-          <a:xfrm>
-            <a:off x="711484" y="3366794"/>
-            <a:ext cx="4760243" cy="3116331"/>
-          </a:xfrm>
-          <a:prstGeom prst="rect">
-            <a:avLst/>
-          </a:prstGeom>
-        </p:spPr>
-      </p:pic>
-      <p:pic>
-        <p:nvPicPr>
-          <p:cNvPr id="7" name="그림 6"/>
-          <p:cNvPicPr>
-            <a:picLocks noChangeAspect="1"/>
-          </p:cNvPicPr>
-          <p:nvPr/>
-        </p:nvPicPr>
-        <p:blipFill>
-          <a:blip r:embed="rId5">
-            <a:extLst>
-              <a:ext uri="{28A0092B-C50C-407E-A947-70E740481C1C}">
-                <a14:useLocalDpi xmlns:a14="http://schemas.microsoft.com/office/drawing/2010/main" val="0"/>
-              </a:ext>
-            </a:extLst>
-          </a:blip>
-          <a:stretch>
-            <a:fillRect/>
-          </a:stretch>
-        </p:blipFill>
-        <p:spPr>
-          <a:xfrm>
-            <a:off x="6628130" y="3109547"/>
-            <a:ext cx="3639058" cy="3562847"/>
-          </a:xfrm>
-          <a:prstGeom prst="rect">
-            <a:avLst/>
-          </a:prstGeom>
-        </p:spPr>
-      </p:pic>
     </p:spTree>
     <p:extLst>
       <p:ext uri="{BB962C8B-B14F-4D97-AF65-F5344CB8AC3E}">
-        <p14:creationId xmlns:p14="http://schemas.microsoft.com/office/powerpoint/2010/main" val="984476580"/>
+        <p14:creationId xmlns:p14="http://schemas.microsoft.com/office/powerpoint/2010/main" val="2213019739"/>
       </p:ext>
     </p:extLst>
   </p:cSld>
@@ -10600,7 +9380,7 @@
   <p:cSld>
     <p:spTree>
       <p:nvGrpSpPr>
-        <p:cNvPr id="1" name="Shape 124"/>
+        <p:cNvPr id="1" name="Shape 133"/>
         <p:cNvGrpSpPr/>
         <p:nvPr/>
       </p:nvGrpSpPr>
@@ -10614,20 +9394,20 @@
       </p:grpSpPr>
       <p:cxnSp>
         <p:nvCxnSpPr>
-          <p:cNvPr id="125" name="Google Shape;125;p15"/>
+          <p:cNvPr id="10" name="Google Shape;134;p16"/>
           <p:cNvCxnSpPr/>
           <p:nvPr/>
         </p:nvCxnSpPr>
         <p:spPr>
           <a:xfrm>
-            <a:off x="5129063" y="3064838"/>
-            <a:ext cx="2655694" cy="0"/>
+            <a:off x="431371" y="344696"/>
+            <a:ext cx="9660647" cy="0"/>
           </a:xfrm>
           <a:prstGeom prst="straightConnector1">
             <a:avLst/>
           </a:prstGeom>
           <a:noFill/>
-          <a:ln w="57150" cap="flat" cmpd="sng">
+          <a:ln w="12700" cap="flat" cmpd="sng">
             <a:solidFill>
               <a:srgbClr val="BFBFBF"/>
             </a:solidFill>
@@ -10640,47 +9420,45 @@
       </p:cxnSp>
       <p:sp>
         <p:nvSpPr>
-          <p:cNvPr id="126" name="Google Shape;126;p15"/>
-          <p:cNvSpPr txBox="1"/>
+          <p:cNvPr id="11" name="Google Shape;136;p16"/>
+          <p:cNvSpPr/>
           <p:nvPr/>
         </p:nvSpPr>
         <p:spPr>
           <a:xfrm>
-            <a:off x="5466825" y="3316293"/>
-            <a:ext cx="2317932" cy="574236"/>
+            <a:off x="10086439" y="187755"/>
+            <a:ext cx="60959" cy="360904"/>
           </a:xfrm>
           <a:prstGeom prst="rect">
             <a:avLst/>
           </a:prstGeom>
-          <a:noFill/>
+          <a:solidFill>
+            <a:srgbClr val="7F7F7F"/>
+          </a:solidFill>
           <a:ln>
             <a:noFill/>
           </a:ln>
-        </p:spPr>
-        <p:txBody>
-          <a:bodyPr spcFirstLastPara="1" wrap="square" lIns="121900" tIns="60933" rIns="121900" bIns="60933" anchor="t" anchorCtr="0">
+          <a:effectLst>
+            <a:outerShdw blurRad="50800" dist="38100" dir="2700000" algn="tl" rotWithShape="0">
+              <a:srgbClr val="000000">
+                <a:alpha val="40000"/>
+              </a:srgbClr>
+            </a:outerShdw>
+          </a:effectLst>
+        </p:spPr>
+        <p:txBody>
+          <a:bodyPr spcFirstLastPara="1" wrap="square" lIns="121900" tIns="60933" rIns="121900" bIns="60933" anchor="ctr" anchorCtr="0">
             <a:noAutofit/>
           </a:bodyPr>
           <a:lstStyle/>
           <a:p>
-            <a:r>
-              <a:rPr lang="ko-KR" altLang="en-US" sz="2800" smtClean="0">
-                <a:solidFill>
-                  <a:schemeClr val="dk1"/>
-                </a:solidFill>
-                <a:latin typeface="Tmon몬소리OTF Black" panose="02000A03000000000000" pitchFamily="50" charset="-127"/>
-                <a:ea typeface="Tmon몬소리OTF Black" panose="02000A03000000000000" pitchFamily="50" charset="-127"/>
-                <a:cs typeface="Arial"/>
-                <a:sym typeface="Arial"/>
-              </a:rPr>
-              <a:t>이미지 시각화</a:t>
-            </a:r>
-            <a:endParaRPr sz="2800" dirty="0">
+            <a:pPr algn="ctr"/>
+            <a:endParaRPr sz="2400">
               <a:solidFill>
-                <a:schemeClr val="dk1"/>
+                <a:schemeClr val="lt1"/>
               </a:solidFill>
-              <a:latin typeface="Tmon몬소리OTF Black" panose="02000A03000000000000" pitchFamily="50" charset="-127"/>
-              <a:ea typeface="Tmon몬소리OTF Black" panose="02000A03000000000000" pitchFamily="50" charset="-127"/>
+              <a:latin typeface="Arial"/>
+              <a:ea typeface="Arial"/>
               <a:cs typeface="Arial"/>
               <a:sym typeface="Arial"/>
             </a:endParaRPr>
@@ -10689,14 +9467,14 @@
       </p:sp>
       <p:sp>
         <p:nvSpPr>
-          <p:cNvPr id="127" name="Google Shape;127;p15"/>
+          <p:cNvPr id="135" name="Google Shape;135;p16"/>
           <p:cNvSpPr/>
           <p:nvPr/>
         </p:nvSpPr>
         <p:spPr>
           <a:xfrm>
-            <a:off x="4456988" y="2779518"/>
-            <a:ext cx="808255" cy="718963"/>
+            <a:off x="-14515" y="149948"/>
+            <a:ext cx="1088572" cy="384043"/>
           </a:xfrm>
           <a:prstGeom prst="rect">
             <a:avLst/>
@@ -10727,16 +9505,84 @@
           </a:p>
         </p:txBody>
       </p:sp>
-      <p:sp>
-        <p:nvSpPr>
-          <p:cNvPr id="128" name="Google Shape;128;p15"/>
+      <p:cxnSp>
+        <p:nvCxnSpPr>
+          <p:cNvPr id="137" name="Google Shape;137;p16"/>
+          <p:cNvCxnSpPr/>
+          <p:nvPr/>
+        </p:nvCxnSpPr>
+        <p:spPr>
+          <a:xfrm>
+            <a:off x="1126708" y="345453"/>
+            <a:ext cx="1233624" cy="0"/>
+          </a:xfrm>
+          <a:prstGeom prst="straightConnector1">
+            <a:avLst/>
+          </a:prstGeom>
+          <a:noFill/>
+          <a:ln w="12700" cap="flat" cmpd="sng">
+            <a:solidFill>
+              <a:srgbClr val="E00868"/>
+            </a:solidFill>
+            <a:prstDash val="solid"/>
+            <a:round/>
+            <a:headEnd type="none" w="sm" len="sm"/>
+            <a:tailEnd type="none" w="sm" len="sm"/>
+          </a:ln>
+        </p:spPr>
+      </p:cxnSp>
+      <p:sp>
+        <p:nvSpPr>
+          <p:cNvPr id="138" name="Google Shape;138;p16"/>
+          <p:cNvSpPr/>
+          <p:nvPr/>
+        </p:nvSpPr>
+        <p:spPr>
+          <a:xfrm rot="5400000">
+            <a:off x="928275" y="295722"/>
+            <a:ext cx="386628" cy="95087"/>
+          </a:xfrm>
+          <a:prstGeom prst="triangle">
+            <a:avLst>
+              <a:gd name="adj" fmla="val 50000"/>
+            </a:avLst>
+          </a:prstGeom>
+          <a:solidFill>
+            <a:srgbClr val="E00868"/>
+          </a:solidFill>
+          <a:ln>
+            <a:noFill/>
+          </a:ln>
+        </p:spPr>
+        <p:txBody>
+          <a:bodyPr spcFirstLastPara="1" wrap="square" lIns="121900" tIns="60933" rIns="121900" bIns="60933" anchor="ctr" anchorCtr="0">
+            <a:noAutofit/>
+          </a:bodyPr>
+          <a:lstStyle/>
+          <a:p>
+            <a:pPr algn="ctr"/>
+            <a:endParaRPr sz="2400">
+              <a:solidFill>
+                <a:schemeClr val="lt1"/>
+              </a:solidFill>
+              <a:latin typeface="Tmon몬소리OTF Black" panose="02000A03000000000000" pitchFamily="50" charset="-127"/>
+              <a:ea typeface="Tmon몬소리OTF Black" panose="02000A03000000000000" pitchFamily="50" charset="-127"/>
+              <a:cs typeface="Arial"/>
+              <a:sym typeface="Arial"/>
+            </a:endParaRPr>
+          </a:p>
+        </p:txBody>
+      </p:sp>
+      <p:sp>
+        <p:nvSpPr>
+          <p:cNvPr id="139" name="Google Shape;139;p16"/>
           <p:cNvSpPr txBox="1"/>
           <p:nvPr/>
         </p:nvSpPr>
         <p:spPr>
           <a:xfrm>
-            <a:off x="4496935" y="2813384"/>
-            <a:ext cx="760060" cy="656213"/>
+            <a:off x="1047714" y="380980"/>
+            <a:ext cx="2755660" cy="529495"/>
           </a:xfrm>
           <a:prstGeom prst="rect">
             <a:avLst/>
@@ -10752,11 +9598,55 @@
           </a:bodyPr>
           <a:lstStyle/>
           <a:p>
-            <a:pPr algn="ctr">
-              <a:lnSpc>
-                <a:spcPct val="150000"/>
-              </a:lnSpc>
-            </a:pPr>
+            <a:r>
+              <a:rPr lang="ko-KR" altLang="en-US" sz="2800" b="1" dirty="0" smtClean="0">
+                <a:solidFill>
+                  <a:schemeClr val="dk1"/>
+                </a:solidFill>
+                <a:latin typeface="Tmon몬소리OTF Black" panose="02000A03000000000000" pitchFamily="50" charset="-127"/>
+                <a:ea typeface="Tmon몬소리OTF Black" panose="02000A03000000000000" pitchFamily="50" charset="-127"/>
+                <a:cs typeface="Arial"/>
+                <a:sym typeface="Arial"/>
+              </a:rPr>
+              <a:t>이미지 처리 기초</a:t>
+            </a:r>
+            <a:endParaRPr sz="2800" b="1" dirty="0">
+              <a:solidFill>
+                <a:schemeClr val="dk1"/>
+              </a:solidFill>
+              <a:latin typeface="Tmon몬소리OTF Black" panose="02000A03000000000000" pitchFamily="50" charset="-127"/>
+              <a:ea typeface="Tmon몬소리OTF Black" panose="02000A03000000000000" pitchFamily="50" charset="-127"/>
+              <a:cs typeface="Arial"/>
+              <a:sym typeface="Arial"/>
+            </a:endParaRPr>
+          </a:p>
+        </p:txBody>
+      </p:sp>
+      <p:sp>
+        <p:nvSpPr>
+          <p:cNvPr id="143" name="Google Shape;143;p16"/>
+          <p:cNvSpPr/>
+          <p:nvPr/>
+        </p:nvSpPr>
+        <p:spPr>
+          <a:xfrm>
+            <a:off x="203690" y="95227"/>
+            <a:ext cx="791373" cy="492443"/>
+          </a:xfrm>
+          <a:prstGeom prst="rect">
+            <a:avLst/>
+          </a:prstGeom>
+          <a:noFill/>
+          <a:ln>
+            <a:noFill/>
+          </a:ln>
+        </p:spPr>
+        <p:txBody>
+          <a:bodyPr spcFirstLastPara="1" wrap="square" lIns="121900" tIns="60933" rIns="121900" bIns="60933" anchor="t" anchorCtr="0">
+            <a:noAutofit/>
+          </a:bodyPr>
+          <a:lstStyle/>
+          <a:p>
             <a:r>
               <a:rPr lang="en-US" sz="2400" b="1" dirty="0" smtClean="0">
                 <a:solidFill>
@@ -10783,7 +9673,7 @@
       </p:sp>
       <p:pic>
         <p:nvPicPr>
-          <p:cNvPr id="6" name="그림 5"/>
+          <p:cNvPr id="12" name="그림 11"/>
           <p:cNvPicPr>
             <a:picLocks noChangeAspect="1"/>
           </p:cNvPicPr>
@@ -10811,10 +9701,386 @@
           </a:prstGeom>
         </p:spPr>
       </p:pic>
+      <p:sp>
+        <p:nvSpPr>
+          <p:cNvPr id="13" name="TextBox 12"/>
+          <p:cNvSpPr txBox="1"/>
+          <p:nvPr/>
+        </p:nvSpPr>
+        <p:spPr>
+          <a:xfrm>
+            <a:off x="599375" y="1047092"/>
+            <a:ext cx="11486607" cy="5632311"/>
+          </a:xfrm>
+          <a:prstGeom prst="rect">
+            <a:avLst/>
+          </a:prstGeom>
+          <a:noFill/>
+        </p:spPr>
+        <p:txBody>
+          <a:bodyPr wrap="square" rtlCol="0">
+            <a:spAutoFit/>
+          </a:bodyPr>
+          <a:lstStyle/>
+          <a:p>
+            <a:pPr marL="342900" lvl="1" indent="-342900">
+              <a:lnSpc>
+                <a:spcPct val="150000"/>
+              </a:lnSpc>
+              <a:buFont typeface="Wingdings" panose="05000000000000000000" pitchFamily="2" charset="2"/>
+              <a:buChar char="ü"/>
+            </a:pPr>
+            <a:r>
+              <a:rPr lang="ko-KR" altLang="en-US" sz="2400" dirty="0" smtClean="0">
+                <a:latin typeface="나눔스퀘어라운드 Bold" panose="020B0600000101010101" pitchFamily="50" charset="-127"/>
+                <a:ea typeface="나눔스퀘어라운드 Bold" panose="020B0600000101010101" pitchFamily="50" charset="-127"/>
+              </a:rPr>
+              <a:t>픽셀 </a:t>
+            </a:r>
+            <a:r>
+              <a:rPr lang="en-US" altLang="ko-KR" sz="2400" dirty="0" smtClean="0">
+                <a:latin typeface="나눔스퀘어라운드 Bold" panose="020B0600000101010101" pitchFamily="50" charset="-127"/>
+                <a:ea typeface="나눔스퀘어라운드 Bold" panose="020B0600000101010101" pitchFamily="50" charset="-127"/>
+              </a:rPr>
+              <a:t>(Pixel)</a:t>
+            </a:r>
+            <a:endParaRPr lang="en-US" altLang="ko-KR" sz="2400" dirty="0">
+              <a:latin typeface="나눔스퀘어라운드 Bold" panose="020B0600000101010101" pitchFamily="50" charset="-127"/>
+              <a:ea typeface="나눔스퀘어라운드 Bold" panose="020B0600000101010101" pitchFamily="50" charset="-127"/>
+            </a:endParaRPr>
+          </a:p>
+          <a:p>
+            <a:pPr marL="800100" lvl="2" indent="-342900">
+              <a:lnSpc>
+                <a:spcPct val="150000"/>
+              </a:lnSpc>
+              <a:buFont typeface="Wingdings" panose="05000000000000000000" pitchFamily="2" charset="2"/>
+              <a:buChar char="§"/>
+            </a:pPr>
+            <a:r>
+              <a:rPr lang="ko-KR" altLang="en-US" sz="2400" dirty="0" smtClean="0">
+                <a:latin typeface="나눔스퀘어라운드 Bold" panose="020B0600000101010101" pitchFamily="50" charset="-127"/>
+                <a:ea typeface="나눔스퀘어라운드 Bold" panose="020B0600000101010101" pitchFamily="50" charset="-127"/>
+              </a:rPr>
+              <a:t>이미지 데이터는 작은 직사각형 모양의 </a:t>
+            </a:r>
+            <a:r>
+              <a:rPr lang="en-US" altLang="ko-KR" sz="2400" dirty="0" smtClean="0">
+                <a:latin typeface="나눔스퀘어라운드 Bold" panose="020B0600000101010101" pitchFamily="50" charset="-127"/>
+                <a:ea typeface="나눔스퀘어라운드 Bold" panose="020B0600000101010101" pitchFamily="50" charset="-127"/>
+              </a:rPr>
+              <a:t>‘</a:t>
+            </a:r>
+            <a:r>
+              <a:rPr lang="ko-KR" altLang="en-US" sz="2400" dirty="0" smtClean="0">
+                <a:latin typeface="나눔스퀘어라운드 Bold" panose="020B0600000101010101" pitchFamily="50" charset="-127"/>
+                <a:ea typeface="나눔스퀘어라운드 Bold" panose="020B0600000101010101" pitchFamily="50" charset="-127"/>
+              </a:rPr>
+              <a:t>픽셀</a:t>
+            </a:r>
+            <a:r>
+              <a:rPr lang="en-US" altLang="ko-KR" sz="2400" dirty="0" smtClean="0">
+                <a:latin typeface="나눔스퀘어라운드 Bold" panose="020B0600000101010101" pitchFamily="50" charset="-127"/>
+                <a:ea typeface="나눔스퀘어라운드 Bold" panose="020B0600000101010101" pitchFamily="50" charset="-127"/>
+              </a:rPr>
+              <a:t>’</a:t>
+            </a:r>
+            <a:r>
+              <a:rPr lang="ko-KR" altLang="en-US" sz="2400" dirty="0" smtClean="0">
+                <a:latin typeface="나눔스퀘어라운드 Bold" panose="020B0600000101010101" pitchFamily="50" charset="-127"/>
+                <a:ea typeface="나눔스퀘어라운드 Bold" panose="020B0600000101010101" pitchFamily="50" charset="-127"/>
+              </a:rPr>
+              <a:t>을</a:t>
+            </a:r>
+            <a:r>
+              <a:rPr lang="en-US" altLang="ko-KR" sz="2400" dirty="0" smtClean="0">
+                <a:latin typeface="나눔스퀘어라운드 Bold" panose="020B0600000101010101" pitchFamily="50" charset="-127"/>
+                <a:ea typeface="나눔스퀘어라운드 Bold" panose="020B0600000101010101" pitchFamily="50" charset="-127"/>
+              </a:rPr>
+              <a:t> </a:t>
+            </a:r>
+            <a:r>
+              <a:rPr lang="ko-KR" altLang="en-US" sz="2400" dirty="0" smtClean="0">
+                <a:latin typeface="나눔스퀘어라운드 Bold" panose="020B0600000101010101" pitchFamily="50" charset="-127"/>
+                <a:ea typeface="나눔스퀘어라운드 Bold" panose="020B0600000101010101" pitchFamily="50" charset="-127"/>
+              </a:rPr>
+              <a:t>모아서 구성 되어진다</a:t>
+            </a:r>
+            <a:endParaRPr lang="en-US" altLang="ko-KR" sz="2400" dirty="0" smtClean="0">
+              <a:latin typeface="나눔스퀘어라운드 Bold" panose="020B0600000101010101" pitchFamily="50" charset="-127"/>
+              <a:ea typeface="나눔스퀘어라운드 Bold" panose="020B0600000101010101" pitchFamily="50" charset="-127"/>
+            </a:endParaRPr>
+          </a:p>
+          <a:p>
+            <a:pPr marL="800100" lvl="2" indent="-342900">
+              <a:lnSpc>
+                <a:spcPct val="150000"/>
+              </a:lnSpc>
+              <a:buFont typeface="Wingdings" panose="05000000000000000000" pitchFamily="2" charset="2"/>
+              <a:buChar char="§"/>
+            </a:pPr>
+            <a:r>
+              <a:rPr lang="ko-KR" altLang="en-US" sz="2400" dirty="0" smtClean="0">
+                <a:latin typeface="나눔스퀘어라운드 Bold" panose="020B0600000101010101" pitchFamily="50" charset="-127"/>
+                <a:ea typeface="나눔스퀘어라운드 Bold" panose="020B0600000101010101" pitchFamily="50" charset="-127"/>
+              </a:rPr>
+              <a:t>전체 이미지의 크기를 표현할 때는 </a:t>
+            </a:r>
+            <a:r>
+              <a:rPr lang="en-US" altLang="ko-KR" sz="2400" dirty="0" smtClean="0">
+                <a:latin typeface="나눔스퀘어라운드 Bold" panose="020B0600000101010101" pitchFamily="50" charset="-127"/>
+                <a:ea typeface="나눔스퀘어라운드 Bold" panose="020B0600000101010101" pitchFamily="50" charset="-127"/>
+              </a:rPr>
+              <a:t>(</a:t>
+            </a:r>
+            <a:r>
+              <a:rPr lang="ko-KR" altLang="en-US" sz="2400" dirty="0" err="1" smtClean="0">
+                <a:latin typeface="나눔스퀘어라운드 Bold" panose="020B0600000101010101" pitchFamily="50" charset="-127"/>
+                <a:ea typeface="나눔스퀘어라운드 Bold" panose="020B0600000101010101" pitchFamily="50" charset="-127"/>
+              </a:rPr>
+              <a:t>세로픽셀수</a:t>
+            </a:r>
+            <a:r>
+              <a:rPr lang="ko-KR" altLang="en-US" sz="2400" dirty="0" smtClean="0">
+                <a:latin typeface="나눔스퀘어라운드 Bold" panose="020B0600000101010101" pitchFamily="50" charset="-127"/>
+                <a:ea typeface="나눔스퀘어라운드 Bold" panose="020B0600000101010101" pitchFamily="50" charset="-127"/>
+              </a:rPr>
+              <a:t> </a:t>
+            </a:r>
+            <a:r>
+              <a:rPr lang="en-US" altLang="ko-KR" sz="2400" dirty="0" smtClean="0">
+                <a:latin typeface="나눔스퀘어라운드 Bold" panose="020B0600000101010101" pitchFamily="50" charset="-127"/>
+                <a:ea typeface="나눔스퀘어라운드 Bold" panose="020B0600000101010101" pitchFamily="50" charset="-127"/>
+              </a:rPr>
+              <a:t>x</a:t>
+            </a:r>
+            <a:r>
+              <a:rPr lang="ko-KR" altLang="en-US" sz="2400" dirty="0" smtClean="0">
+                <a:latin typeface="나눔스퀘어라운드 Bold" panose="020B0600000101010101" pitchFamily="50" charset="-127"/>
+                <a:ea typeface="나눔스퀘어라운드 Bold" panose="020B0600000101010101" pitchFamily="50" charset="-127"/>
+              </a:rPr>
+              <a:t> </a:t>
+            </a:r>
+            <a:r>
+              <a:rPr lang="ko-KR" altLang="en-US" sz="2400" dirty="0" err="1" smtClean="0">
+                <a:latin typeface="나눔스퀘어라운드 Bold" panose="020B0600000101010101" pitchFamily="50" charset="-127"/>
+                <a:ea typeface="나눔스퀘어라운드 Bold" panose="020B0600000101010101" pitchFamily="50" charset="-127"/>
+              </a:rPr>
+              <a:t>가로픽셀수</a:t>
+            </a:r>
+            <a:r>
+              <a:rPr lang="en-US" altLang="ko-KR" sz="2400" dirty="0" smtClean="0">
+                <a:latin typeface="나눔스퀘어라운드 Bold" panose="020B0600000101010101" pitchFamily="50" charset="-127"/>
+                <a:ea typeface="나눔스퀘어라운드 Bold" panose="020B0600000101010101" pitchFamily="50" charset="-127"/>
+              </a:rPr>
+              <a:t>) </a:t>
+            </a:r>
+            <a:r>
+              <a:rPr lang="ko-KR" altLang="en-US" sz="2400" dirty="0" smtClean="0">
+                <a:latin typeface="나눔스퀘어라운드 Bold" panose="020B0600000101010101" pitchFamily="50" charset="-127"/>
+                <a:ea typeface="나눔스퀘어라운드 Bold" panose="020B0600000101010101" pitchFamily="50" charset="-127"/>
+              </a:rPr>
+              <a:t>로 표현된다 </a:t>
+            </a:r>
+            <a:endParaRPr lang="en-US" altLang="ko-KR" sz="2400" dirty="0" smtClean="0">
+              <a:latin typeface="나눔스퀘어라운드 Bold" panose="020B0600000101010101" pitchFamily="50" charset="-127"/>
+              <a:ea typeface="나눔스퀘어라운드 Bold" panose="020B0600000101010101" pitchFamily="50" charset="-127"/>
+            </a:endParaRPr>
+          </a:p>
+          <a:p>
+            <a:pPr marL="800100" lvl="2" indent="-342900">
+              <a:lnSpc>
+                <a:spcPct val="150000"/>
+              </a:lnSpc>
+              <a:buFont typeface="Wingdings" panose="05000000000000000000" pitchFamily="2" charset="2"/>
+              <a:buChar char="§"/>
+            </a:pPr>
+            <a:r>
+              <a:rPr lang="ko-KR" altLang="en-US" sz="2400" dirty="0" smtClean="0">
+                <a:latin typeface="나눔스퀘어라운드 Bold" panose="020B0600000101010101" pitchFamily="50" charset="-127"/>
+                <a:ea typeface="나눔스퀘어라운드 Bold" panose="020B0600000101010101" pitchFamily="50" charset="-127"/>
+              </a:rPr>
+              <a:t>이미지 데이터를 저장할 때는 색을 표현하는 스칼라 값이나 </a:t>
+            </a:r>
+            <a:r>
+              <a:rPr lang="en-US" altLang="ko-KR" sz="2400" dirty="0" smtClean="0">
+                <a:latin typeface="나눔스퀘어라운드 Bold" panose="020B0600000101010101" pitchFamily="50" charset="-127"/>
+                <a:ea typeface="나눔스퀘어라운드 Bold" panose="020B0600000101010101" pitchFamily="50" charset="-127"/>
+              </a:rPr>
+              <a:t>2</a:t>
+            </a:r>
+            <a:r>
+              <a:rPr lang="ko-KR" altLang="en-US" sz="2400" dirty="0" smtClean="0">
+                <a:latin typeface="나눔스퀘어라운드 Bold" panose="020B0600000101010101" pitchFamily="50" charset="-127"/>
+                <a:ea typeface="나눔스퀘어라운드 Bold" panose="020B0600000101010101" pitchFamily="50" charset="-127"/>
+              </a:rPr>
+              <a:t>차원 벡터로 표현한다 </a:t>
+            </a:r>
+            <a:r>
+              <a:rPr lang="en-US" altLang="ko-KR" sz="2400" dirty="0" smtClean="0">
+                <a:latin typeface="나눔스퀘어라운드 Bold" panose="020B0600000101010101" pitchFamily="50" charset="-127"/>
+                <a:ea typeface="나눔스퀘어라운드 Bold" panose="020B0600000101010101" pitchFamily="50" charset="-127"/>
+              </a:rPr>
+              <a:t>(</a:t>
+            </a:r>
+            <a:r>
+              <a:rPr lang="en-US" altLang="ko-KR" sz="2400" dirty="0" err="1" smtClean="0">
+                <a:latin typeface="나눔스퀘어라운드 Bold" panose="020B0600000101010101" pitchFamily="50" charset="-127"/>
+                <a:ea typeface="나눔스퀘어라운드 Bold" panose="020B0600000101010101" pitchFamily="50" charset="-127"/>
+              </a:rPr>
+              <a:t>ndarray</a:t>
+            </a:r>
+            <a:r>
+              <a:rPr lang="en-US" altLang="ko-KR" sz="2400" dirty="0" smtClean="0">
+                <a:latin typeface="나눔스퀘어라운드 Bold" panose="020B0600000101010101" pitchFamily="50" charset="-127"/>
+                <a:ea typeface="나눔스퀘어라운드 Bold" panose="020B0600000101010101" pitchFamily="50" charset="-127"/>
+              </a:rPr>
+              <a:t>)</a:t>
+            </a:r>
+          </a:p>
+          <a:p>
+            <a:pPr marL="457200" lvl="2">
+              <a:lnSpc>
+                <a:spcPct val="150000"/>
+              </a:lnSpc>
+            </a:pPr>
+            <a:endParaRPr lang="en-US" altLang="ko-KR" sz="2400" dirty="0">
+              <a:latin typeface="나눔스퀘어라운드 Bold" panose="020B0600000101010101" pitchFamily="50" charset="-127"/>
+              <a:ea typeface="나눔스퀘어라운드 Bold" panose="020B0600000101010101" pitchFamily="50" charset="-127"/>
+            </a:endParaRPr>
+          </a:p>
+          <a:p>
+            <a:pPr marL="342900" lvl="1" indent="-342900">
+              <a:lnSpc>
+                <a:spcPct val="150000"/>
+              </a:lnSpc>
+              <a:buFont typeface="Wingdings" panose="05000000000000000000" pitchFamily="2" charset="2"/>
+              <a:buChar char="ü"/>
+            </a:pPr>
+            <a:r>
+              <a:rPr lang="ko-KR" altLang="en-US" sz="2400" dirty="0" smtClean="0">
+                <a:latin typeface="나눔스퀘어라운드 Bold" panose="020B0600000101010101" pitchFamily="50" charset="-127"/>
+                <a:ea typeface="나눔스퀘어라운드 Bold" panose="020B0600000101010101" pitchFamily="50" charset="-127"/>
+              </a:rPr>
+              <a:t>색 공간</a:t>
+            </a:r>
+            <a:r>
+              <a:rPr lang="en-US" altLang="ko-KR" sz="2400" dirty="0" smtClean="0">
+                <a:latin typeface="나눔스퀘어라운드 Bold" panose="020B0600000101010101" pitchFamily="50" charset="-127"/>
+                <a:ea typeface="나눔스퀘어라운드 Bold" panose="020B0600000101010101" pitchFamily="50" charset="-127"/>
+              </a:rPr>
+              <a:t>(color space)</a:t>
+            </a:r>
+            <a:endParaRPr lang="en-US" altLang="ko-KR" sz="2400" dirty="0">
+              <a:latin typeface="나눔스퀘어라운드 Bold" panose="020B0600000101010101" pitchFamily="50" charset="-127"/>
+              <a:ea typeface="나눔스퀘어라운드 Bold" panose="020B0600000101010101" pitchFamily="50" charset="-127"/>
+            </a:endParaRPr>
+          </a:p>
+          <a:p>
+            <a:pPr marL="800100" lvl="2" indent="-342900">
+              <a:lnSpc>
+                <a:spcPct val="150000"/>
+              </a:lnSpc>
+              <a:buFont typeface="Wingdings" panose="05000000000000000000" pitchFamily="2" charset="2"/>
+              <a:buChar char="§"/>
+            </a:pPr>
+            <a:r>
+              <a:rPr lang="ko-KR" altLang="en-US" sz="2400" dirty="0" smtClean="0">
+                <a:latin typeface="나눔스퀘어라운드 Bold" panose="020B0600000101010101" pitchFamily="50" charset="-127"/>
+                <a:ea typeface="나눔스퀘어라운드 Bold" panose="020B0600000101010101" pitchFamily="50" charset="-127"/>
+              </a:rPr>
+              <a:t>픽셀의 색을 스칼라 값</a:t>
+            </a:r>
+            <a:r>
+              <a:rPr lang="en-US" altLang="ko-KR" sz="2400" dirty="0" smtClean="0">
+                <a:latin typeface="나눔스퀘어라운드 Bold" panose="020B0600000101010101" pitchFamily="50" charset="-127"/>
+                <a:ea typeface="나눔스퀘어라운드 Bold" panose="020B0600000101010101" pitchFamily="50" charset="-127"/>
+              </a:rPr>
+              <a:t>(</a:t>
+            </a:r>
+            <a:r>
+              <a:rPr lang="ko-KR" altLang="en-US" sz="2400" dirty="0" smtClean="0">
+                <a:latin typeface="나눔스퀘어라운드 Bold" panose="020B0600000101010101" pitchFamily="50" charset="-127"/>
+                <a:ea typeface="나눔스퀘어라운드 Bold" panose="020B0600000101010101" pitchFamily="50" charset="-127"/>
+              </a:rPr>
+              <a:t>숫자</a:t>
+            </a:r>
+            <a:r>
+              <a:rPr lang="en-US" altLang="ko-KR" sz="2400" dirty="0" smtClean="0">
+                <a:latin typeface="나눔스퀘어라운드 Bold" panose="020B0600000101010101" pitchFamily="50" charset="-127"/>
+                <a:ea typeface="나눔스퀘어라운드 Bold" panose="020B0600000101010101" pitchFamily="50" charset="-127"/>
+              </a:rPr>
+              <a:t>)</a:t>
+            </a:r>
+            <a:r>
+              <a:rPr lang="ko-KR" altLang="en-US" sz="2400" dirty="0" smtClean="0">
+                <a:latin typeface="나눔스퀘어라운드 Bold" panose="020B0600000101010101" pitchFamily="50" charset="-127"/>
+                <a:ea typeface="나눔스퀘어라운드 Bold" panose="020B0600000101010101" pitchFamily="50" charset="-127"/>
+              </a:rPr>
+              <a:t>로 표현한 것을 색 공간이라고 한다</a:t>
+            </a:r>
+            <a:r>
+              <a:rPr lang="en-US" altLang="ko-KR" sz="2400" dirty="0" smtClean="0">
+                <a:latin typeface="나눔스퀘어라운드 Bold" panose="020B0600000101010101" pitchFamily="50" charset="-127"/>
+                <a:ea typeface="나눔스퀘어라운드 Bold" panose="020B0600000101010101" pitchFamily="50" charset="-127"/>
+              </a:rPr>
+              <a:t>. </a:t>
+            </a:r>
+          </a:p>
+          <a:p>
+            <a:pPr marL="800100" lvl="2" indent="-342900">
+              <a:lnSpc>
+                <a:spcPct val="150000"/>
+              </a:lnSpc>
+              <a:buFont typeface="Wingdings" panose="05000000000000000000" pitchFamily="2" charset="2"/>
+              <a:buChar char="§"/>
+            </a:pPr>
+            <a:r>
+              <a:rPr lang="ko-KR" altLang="en-US" sz="2400" dirty="0" smtClean="0">
+                <a:latin typeface="나눔스퀘어라운드 Bold" panose="020B0600000101010101" pitchFamily="50" charset="-127"/>
+                <a:ea typeface="나눔스퀘어라운드 Bold" panose="020B0600000101010101" pitchFamily="50" charset="-127"/>
+              </a:rPr>
+              <a:t>대표적으로는 </a:t>
+            </a:r>
+            <a:r>
+              <a:rPr lang="en-US" altLang="ko-KR" sz="2400" dirty="0" smtClean="0">
+                <a:latin typeface="나눔스퀘어라운드 Bold" panose="020B0600000101010101" pitchFamily="50" charset="-127"/>
+                <a:ea typeface="나눔스퀘어라운드 Bold" panose="020B0600000101010101" pitchFamily="50" charset="-127"/>
+              </a:rPr>
+              <a:t>RGB(Red, Green, Blue), </a:t>
+            </a:r>
+            <a:r>
+              <a:rPr lang="ko-KR" altLang="en-US" sz="2400" dirty="0" smtClean="0">
+                <a:latin typeface="나눔스퀘어라운드 Bold" panose="020B0600000101010101" pitchFamily="50" charset="-127"/>
+                <a:ea typeface="나눔스퀘어라운드 Bold" panose="020B0600000101010101" pitchFamily="50" charset="-127"/>
+              </a:rPr>
+              <a:t>그레이스케일</a:t>
+            </a:r>
+            <a:r>
+              <a:rPr lang="en-US" altLang="ko-KR" sz="2400" dirty="0" smtClean="0">
+                <a:latin typeface="나눔스퀘어라운드 Bold" panose="020B0600000101010101" pitchFamily="50" charset="-127"/>
+                <a:ea typeface="나눔스퀘어라운드 Bold" panose="020B0600000101010101" pitchFamily="50" charset="-127"/>
+              </a:rPr>
+              <a:t>(gray scale), HSV(Hue-Saturation-Value) </a:t>
+            </a:r>
+            <a:r>
+              <a:rPr lang="ko-KR" altLang="en-US" sz="2400" dirty="0" smtClean="0">
+                <a:latin typeface="나눔스퀘어라운드 Bold" panose="020B0600000101010101" pitchFamily="50" charset="-127"/>
+                <a:ea typeface="나눔스퀘어라운드 Bold" panose="020B0600000101010101" pitchFamily="50" charset="-127"/>
+              </a:rPr>
+              <a:t>가 있다</a:t>
+            </a:r>
+            <a:endParaRPr lang="en-US" altLang="ko-KR" sz="2400" dirty="0" smtClean="0">
+              <a:latin typeface="나눔스퀘어라운드 Bold" panose="020B0600000101010101" pitchFamily="50" charset="-127"/>
+              <a:ea typeface="나눔스퀘어라운드 Bold" panose="020B0600000101010101" pitchFamily="50" charset="-127"/>
+            </a:endParaRPr>
+          </a:p>
+        </p:txBody>
+      </p:sp>
     </p:spTree>
     <p:extLst>
       <p:ext uri="{BB962C8B-B14F-4D97-AF65-F5344CB8AC3E}">
-        <p14:creationId xmlns:p14="http://schemas.microsoft.com/office/powerpoint/2010/main" val="2213019739"/>
+        <p14:creationId xmlns:p14="http://schemas.microsoft.com/office/powerpoint/2010/main" val="1688625887"/>
       </p:ext>
     </p:extLst>
   </p:cSld>
